--- a/Portfolio Presentation/IST782_Powerpoint_Maugeri.pptx
+++ b/Portfolio Presentation/IST782_Powerpoint_Maugeri.pptx
@@ -4,15 +4,26 @@
   <p:sldMasterIdLst>
     <p:sldMasterId id="2147483648" r:id="rId1"/>
   </p:sldMasterIdLst>
+  <p:notesMasterIdLst>
+    <p:notesMasterId r:id="rId18"/>
+  </p:notesMasterIdLst>
   <p:sldIdLst>
     <p:sldId id="256" r:id="rId2"/>
     <p:sldId id="258" r:id="rId3"/>
     <p:sldId id="259" r:id="rId4"/>
-    <p:sldId id="260" r:id="rId5"/>
-    <p:sldId id="261" r:id="rId6"/>
-    <p:sldId id="262" r:id="rId7"/>
-    <p:sldId id="263" r:id="rId8"/>
-    <p:sldId id="264" r:id="rId9"/>
+    <p:sldId id="265" r:id="rId5"/>
+    <p:sldId id="260" r:id="rId6"/>
+    <p:sldId id="266" r:id="rId7"/>
+    <p:sldId id="261" r:id="rId8"/>
+    <p:sldId id="267" r:id="rId9"/>
+    <p:sldId id="262" r:id="rId10"/>
+    <p:sldId id="268" r:id="rId11"/>
+    <p:sldId id="263" r:id="rId12"/>
+    <p:sldId id="272" r:id="rId13"/>
+    <p:sldId id="264" r:id="rId14"/>
+    <p:sldId id="269" r:id="rId15"/>
+    <p:sldId id="270" r:id="rId16"/>
+    <p:sldId id="271" r:id="rId17"/>
   </p:sldIdLst>
   <p:sldSz cx="12192000" cy="6858000"/>
   <p:notesSz cx="6858000" cy="9144000"/>
@@ -111,7 +122,1184 @@
       </a:defRPr>
     </a:lvl9pPr>
   </p:defaultTextStyle>
+  <p:extLst>
+    <p:ext uri="{EFAFB233-063F-42B5-8137-9DF3F51BA10A}">
+      <p15:sldGuideLst xmlns:p15="http://schemas.microsoft.com/office/powerpoint/2012/main"/>
+    </p:ext>
+  </p:extLst>
 </p:presentation>
+</file>
+
+<file path=ppt/notesMasters/notesMaster1.xml><?xml version="1.0" encoding="utf-8"?>
+<p:notesMaster xmlns:a="http://schemas.openxmlformats.org/drawingml/2006/main" xmlns:r="http://schemas.openxmlformats.org/officeDocument/2006/relationships" xmlns:p="http://schemas.openxmlformats.org/presentationml/2006/main">
+  <p:cSld>
+    <p:bg>
+      <p:bgRef idx="1001">
+        <a:schemeClr val="bg1"/>
+      </p:bgRef>
+    </p:bg>
+    <p:spTree>
+      <p:nvGrpSpPr>
+        <p:cNvPr id="1" name=""/>
+        <p:cNvGrpSpPr/>
+        <p:nvPr/>
+      </p:nvGrpSpPr>
+      <p:grpSpPr>
+        <a:xfrm>
+          <a:off x="0" y="0"/>
+          <a:ext cx="0" cy="0"/>
+          <a:chOff x="0" y="0"/>
+          <a:chExt cx="0" cy="0"/>
+        </a:xfrm>
+      </p:grpSpPr>
+      <p:sp>
+        <p:nvSpPr>
+          <p:cNvPr id="2" name="Header Placeholder 1"/>
+          <p:cNvSpPr>
+            <a:spLocks noGrp="1"/>
+          </p:cNvSpPr>
+          <p:nvPr>
+            <p:ph type="hdr" sz="quarter"/>
+          </p:nvPr>
+        </p:nvSpPr>
+        <p:spPr>
+          <a:xfrm>
+            <a:off x="0" y="0"/>
+            <a:ext cx="2971800" cy="458788"/>
+          </a:xfrm>
+          <a:prstGeom prst="rect">
+            <a:avLst/>
+          </a:prstGeom>
+        </p:spPr>
+        <p:txBody>
+          <a:bodyPr vert="horz" lIns="91440" tIns="45720" rIns="91440" bIns="45720" rtlCol="0"/>
+          <a:lstStyle>
+            <a:lvl1pPr algn="l">
+              <a:defRPr sz="1200"/>
+            </a:lvl1pPr>
+          </a:lstStyle>
+          <a:p>
+            <a:endParaRPr lang="en-US"/>
+          </a:p>
+        </p:txBody>
+      </p:sp>
+      <p:sp>
+        <p:nvSpPr>
+          <p:cNvPr id="3" name="Date Placeholder 2"/>
+          <p:cNvSpPr>
+            <a:spLocks noGrp="1"/>
+          </p:cNvSpPr>
+          <p:nvPr>
+            <p:ph type="dt" idx="1"/>
+          </p:nvPr>
+        </p:nvSpPr>
+        <p:spPr>
+          <a:xfrm>
+            <a:off x="3884613" y="0"/>
+            <a:ext cx="2971800" cy="458788"/>
+          </a:xfrm>
+          <a:prstGeom prst="rect">
+            <a:avLst/>
+          </a:prstGeom>
+        </p:spPr>
+        <p:txBody>
+          <a:bodyPr vert="horz" lIns="91440" tIns="45720" rIns="91440" bIns="45720" rtlCol="0"/>
+          <a:lstStyle>
+            <a:lvl1pPr algn="r">
+              <a:defRPr sz="1200"/>
+            </a:lvl1pPr>
+          </a:lstStyle>
+          <a:p>
+            <a:fld id="{3854D0C0-8B5B-4F22-A961-8F380BFE40D4}" type="datetimeFigureOut">
+              <a:rPr lang="en-US" smtClean="0"/>
+              <a:t>6/9/2023</a:t>
+            </a:fld>
+            <a:endParaRPr lang="en-US"/>
+          </a:p>
+        </p:txBody>
+      </p:sp>
+      <p:sp>
+        <p:nvSpPr>
+          <p:cNvPr id="4" name="Slide Image Placeholder 3"/>
+          <p:cNvSpPr>
+            <a:spLocks noGrp="1" noRot="1" noChangeAspect="1"/>
+          </p:cNvSpPr>
+          <p:nvPr>
+            <p:ph type="sldImg" idx="2"/>
+          </p:nvPr>
+        </p:nvSpPr>
+        <p:spPr>
+          <a:xfrm>
+            <a:off x="685800" y="1143000"/>
+            <a:ext cx="5486400" cy="3086100"/>
+          </a:xfrm>
+          <a:prstGeom prst="rect">
+            <a:avLst/>
+          </a:prstGeom>
+          <a:noFill/>
+          <a:ln w="12700">
+            <a:solidFill>
+              <a:prstClr val="black"/>
+            </a:solidFill>
+          </a:ln>
+        </p:spPr>
+        <p:txBody>
+          <a:bodyPr vert="horz" lIns="91440" tIns="45720" rIns="91440" bIns="45720" rtlCol="0" anchor="ctr"/>
+          <a:lstStyle/>
+          <a:p>
+            <a:endParaRPr lang="en-US"/>
+          </a:p>
+        </p:txBody>
+      </p:sp>
+      <p:sp>
+        <p:nvSpPr>
+          <p:cNvPr id="5" name="Notes Placeholder 4"/>
+          <p:cNvSpPr>
+            <a:spLocks noGrp="1"/>
+          </p:cNvSpPr>
+          <p:nvPr>
+            <p:ph type="body" sz="quarter" idx="3"/>
+          </p:nvPr>
+        </p:nvSpPr>
+        <p:spPr>
+          <a:xfrm>
+            <a:off x="685800" y="4400550"/>
+            <a:ext cx="5486400" cy="3600450"/>
+          </a:xfrm>
+          <a:prstGeom prst="rect">
+            <a:avLst/>
+          </a:prstGeom>
+        </p:spPr>
+        <p:txBody>
+          <a:bodyPr vert="horz" lIns="91440" tIns="45720" rIns="91440" bIns="45720" rtlCol="0"/>
+          <a:lstStyle/>
+          <a:p>
+            <a:pPr lvl="0"/>
+            <a:r>
+              <a:rPr lang="en-US"/>
+              <a:t>Click to edit Master text styles</a:t>
+            </a:r>
+          </a:p>
+          <a:p>
+            <a:pPr lvl="1"/>
+            <a:r>
+              <a:rPr lang="en-US"/>
+              <a:t>Second level</a:t>
+            </a:r>
+          </a:p>
+          <a:p>
+            <a:pPr lvl="2"/>
+            <a:r>
+              <a:rPr lang="en-US"/>
+              <a:t>Third level</a:t>
+            </a:r>
+          </a:p>
+          <a:p>
+            <a:pPr lvl="3"/>
+            <a:r>
+              <a:rPr lang="en-US"/>
+              <a:t>Fourth level</a:t>
+            </a:r>
+          </a:p>
+          <a:p>
+            <a:pPr lvl="4"/>
+            <a:r>
+              <a:rPr lang="en-US"/>
+              <a:t>Fifth level</a:t>
+            </a:r>
+          </a:p>
+        </p:txBody>
+      </p:sp>
+      <p:sp>
+        <p:nvSpPr>
+          <p:cNvPr id="6" name="Footer Placeholder 5"/>
+          <p:cNvSpPr>
+            <a:spLocks noGrp="1"/>
+          </p:cNvSpPr>
+          <p:nvPr>
+            <p:ph type="ftr" sz="quarter" idx="4"/>
+          </p:nvPr>
+        </p:nvSpPr>
+        <p:spPr>
+          <a:xfrm>
+            <a:off x="0" y="8685213"/>
+            <a:ext cx="2971800" cy="458787"/>
+          </a:xfrm>
+          <a:prstGeom prst="rect">
+            <a:avLst/>
+          </a:prstGeom>
+        </p:spPr>
+        <p:txBody>
+          <a:bodyPr vert="horz" lIns="91440" tIns="45720" rIns="91440" bIns="45720" rtlCol="0" anchor="b"/>
+          <a:lstStyle>
+            <a:lvl1pPr algn="l">
+              <a:defRPr sz="1200"/>
+            </a:lvl1pPr>
+          </a:lstStyle>
+          <a:p>
+            <a:endParaRPr lang="en-US"/>
+          </a:p>
+        </p:txBody>
+      </p:sp>
+      <p:sp>
+        <p:nvSpPr>
+          <p:cNvPr id="7" name="Slide Number Placeholder 6"/>
+          <p:cNvSpPr>
+            <a:spLocks noGrp="1"/>
+          </p:cNvSpPr>
+          <p:nvPr>
+            <p:ph type="sldNum" sz="quarter" idx="5"/>
+          </p:nvPr>
+        </p:nvSpPr>
+        <p:spPr>
+          <a:xfrm>
+            <a:off x="3884613" y="8685213"/>
+            <a:ext cx="2971800" cy="458787"/>
+          </a:xfrm>
+          <a:prstGeom prst="rect">
+            <a:avLst/>
+          </a:prstGeom>
+        </p:spPr>
+        <p:txBody>
+          <a:bodyPr vert="horz" lIns="91440" tIns="45720" rIns="91440" bIns="45720" rtlCol="0" anchor="b"/>
+          <a:lstStyle>
+            <a:lvl1pPr algn="r">
+              <a:defRPr sz="1200"/>
+            </a:lvl1pPr>
+          </a:lstStyle>
+          <a:p>
+            <a:fld id="{DEC6D9F9-AC3B-4186-9B32-D2E4A66BAF46}" type="slidenum">
+              <a:rPr lang="en-US" smtClean="0"/>
+              <a:t>‹#›</a:t>
+            </a:fld>
+            <a:endParaRPr lang="en-US"/>
+          </a:p>
+        </p:txBody>
+      </p:sp>
+    </p:spTree>
+    <p:extLst>
+      <p:ext uri="{BB962C8B-B14F-4D97-AF65-F5344CB8AC3E}">
+        <p14:creationId xmlns:p14="http://schemas.microsoft.com/office/powerpoint/2010/main" val="1055815364"/>
+      </p:ext>
+    </p:extLst>
+  </p:cSld>
+  <p:clrMap bg1="lt1" tx1="dk1" bg2="lt2" tx2="dk2" accent1="accent1" accent2="accent2" accent3="accent3" accent4="accent4" accent5="accent5" accent6="accent6" hlink="hlink" folHlink="folHlink"/>
+  <p:notesStyle>
+    <a:lvl1pPr marL="0" algn="l" defTabSz="914400" rtl="0" eaLnBrk="1" latinLnBrk="0" hangingPunct="1">
+      <a:defRPr sz="1200" kern="1200">
+        <a:solidFill>
+          <a:schemeClr val="tx1"/>
+        </a:solidFill>
+        <a:latin typeface="+mn-lt"/>
+        <a:ea typeface="+mn-ea"/>
+        <a:cs typeface="+mn-cs"/>
+      </a:defRPr>
+    </a:lvl1pPr>
+    <a:lvl2pPr marL="457200" algn="l" defTabSz="914400" rtl="0" eaLnBrk="1" latinLnBrk="0" hangingPunct="1">
+      <a:defRPr sz="1200" kern="1200">
+        <a:solidFill>
+          <a:schemeClr val="tx1"/>
+        </a:solidFill>
+        <a:latin typeface="+mn-lt"/>
+        <a:ea typeface="+mn-ea"/>
+        <a:cs typeface="+mn-cs"/>
+      </a:defRPr>
+    </a:lvl2pPr>
+    <a:lvl3pPr marL="914400" algn="l" defTabSz="914400" rtl="0" eaLnBrk="1" latinLnBrk="0" hangingPunct="1">
+      <a:defRPr sz="1200" kern="1200">
+        <a:solidFill>
+          <a:schemeClr val="tx1"/>
+        </a:solidFill>
+        <a:latin typeface="+mn-lt"/>
+        <a:ea typeface="+mn-ea"/>
+        <a:cs typeface="+mn-cs"/>
+      </a:defRPr>
+    </a:lvl3pPr>
+    <a:lvl4pPr marL="1371600" algn="l" defTabSz="914400" rtl="0" eaLnBrk="1" latinLnBrk="0" hangingPunct="1">
+      <a:defRPr sz="1200" kern="1200">
+        <a:solidFill>
+          <a:schemeClr val="tx1"/>
+        </a:solidFill>
+        <a:latin typeface="+mn-lt"/>
+        <a:ea typeface="+mn-ea"/>
+        <a:cs typeface="+mn-cs"/>
+      </a:defRPr>
+    </a:lvl4pPr>
+    <a:lvl5pPr marL="1828800" algn="l" defTabSz="914400" rtl="0" eaLnBrk="1" latinLnBrk="0" hangingPunct="1">
+      <a:defRPr sz="1200" kern="1200">
+        <a:solidFill>
+          <a:schemeClr val="tx1"/>
+        </a:solidFill>
+        <a:latin typeface="+mn-lt"/>
+        <a:ea typeface="+mn-ea"/>
+        <a:cs typeface="+mn-cs"/>
+      </a:defRPr>
+    </a:lvl5pPr>
+    <a:lvl6pPr marL="2286000" algn="l" defTabSz="914400" rtl="0" eaLnBrk="1" latinLnBrk="0" hangingPunct="1">
+      <a:defRPr sz="1200" kern="1200">
+        <a:solidFill>
+          <a:schemeClr val="tx1"/>
+        </a:solidFill>
+        <a:latin typeface="+mn-lt"/>
+        <a:ea typeface="+mn-ea"/>
+        <a:cs typeface="+mn-cs"/>
+      </a:defRPr>
+    </a:lvl6pPr>
+    <a:lvl7pPr marL="2743200" algn="l" defTabSz="914400" rtl="0" eaLnBrk="1" latinLnBrk="0" hangingPunct="1">
+      <a:defRPr sz="1200" kern="1200">
+        <a:solidFill>
+          <a:schemeClr val="tx1"/>
+        </a:solidFill>
+        <a:latin typeface="+mn-lt"/>
+        <a:ea typeface="+mn-ea"/>
+        <a:cs typeface="+mn-cs"/>
+      </a:defRPr>
+    </a:lvl7pPr>
+    <a:lvl8pPr marL="3200400" algn="l" defTabSz="914400" rtl="0" eaLnBrk="1" latinLnBrk="0" hangingPunct="1">
+      <a:defRPr sz="1200" kern="1200">
+        <a:solidFill>
+          <a:schemeClr val="tx1"/>
+        </a:solidFill>
+        <a:latin typeface="+mn-lt"/>
+        <a:ea typeface="+mn-ea"/>
+        <a:cs typeface="+mn-cs"/>
+      </a:defRPr>
+    </a:lvl8pPr>
+    <a:lvl9pPr marL="3657600" algn="l" defTabSz="914400" rtl="0" eaLnBrk="1" latinLnBrk="0" hangingPunct="1">
+      <a:defRPr sz="1200" kern="1200">
+        <a:solidFill>
+          <a:schemeClr val="tx1"/>
+        </a:solidFill>
+        <a:latin typeface="+mn-lt"/>
+        <a:ea typeface="+mn-ea"/>
+        <a:cs typeface="+mn-cs"/>
+      </a:defRPr>
+    </a:lvl9pPr>
+  </p:notesStyle>
+</p:notesMaster>
+</file>
+
+<file path=ppt/notesSlides/notesSlide1.xml><?xml version="1.0" encoding="utf-8"?>
+<p:notes xmlns:a="http://schemas.openxmlformats.org/drawingml/2006/main" xmlns:r="http://schemas.openxmlformats.org/officeDocument/2006/relationships" xmlns:p="http://schemas.openxmlformats.org/presentationml/2006/main">
+  <p:cSld>
+    <p:spTree>
+      <p:nvGrpSpPr>
+        <p:cNvPr id="1" name=""/>
+        <p:cNvGrpSpPr/>
+        <p:nvPr/>
+      </p:nvGrpSpPr>
+      <p:grpSpPr>
+        <a:xfrm>
+          <a:off x="0" y="0"/>
+          <a:ext cx="0" cy="0"/>
+          <a:chOff x="0" y="0"/>
+          <a:chExt cx="0" cy="0"/>
+        </a:xfrm>
+      </p:grpSpPr>
+      <p:sp>
+        <p:nvSpPr>
+          <p:cNvPr id="2" name="Slide Image Placeholder 1"/>
+          <p:cNvSpPr>
+            <a:spLocks noGrp="1" noRot="1" noChangeAspect="1"/>
+          </p:cNvSpPr>
+          <p:nvPr>
+            <p:ph type="sldImg"/>
+          </p:nvPr>
+        </p:nvSpPr>
+        <p:spPr/>
+      </p:sp>
+      <p:sp>
+        <p:nvSpPr>
+          <p:cNvPr id="3" name="Notes Placeholder 2"/>
+          <p:cNvSpPr>
+            <a:spLocks noGrp="1"/>
+          </p:cNvSpPr>
+          <p:nvPr>
+            <p:ph type="body" idx="1"/>
+          </p:nvPr>
+        </p:nvSpPr>
+        <p:spPr/>
+        <p:txBody>
+          <a:bodyPr/>
+          <a:lstStyle/>
+          <a:p>
+            <a:r>
+              <a:rPr lang="en-US" dirty="0"/>
+              <a:t>Welcome to Joseph Maugeri’s Final Portfolio Presentation. It is June 9</a:t>
+            </a:r>
+            <a:r>
+              <a:rPr lang="en-US" baseline="30000" dirty="0"/>
+              <a:t>th</a:t>
+            </a:r>
+            <a:r>
+              <a:rPr lang="en-US" dirty="0"/>
+              <a:t> , 2023, at the time of this recording. All material presented and discussed is available through the link to the </a:t>
+            </a:r>
+            <a:r>
+              <a:rPr lang="en-US" dirty="0" err="1"/>
+              <a:t>github</a:t>
+            </a:r>
+            <a:r>
+              <a:rPr lang="en-US" dirty="0"/>
+              <a:t> repository pictured on screen. This was completed through IST 782, the applied data science portfolio as my final degree requirement. </a:t>
+            </a:r>
+          </a:p>
+        </p:txBody>
+      </p:sp>
+      <p:sp>
+        <p:nvSpPr>
+          <p:cNvPr id="4" name="Slide Number Placeholder 3"/>
+          <p:cNvSpPr>
+            <a:spLocks noGrp="1"/>
+          </p:cNvSpPr>
+          <p:nvPr>
+            <p:ph type="sldNum" sz="quarter" idx="5"/>
+          </p:nvPr>
+        </p:nvSpPr>
+        <p:spPr/>
+        <p:txBody>
+          <a:bodyPr/>
+          <a:lstStyle/>
+          <a:p>
+            <a:fld id="{DEC6D9F9-AC3B-4186-9B32-D2E4A66BAF46}" type="slidenum">
+              <a:rPr lang="en-US" smtClean="0"/>
+              <a:t>1</a:t>
+            </a:fld>
+            <a:endParaRPr lang="en-US"/>
+          </a:p>
+        </p:txBody>
+      </p:sp>
+    </p:spTree>
+    <p:extLst>
+      <p:ext uri="{BB962C8B-B14F-4D97-AF65-F5344CB8AC3E}">
+        <p14:creationId xmlns:p14="http://schemas.microsoft.com/office/powerpoint/2010/main" val="4182922218"/>
+      </p:ext>
+    </p:extLst>
+  </p:cSld>
+  <p:clrMapOvr>
+    <a:masterClrMapping/>
+  </p:clrMapOvr>
+</p:notes>
+</file>
+
+<file path=ppt/notesSlides/notesSlide2.xml><?xml version="1.0" encoding="utf-8"?>
+<p:notes xmlns:a="http://schemas.openxmlformats.org/drawingml/2006/main" xmlns:r="http://schemas.openxmlformats.org/officeDocument/2006/relationships" xmlns:p="http://schemas.openxmlformats.org/presentationml/2006/main">
+  <p:cSld>
+    <p:spTree>
+      <p:nvGrpSpPr>
+        <p:cNvPr id="1" name=""/>
+        <p:cNvGrpSpPr/>
+        <p:nvPr/>
+      </p:nvGrpSpPr>
+      <p:grpSpPr>
+        <a:xfrm>
+          <a:off x="0" y="0"/>
+          <a:ext cx="0" cy="0"/>
+          <a:chOff x="0" y="0"/>
+          <a:chExt cx="0" cy="0"/>
+        </a:xfrm>
+      </p:grpSpPr>
+      <p:sp>
+        <p:nvSpPr>
+          <p:cNvPr id="2" name="Slide Image Placeholder 1"/>
+          <p:cNvSpPr>
+            <a:spLocks noGrp="1" noRot="1" noChangeAspect="1"/>
+          </p:cNvSpPr>
+          <p:nvPr>
+            <p:ph type="sldImg"/>
+          </p:nvPr>
+        </p:nvSpPr>
+        <p:spPr/>
+      </p:sp>
+      <p:sp>
+        <p:nvSpPr>
+          <p:cNvPr id="3" name="Notes Placeholder 2"/>
+          <p:cNvSpPr>
+            <a:spLocks noGrp="1"/>
+          </p:cNvSpPr>
+          <p:nvPr>
+            <p:ph type="body" idx="1"/>
+          </p:nvPr>
+        </p:nvSpPr>
+        <p:spPr/>
+        <p:txBody>
+          <a:bodyPr/>
+          <a:lstStyle/>
+          <a:p>
+            <a:r>
+              <a:rPr lang="en-US" dirty="0"/>
+              <a:t>Introduction slide, contextualize your overall purpose and aim of pursuing the ADS program</a:t>
+            </a:r>
+          </a:p>
+        </p:txBody>
+      </p:sp>
+      <p:sp>
+        <p:nvSpPr>
+          <p:cNvPr id="4" name="Slide Number Placeholder 3"/>
+          <p:cNvSpPr>
+            <a:spLocks noGrp="1"/>
+          </p:cNvSpPr>
+          <p:nvPr>
+            <p:ph type="sldNum" sz="quarter" idx="5"/>
+          </p:nvPr>
+        </p:nvSpPr>
+        <p:spPr/>
+        <p:txBody>
+          <a:bodyPr/>
+          <a:lstStyle/>
+          <a:p>
+            <a:fld id="{DEC6D9F9-AC3B-4186-9B32-D2E4A66BAF46}" type="slidenum">
+              <a:rPr lang="en-US" smtClean="0"/>
+              <a:t>2</a:t>
+            </a:fld>
+            <a:endParaRPr lang="en-US"/>
+          </a:p>
+        </p:txBody>
+      </p:sp>
+    </p:spTree>
+    <p:extLst>
+      <p:ext uri="{BB962C8B-B14F-4D97-AF65-F5344CB8AC3E}">
+        <p14:creationId xmlns:p14="http://schemas.microsoft.com/office/powerpoint/2010/main" val="2183660200"/>
+      </p:ext>
+    </p:extLst>
+  </p:cSld>
+  <p:clrMapOvr>
+    <a:masterClrMapping/>
+  </p:clrMapOvr>
+</p:notes>
+</file>
+
+<file path=ppt/notesSlides/notesSlide3.xml><?xml version="1.0" encoding="utf-8"?>
+<p:notes xmlns:a="http://schemas.openxmlformats.org/drawingml/2006/main" xmlns:r="http://schemas.openxmlformats.org/officeDocument/2006/relationships" xmlns:p="http://schemas.openxmlformats.org/presentationml/2006/main">
+  <p:cSld>
+    <p:spTree>
+      <p:nvGrpSpPr>
+        <p:cNvPr id="1" name=""/>
+        <p:cNvGrpSpPr/>
+        <p:nvPr/>
+      </p:nvGrpSpPr>
+      <p:grpSpPr>
+        <a:xfrm>
+          <a:off x="0" y="0"/>
+          <a:ext cx="0" cy="0"/>
+          <a:chOff x="0" y="0"/>
+          <a:chExt cx="0" cy="0"/>
+        </a:xfrm>
+      </p:grpSpPr>
+      <p:sp>
+        <p:nvSpPr>
+          <p:cNvPr id="2" name="Slide Image Placeholder 1"/>
+          <p:cNvSpPr>
+            <a:spLocks noGrp="1" noRot="1" noChangeAspect="1"/>
+          </p:cNvSpPr>
+          <p:nvPr>
+            <p:ph type="sldImg"/>
+          </p:nvPr>
+        </p:nvSpPr>
+        <p:spPr/>
+      </p:sp>
+      <p:sp>
+        <p:nvSpPr>
+          <p:cNvPr id="3" name="Notes Placeholder 2"/>
+          <p:cNvSpPr>
+            <a:spLocks noGrp="1"/>
+          </p:cNvSpPr>
+          <p:nvPr>
+            <p:ph type="body" idx="1"/>
+          </p:nvPr>
+        </p:nvSpPr>
+        <p:spPr/>
+        <p:txBody>
+          <a:bodyPr/>
+          <a:lstStyle/>
+          <a:p>
+            <a:r>
+              <a:rPr lang="en-US" dirty="0"/>
+              <a:t>The first project we will discuss speaks to a real world business case derived from my current place of employment. For context, (read slide notes)</a:t>
+            </a:r>
+          </a:p>
+        </p:txBody>
+      </p:sp>
+      <p:sp>
+        <p:nvSpPr>
+          <p:cNvPr id="4" name="Slide Number Placeholder 3"/>
+          <p:cNvSpPr>
+            <a:spLocks noGrp="1"/>
+          </p:cNvSpPr>
+          <p:nvPr>
+            <p:ph type="sldNum" sz="quarter" idx="5"/>
+          </p:nvPr>
+        </p:nvSpPr>
+        <p:spPr/>
+        <p:txBody>
+          <a:bodyPr/>
+          <a:lstStyle/>
+          <a:p>
+            <a:fld id="{DEC6D9F9-AC3B-4186-9B32-D2E4A66BAF46}" type="slidenum">
+              <a:rPr lang="en-US" smtClean="0"/>
+              <a:t>3</a:t>
+            </a:fld>
+            <a:endParaRPr lang="en-US"/>
+          </a:p>
+        </p:txBody>
+      </p:sp>
+    </p:spTree>
+    <p:extLst>
+      <p:ext uri="{BB962C8B-B14F-4D97-AF65-F5344CB8AC3E}">
+        <p14:creationId xmlns:p14="http://schemas.microsoft.com/office/powerpoint/2010/main" val="2768334819"/>
+      </p:ext>
+    </p:extLst>
+  </p:cSld>
+  <p:clrMapOvr>
+    <a:masterClrMapping/>
+  </p:clrMapOvr>
+</p:notes>
+</file>
+
+<file path=ppt/notesSlides/notesSlide4.xml><?xml version="1.0" encoding="utf-8"?>
+<p:notes xmlns:a="http://schemas.openxmlformats.org/drawingml/2006/main" xmlns:r="http://schemas.openxmlformats.org/officeDocument/2006/relationships" xmlns:p="http://schemas.openxmlformats.org/presentationml/2006/main">
+  <p:cSld>
+    <p:spTree>
+      <p:nvGrpSpPr>
+        <p:cNvPr id="1" name=""/>
+        <p:cNvGrpSpPr/>
+        <p:nvPr/>
+      </p:nvGrpSpPr>
+      <p:grpSpPr>
+        <a:xfrm>
+          <a:off x="0" y="0"/>
+          <a:ext cx="0" cy="0"/>
+          <a:chOff x="0" y="0"/>
+          <a:chExt cx="0" cy="0"/>
+        </a:xfrm>
+      </p:grpSpPr>
+      <p:sp>
+        <p:nvSpPr>
+          <p:cNvPr id="2" name="Slide Image Placeholder 1"/>
+          <p:cNvSpPr>
+            <a:spLocks noGrp="1" noRot="1" noChangeAspect="1"/>
+          </p:cNvSpPr>
+          <p:nvPr>
+            <p:ph type="sldImg"/>
+          </p:nvPr>
+        </p:nvSpPr>
+        <p:spPr/>
+      </p:sp>
+      <p:sp>
+        <p:nvSpPr>
+          <p:cNvPr id="3" name="Notes Placeholder 2"/>
+          <p:cNvSpPr>
+            <a:spLocks noGrp="1"/>
+          </p:cNvSpPr>
+          <p:nvPr>
+            <p:ph type="body" idx="1"/>
+          </p:nvPr>
+        </p:nvSpPr>
+        <p:spPr/>
+        <p:txBody>
+          <a:bodyPr/>
+          <a:lstStyle/>
+          <a:p>
+            <a:r>
+              <a:rPr lang="en-US" dirty="0"/>
+              <a:t>This slide is an example of the modeling and discovery performed to document the business case which required a better way to collect, store and access information at the international company. Briefly put, the company hosts it’s own servers, and has rapidly expanded to the point of needing better data access, consistent governing policies, and greater failsafe recovery capabilities.</a:t>
+            </a:r>
+          </a:p>
+        </p:txBody>
+      </p:sp>
+      <p:sp>
+        <p:nvSpPr>
+          <p:cNvPr id="4" name="Slide Number Placeholder 3"/>
+          <p:cNvSpPr>
+            <a:spLocks noGrp="1"/>
+          </p:cNvSpPr>
+          <p:nvPr>
+            <p:ph type="sldNum" sz="quarter" idx="5"/>
+          </p:nvPr>
+        </p:nvSpPr>
+        <p:spPr/>
+        <p:txBody>
+          <a:bodyPr/>
+          <a:lstStyle/>
+          <a:p>
+            <a:fld id="{DEC6D9F9-AC3B-4186-9B32-D2E4A66BAF46}" type="slidenum">
+              <a:rPr lang="en-US" smtClean="0"/>
+              <a:t>4</a:t>
+            </a:fld>
+            <a:endParaRPr lang="en-US"/>
+          </a:p>
+        </p:txBody>
+      </p:sp>
+    </p:spTree>
+    <p:extLst>
+      <p:ext uri="{BB962C8B-B14F-4D97-AF65-F5344CB8AC3E}">
+        <p14:creationId xmlns:p14="http://schemas.microsoft.com/office/powerpoint/2010/main" val="2064427929"/>
+      </p:ext>
+    </p:extLst>
+  </p:cSld>
+  <p:clrMapOvr>
+    <a:masterClrMapping/>
+  </p:clrMapOvr>
+</p:notes>
+</file>
+
+<file path=ppt/notesSlides/notesSlide5.xml><?xml version="1.0" encoding="utf-8"?>
+<p:notes xmlns:a="http://schemas.openxmlformats.org/drawingml/2006/main" xmlns:r="http://schemas.openxmlformats.org/officeDocument/2006/relationships" xmlns:p="http://schemas.openxmlformats.org/presentationml/2006/main">
+  <p:cSld>
+    <p:spTree>
+      <p:nvGrpSpPr>
+        <p:cNvPr id="1" name=""/>
+        <p:cNvGrpSpPr/>
+        <p:nvPr/>
+      </p:nvGrpSpPr>
+      <p:grpSpPr>
+        <a:xfrm>
+          <a:off x="0" y="0"/>
+          <a:ext cx="0" cy="0"/>
+          <a:chOff x="0" y="0"/>
+          <a:chExt cx="0" cy="0"/>
+        </a:xfrm>
+      </p:grpSpPr>
+      <p:sp>
+        <p:nvSpPr>
+          <p:cNvPr id="2" name="Slide Image Placeholder 1"/>
+          <p:cNvSpPr>
+            <a:spLocks noGrp="1" noRot="1" noChangeAspect="1"/>
+          </p:cNvSpPr>
+          <p:nvPr>
+            <p:ph type="sldImg"/>
+          </p:nvPr>
+        </p:nvSpPr>
+        <p:spPr/>
+      </p:sp>
+      <p:sp>
+        <p:nvSpPr>
+          <p:cNvPr id="3" name="Notes Placeholder 2"/>
+          <p:cNvSpPr>
+            <a:spLocks noGrp="1"/>
+          </p:cNvSpPr>
+          <p:nvPr>
+            <p:ph type="body" idx="1"/>
+          </p:nvPr>
+        </p:nvSpPr>
+        <p:spPr/>
+        <p:txBody>
+          <a:bodyPr/>
+          <a:lstStyle/>
+          <a:p>
+            <a:r>
+              <a:rPr lang="en-US" dirty="0"/>
+              <a:t>The mushroom dataset was one of my favorite projects to work on. In this (read slide). Please review the detailed presentation included in the </a:t>
+            </a:r>
+            <a:r>
+              <a:rPr lang="en-US" dirty="0" err="1"/>
+              <a:t>github</a:t>
+            </a:r>
+            <a:r>
+              <a:rPr lang="en-US" dirty="0"/>
+              <a:t> repository, as it expands deeply on the historical and cultural significance of mushrooms with respect to humankind. </a:t>
+            </a:r>
+          </a:p>
+        </p:txBody>
+      </p:sp>
+      <p:sp>
+        <p:nvSpPr>
+          <p:cNvPr id="4" name="Slide Number Placeholder 3"/>
+          <p:cNvSpPr>
+            <a:spLocks noGrp="1"/>
+          </p:cNvSpPr>
+          <p:nvPr>
+            <p:ph type="sldNum" sz="quarter" idx="5"/>
+          </p:nvPr>
+        </p:nvSpPr>
+        <p:spPr/>
+        <p:txBody>
+          <a:bodyPr/>
+          <a:lstStyle/>
+          <a:p>
+            <a:fld id="{DEC6D9F9-AC3B-4186-9B32-D2E4A66BAF46}" type="slidenum">
+              <a:rPr lang="en-US" smtClean="0"/>
+              <a:t>5</a:t>
+            </a:fld>
+            <a:endParaRPr lang="en-US"/>
+          </a:p>
+        </p:txBody>
+      </p:sp>
+    </p:spTree>
+    <p:extLst>
+      <p:ext uri="{BB962C8B-B14F-4D97-AF65-F5344CB8AC3E}">
+        <p14:creationId xmlns:p14="http://schemas.microsoft.com/office/powerpoint/2010/main" val="262592912"/>
+      </p:ext>
+    </p:extLst>
+  </p:cSld>
+  <p:clrMapOvr>
+    <a:masterClrMapping/>
+  </p:clrMapOvr>
+</p:notes>
+</file>
+
+<file path=ppt/notesSlides/notesSlide6.xml><?xml version="1.0" encoding="utf-8"?>
+<p:notes xmlns:a="http://schemas.openxmlformats.org/drawingml/2006/main" xmlns:r="http://schemas.openxmlformats.org/officeDocument/2006/relationships" xmlns:p="http://schemas.openxmlformats.org/presentationml/2006/main">
+  <p:cSld>
+    <p:spTree>
+      <p:nvGrpSpPr>
+        <p:cNvPr id="1" name=""/>
+        <p:cNvGrpSpPr/>
+        <p:nvPr/>
+      </p:nvGrpSpPr>
+      <p:grpSpPr>
+        <a:xfrm>
+          <a:off x="0" y="0"/>
+          <a:ext cx="0" cy="0"/>
+          <a:chOff x="0" y="0"/>
+          <a:chExt cx="0" cy="0"/>
+        </a:xfrm>
+      </p:grpSpPr>
+      <p:sp>
+        <p:nvSpPr>
+          <p:cNvPr id="2" name="Slide Image Placeholder 1"/>
+          <p:cNvSpPr>
+            <a:spLocks noGrp="1" noRot="1" noChangeAspect="1"/>
+          </p:cNvSpPr>
+          <p:nvPr>
+            <p:ph type="sldImg"/>
+          </p:nvPr>
+        </p:nvSpPr>
+        <p:spPr/>
+      </p:sp>
+      <p:sp>
+        <p:nvSpPr>
+          <p:cNvPr id="3" name="Notes Placeholder 2"/>
+          <p:cNvSpPr>
+            <a:spLocks noGrp="1"/>
+          </p:cNvSpPr>
+          <p:nvPr>
+            <p:ph type="body" idx="1"/>
+          </p:nvPr>
+        </p:nvSpPr>
+        <p:spPr/>
+        <p:txBody>
+          <a:bodyPr/>
+          <a:lstStyle/>
+          <a:p>
+            <a:r>
+              <a:rPr lang="en-US" dirty="0"/>
+              <a:t>A personal Favorite, (read slide) nevertheless we me the requirements by performing the decision tree task and assessed the reliability of the model for this specific use case. </a:t>
+            </a:r>
+          </a:p>
+        </p:txBody>
+      </p:sp>
+      <p:sp>
+        <p:nvSpPr>
+          <p:cNvPr id="4" name="Slide Number Placeholder 3"/>
+          <p:cNvSpPr>
+            <a:spLocks noGrp="1"/>
+          </p:cNvSpPr>
+          <p:nvPr>
+            <p:ph type="sldNum" sz="quarter" idx="5"/>
+          </p:nvPr>
+        </p:nvSpPr>
+        <p:spPr/>
+        <p:txBody>
+          <a:bodyPr/>
+          <a:lstStyle/>
+          <a:p>
+            <a:fld id="{DEC6D9F9-AC3B-4186-9B32-D2E4A66BAF46}" type="slidenum">
+              <a:rPr lang="en-US" smtClean="0"/>
+              <a:t>7</a:t>
+            </a:fld>
+            <a:endParaRPr lang="en-US"/>
+          </a:p>
+        </p:txBody>
+      </p:sp>
+    </p:spTree>
+    <p:extLst>
+      <p:ext uri="{BB962C8B-B14F-4D97-AF65-F5344CB8AC3E}">
+        <p14:creationId xmlns:p14="http://schemas.microsoft.com/office/powerpoint/2010/main" val="2074445691"/>
+      </p:ext>
+    </p:extLst>
+  </p:cSld>
+  <p:clrMapOvr>
+    <a:masterClrMapping/>
+  </p:clrMapOvr>
+</p:notes>
+</file>
+
+<file path=ppt/notesSlides/notesSlide7.xml><?xml version="1.0" encoding="utf-8"?>
+<p:notes xmlns:a="http://schemas.openxmlformats.org/drawingml/2006/main" xmlns:r="http://schemas.openxmlformats.org/officeDocument/2006/relationships" xmlns:p="http://schemas.openxmlformats.org/presentationml/2006/main">
+  <p:cSld>
+    <p:spTree>
+      <p:nvGrpSpPr>
+        <p:cNvPr id="1" name=""/>
+        <p:cNvGrpSpPr/>
+        <p:nvPr/>
+      </p:nvGrpSpPr>
+      <p:grpSpPr>
+        <a:xfrm>
+          <a:off x="0" y="0"/>
+          <a:ext cx="0" cy="0"/>
+          <a:chOff x="0" y="0"/>
+          <a:chExt cx="0" cy="0"/>
+        </a:xfrm>
+      </p:grpSpPr>
+      <p:sp>
+        <p:nvSpPr>
+          <p:cNvPr id="2" name="Slide Image Placeholder 1"/>
+          <p:cNvSpPr>
+            <a:spLocks noGrp="1" noRot="1" noChangeAspect="1"/>
+          </p:cNvSpPr>
+          <p:nvPr>
+            <p:ph type="sldImg"/>
+          </p:nvPr>
+        </p:nvSpPr>
+        <p:spPr/>
+      </p:sp>
+      <p:sp>
+        <p:nvSpPr>
+          <p:cNvPr id="3" name="Notes Placeholder 2"/>
+          <p:cNvSpPr>
+            <a:spLocks noGrp="1"/>
+          </p:cNvSpPr>
+          <p:nvPr>
+            <p:ph type="body" idx="1"/>
+          </p:nvPr>
+        </p:nvSpPr>
+        <p:spPr/>
+        <p:txBody>
+          <a:bodyPr/>
+          <a:lstStyle/>
+          <a:p>
+            <a:r>
+              <a:rPr lang="en-US" dirty="0"/>
+              <a:t>The left picture is part of the report in the submitted stylizations I chose for the project. To the right the decision tree </a:t>
+            </a:r>
+            <a:r>
+              <a:rPr lang="en-US" dirty="0" err="1"/>
+              <a:t>algoritihm</a:t>
+            </a:r>
+            <a:r>
+              <a:rPr lang="en-US" dirty="0"/>
+              <a:t> ( which likely wouldn’t have made sense to early </a:t>
+            </a:r>
+            <a:r>
+              <a:rPr lang="en-US" dirty="0" err="1"/>
+              <a:t>americans</a:t>
+            </a:r>
+            <a:r>
+              <a:rPr lang="en-US" dirty="0"/>
+              <a:t>, but was publicized in the fictional paper from 1804 nonetheless.</a:t>
+            </a:r>
+          </a:p>
+        </p:txBody>
+      </p:sp>
+      <p:sp>
+        <p:nvSpPr>
+          <p:cNvPr id="4" name="Slide Number Placeholder 3"/>
+          <p:cNvSpPr>
+            <a:spLocks noGrp="1"/>
+          </p:cNvSpPr>
+          <p:nvPr>
+            <p:ph type="sldNum" sz="quarter" idx="5"/>
+          </p:nvPr>
+        </p:nvSpPr>
+        <p:spPr/>
+        <p:txBody>
+          <a:bodyPr/>
+          <a:lstStyle/>
+          <a:p>
+            <a:fld id="{DEC6D9F9-AC3B-4186-9B32-D2E4A66BAF46}" type="slidenum">
+              <a:rPr lang="en-US" smtClean="0"/>
+              <a:t>8</a:t>
+            </a:fld>
+            <a:endParaRPr lang="en-US"/>
+          </a:p>
+        </p:txBody>
+      </p:sp>
+    </p:spTree>
+    <p:extLst>
+      <p:ext uri="{BB962C8B-B14F-4D97-AF65-F5344CB8AC3E}">
+        <p14:creationId xmlns:p14="http://schemas.microsoft.com/office/powerpoint/2010/main" val="965755748"/>
+      </p:ext>
+    </p:extLst>
+  </p:cSld>
+  <p:clrMapOvr>
+    <a:masterClrMapping/>
+  </p:clrMapOvr>
+</p:notes>
+</file>
+
+<file path=ppt/notesSlides/notesSlide8.xml><?xml version="1.0" encoding="utf-8"?>
+<p:notes xmlns:a="http://schemas.openxmlformats.org/drawingml/2006/main" xmlns:r="http://schemas.openxmlformats.org/officeDocument/2006/relationships" xmlns:p="http://schemas.openxmlformats.org/presentationml/2006/main">
+  <p:cSld>
+    <p:spTree>
+      <p:nvGrpSpPr>
+        <p:cNvPr id="1" name=""/>
+        <p:cNvGrpSpPr/>
+        <p:nvPr/>
+      </p:nvGrpSpPr>
+      <p:grpSpPr>
+        <a:xfrm>
+          <a:off x="0" y="0"/>
+          <a:ext cx="0" cy="0"/>
+          <a:chOff x="0" y="0"/>
+          <a:chExt cx="0" cy="0"/>
+        </a:xfrm>
+      </p:grpSpPr>
+      <p:sp>
+        <p:nvSpPr>
+          <p:cNvPr id="2" name="Slide Image Placeholder 1"/>
+          <p:cNvSpPr>
+            <a:spLocks noGrp="1" noRot="1" noChangeAspect="1"/>
+          </p:cNvSpPr>
+          <p:nvPr>
+            <p:ph type="sldImg"/>
+          </p:nvPr>
+        </p:nvSpPr>
+        <p:spPr/>
+      </p:sp>
+      <p:sp>
+        <p:nvSpPr>
+          <p:cNvPr id="3" name="Notes Placeholder 2"/>
+          <p:cNvSpPr>
+            <a:spLocks noGrp="1"/>
+          </p:cNvSpPr>
+          <p:nvPr>
+            <p:ph type="body" idx="1"/>
+          </p:nvPr>
+        </p:nvSpPr>
+        <p:spPr/>
+        <p:txBody>
+          <a:bodyPr/>
+          <a:lstStyle/>
+          <a:p>
+            <a:r>
+              <a:rPr lang="en-US" dirty="0"/>
+              <a:t>Introduction slide, contextualize your overall purpose and aim of pursuing the ADS program</a:t>
+            </a:r>
+          </a:p>
+        </p:txBody>
+      </p:sp>
+      <p:sp>
+        <p:nvSpPr>
+          <p:cNvPr id="4" name="Slide Number Placeholder 3"/>
+          <p:cNvSpPr>
+            <a:spLocks noGrp="1"/>
+          </p:cNvSpPr>
+          <p:nvPr>
+            <p:ph type="sldNum" sz="quarter" idx="5"/>
+          </p:nvPr>
+        </p:nvSpPr>
+        <p:spPr/>
+        <p:txBody>
+          <a:bodyPr/>
+          <a:lstStyle/>
+          <a:p>
+            <a:fld id="{DEC6D9F9-AC3B-4186-9B32-D2E4A66BAF46}" type="slidenum">
+              <a:rPr lang="en-US" smtClean="0"/>
+              <a:t>15</a:t>
+            </a:fld>
+            <a:endParaRPr lang="en-US"/>
+          </a:p>
+        </p:txBody>
+      </p:sp>
+    </p:spTree>
+    <p:extLst>
+      <p:ext uri="{BB962C8B-B14F-4D97-AF65-F5344CB8AC3E}">
+        <p14:creationId xmlns:p14="http://schemas.microsoft.com/office/powerpoint/2010/main" val="2197223325"/>
+      </p:ext>
+    </p:extLst>
+  </p:cSld>
+  <p:clrMapOvr>
+    <a:masterClrMapping/>
+  </p:clrMapOvr>
+</p:notes>
+</file>
+
+<file path=ppt/notesSlides/notesSlide9.xml><?xml version="1.0" encoding="utf-8"?>
+<p:notes xmlns:a="http://schemas.openxmlformats.org/drawingml/2006/main" xmlns:r="http://schemas.openxmlformats.org/officeDocument/2006/relationships" xmlns:p="http://schemas.openxmlformats.org/presentationml/2006/main">
+  <p:cSld>
+    <p:spTree>
+      <p:nvGrpSpPr>
+        <p:cNvPr id="1" name=""/>
+        <p:cNvGrpSpPr/>
+        <p:nvPr/>
+      </p:nvGrpSpPr>
+      <p:grpSpPr>
+        <a:xfrm>
+          <a:off x="0" y="0"/>
+          <a:ext cx="0" cy="0"/>
+          <a:chOff x="0" y="0"/>
+          <a:chExt cx="0" cy="0"/>
+        </a:xfrm>
+      </p:grpSpPr>
+      <p:sp>
+        <p:nvSpPr>
+          <p:cNvPr id="2" name="Slide Image Placeholder 1"/>
+          <p:cNvSpPr>
+            <a:spLocks noGrp="1" noRot="1" noChangeAspect="1"/>
+          </p:cNvSpPr>
+          <p:nvPr>
+            <p:ph type="sldImg"/>
+          </p:nvPr>
+        </p:nvSpPr>
+        <p:spPr/>
+      </p:sp>
+      <p:sp>
+        <p:nvSpPr>
+          <p:cNvPr id="3" name="Notes Placeholder 2"/>
+          <p:cNvSpPr>
+            <a:spLocks noGrp="1"/>
+          </p:cNvSpPr>
+          <p:nvPr>
+            <p:ph type="body" idx="1"/>
+          </p:nvPr>
+        </p:nvSpPr>
+        <p:spPr/>
+        <p:txBody>
+          <a:bodyPr/>
+          <a:lstStyle/>
+          <a:p>
+            <a:r>
+              <a:rPr lang="en-US" dirty="0"/>
+              <a:t>Introduction slide, contextualize your overall purpose and aim of pursuing the ADS program</a:t>
+            </a:r>
+          </a:p>
+        </p:txBody>
+      </p:sp>
+      <p:sp>
+        <p:nvSpPr>
+          <p:cNvPr id="4" name="Slide Number Placeholder 3"/>
+          <p:cNvSpPr>
+            <a:spLocks noGrp="1"/>
+          </p:cNvSpPr>
+          <p:nvPr>
+            <p:ph type="sldNum" sz="quarter" idx="5"/>
+          </p:nvPr>
+        </p:nvSpPr>
+        <p:spPr/>
+        <p:txBody>
+          <a:bodyPr/>
+          <a:lstStyle/>
+          <a:p>
+            <a:fld id="{DEC6D9F9-AC3B-4186-9B32-D2E4A66BAF46}" type="slidenum">
+              <a:rPr lang="en-US" smtClean="0"/>
+              <a:t>16</a:t>
+            </a:fld>
+            <a:endParaRPr lang="en-US"/>
+          </a:p>
+        </p:txBody>
+      </p:sp>
+    </p:spTree>
+    <p:extLst>
+      <p:ext uri="{BB962C8B-B14F-4D97-AF65-F5344CB8AC3E}">
+        <p14:creationId xmlns:p14="http://schemas.microsoft.com/office/powerpoint/2010/main" val="2281703422"/>
+      </p:ext>
+    </p:extLst>
+  </p:cSld>
+  <p:clrMapOvr>
+    <a:masterClrMapping/>
+  </p:clrMapOvr>
+</p:notes>
 </file>
 
 <file path=ppt/slideLayouts/slideLayout1.xml><?xml version="1.0" encoding="utf-8"?>
@@ -261,7 +1449,7 @@
           <a:p>
             <a:fld id="{65D8D7DF-C098-4549-A17A-201E478C8DF5}" type="datetimeFigureOut">
               <a:rPr lang="en-US" smtClean="0"/>
-              <a:t>6/8/2023</a:t>
+              <a:t>6/9/2023</a:t>
             </a:fld>
             <a:endParaRPr lang="en-US"/>
           </a:p>
@@ -459,7 +1647,7 @@
           <a:p>
             <a:fld id="{65D8D7DF-C098-4549-A17A-201E478C8DF5}" type="datetimeFigureOut">
               <a:rPr lang="en-US" smtClean="0"/>
-              <a:t>6/8/2023</a:t>
+              <a:t>6/9/2023</a:t>
             </a:fld>
             <a:endParaRPr lang="en-US"/>
           </a:p>
@@ -667,7 +1855,7 @@
           <a:p>
             <a:fld id="{65D8D7DF-C098-4549-A17A-201E478C8DF5}" type="datetimeFigureOut">
               <a:rPr lang="en-US" smtClean="0"/>
-              <a:t>6/8/2023</a:t>
+              <a:t>6/9/2023</a:t>
             </a:fld>
             <a:endParaRPr lang="en-US"/>
           </a:p>
@@ -865,7 +2053,7 @@
           <a:p>
             <a:fld id="{65D8D7DF-C098-4549-A17A-201E478C8DF5}" type="datetimeFigureOut">
               <a:rPr lang="en-US" smtClean="0"/>
-              <a:t>6/8/2023</a:t>
+              <a:t>6/9/2023</a:t>
             </a:fld>
             <a:endParaRPr lang="en-US"/>
           </a:p>
@@ -1140,7 +2328,7 @@
           <a:p>
             <a:fld id="{65D8D7DF-C098-4549-A17A-201E478C8DF5}" type="datetimeFigureOut">
               <a:rPr lang="en-US" smtClean="0"/>
-              <a:t>6/8/2023</a:t>
+              <a:t>6/9/2023</a:t>
             </a:fld>
             <a:endParaRPr lang="en-US"/>
           </a:p>
@@ -1405,7 +2593,7 @@
           <a:p>
             <a:fld id="{65D8D7DF-C098-4549-A17A-201E478C8DF5}" type="datetimeFigureOut">
               <a:rPr lang="en-US" smtClean="0"/>
-              <a:t>6/8/2023</a:t>
+              <a:t>6/9/2023</a:t>
             </a:fld>
             <a:endParaRPr lang="en-US"/>
           </a:p>
@@ -1817,7 +3005,7 @@
           <a:p>
             <a:fld id="{65D8D7DF-C098-4549-A17A-201E478C8DF5}" type="datetimeFigureOut">
               <a:rPr lang="en-US" smtClean="0"/>
-              <a:t>6/8/2023</a:t>
+              <a:t>6/9/2023</a:t>
             </a:fld>
             <a:endParaRPr lang="en-US"/>
           </a:p>
@@ -1958,7 +3146,7 @@
           <a:p>
             <a:fld id="{65D8D7DF-C098-4549-A17A-201E478C8DF5}" type="datetimeFigureOut">
               <a:rPr lang="en-US" smtClean="0"/>
-              <a:t>6/8/2023</a:t>
+              <a:t>6/9/2023</a:t>
             </a:fld>
             <a:endParaRPr lang="en-US"/>
           </a:p>
@@ -2071,7 +3259,7 @@
           <a:p>
             <a:fld id="{65D8D7DF-C098-4549-A17A-201E478C8DF5}" type="datetimeFigureOut">
               <a:rPr lang="en-US" smtClean="0"/>
-              <a:t>6/8/2023</a:t>
+              <a:t>6/9/2023</a:t>
             </a:fld>
             <a:endParaRPr lang="en-US"/>
           </a:p>
@@ -2382,7 +3570,7 @@
           <a:p>
             <a:fld id="{65D8D7DF-C098-4549-A17A-201E478C8DF5}" type="datetimeFigureOut">
               <a:rPr lang="en-US" smtClean="0"/>
-              <a:t>6/8/2023</a:t>
+              <a:t>6/9/2023</a:t>
             </a:fld>
             <a:endParaRPr lang="en-US"/>
           </a:p>
@@ -2670,7 +3858,7 @@
           <a:p>
             <a:fld id="{65D8D7DF-C098-4549-A17A-201E478C8DF5}" type="datetimeFigureOut">
               <a:rPr lang="en-US" smtClean="0"/>
-              <a:t>6/8/2023</a:t>
+              <a:t>6/9/2023</a:t>
             </a:fld>
             <a:endParaRPr lang="en-US"/>
           </a:p>
@@ -2911,7 +4099,7 @@
           <a:p>
             <a:fld id="{65D8D7DF-C098-4549-A17A-201E478C8DF5}" type="datetimeFigureOut">
               <a:rPr lang="en-US" smtClean="0"/>
-              <a:t>6/8/2023</a:t>
+              <a:t>6/9/2023</a:t>
             </a:fld>
             <a:endParaRPr lang="en-US"/>
           </a:p>
@@ -3646,7 +4834,7 @@
           <p:nvPr/>
         </p:nvPicPr>
         <p:blipFill>
-          <a:blip r:embed="rId2">
+          <a:blip r:embed="rId3">
             <a:extLst>
               <a:ext uri="{28A0092B-C50C-407E-A947-70E740481C1C}">
                 <a14:useLocalDpi xmlns:a14="http://schemas.microsoft.com/office/drawing/2010/main" val="0"/>
@@ -3705,7 +4893,7 @@
                 <a:solidFill>
                   <a:schemeClr val="accent2"/>
                 </a:solidFill>
-                <a:hlinkClick r:id="rId3">
+                <a:hlinkClick r:id="rId4">
                   <a:extLst>
                     <a:ext uri="{A12FA001-AC4F-418D-AE19-62706E023703}">
                       <ahyp:hlinkClr xmlns:ahyp="http://schemas.microsoft.com/office/drawing/2018/hyperlinkcolor" val="tx"/>
@@ -3727,6 +4915,3420 @@
     <p:extLst>
       <p:ext uri="{BB962C8B-B14F-4D97-AF65-F5344CB8AC3E}">
         <p14:creationId xmlns:p14="http://schemas.microsoft.com/office/powerpoint/2010/main" val="2430978405"/>
+      </p:ext>
+    </p:extLst>
+  </p:cSld>
+  <p:clrMapOvr>
+    <a:masterClrMapping/>
+  </p:clrMapOvr>
+</p:sld>
+</file>
+
+<file path=ppt/slides/slide10.xml><?xml version="1.0" encoding="utf-8"?>
+<p:sld xmlns:a="http://schemas.openxmlformats.org/drawingml/2006/main" xmlns:r="http://schemas.openxmlformats.org/officeDocument/2006/relationships" xmlns:p="http://schemas.openxmlformats.org/presentationml/2006/main">
+  <p:cSld>
+    <p:bg>
+      <p:bgPr>
+        <a:pattFill prst="pct5">
+          <a:fgClr>
+            <a:schemeClr val="accent1"/>
+          </a:fgClr>
+          <a:bgClr>
+            <a:schemeClr val="bg1"/>
+          </a:bgClr>
+        </a:pattFill>
+        <a:effectLst/>
+      </p:bgPr>
+    </p:bg>
+    <p:spTree>
+      <p:nvGrpSpPr>
+        <p:cNvPr id="1" name=""/>
+        <p:cNvGrpSpPr/>
+        <p:nvPr/>
+      </p:nvGrpSpPr>
+      <p:grpSpPr>
+        <a:xfrm>
+          <a:off x="0" y="0"/>
+          <a:ext cx="0" cy="0"/>
+          <a:chOff x="0" y="0"/>
+          <a:chExt cx="0" cy="0"/>
+        </a:xfrm>
+      </p:grpSpPr>
+      <p:graphicFrame>
+        <p:nvGraphicFramePr>
+          <p:cNvPr id="4" name="Table 3">
+            <a:extLst>
+              <a:ext uri="{FF2B5EF4-FFF2-40B4-BE49-F238E27FC236}">
+                <a16:creationId xmlns:a16="http://schemas.microsoft.com/office/drawing/2014/main" id="{0B94DBE3-E38F-FF7F-4AE8-31848EEA4431}"/>
+              </a:ext>
+            </a:extLst>
+          </p:cNvPr>
+          <p:cNvGraphicFramePr>
+            <a:graphicFrameLocks noGrp="1"/>
+          </p:cNvGraphicFramePr>
+          <p:nvPr>
+            <p:extLst>
+              <p:ext uri="{D42A27DB-BD31-4B8C-83A1-F6EECF244321}">
+                <p14:modId xmlns:p14="http://schemas.microsoft.com/office/powerpoint/2010/main" val="1913489476"/>
+              </p:ext>
+            </p:extLst>
+          </p:nvPr>
+        </p:nvGraphicFramePr>
+        <p:xfrm>
+          <a:off x="404246" y="1172731"/>
+          <a:ext cx="11383508" cy="369332"/>
+        </p:xfrm>
+        <a:graphic>
+          <a:graphicData uri="http://schemas.openxmlformats.org/drawingml/2006/table">
+            <a:tbl>
+              <a:tblPr>
+                <a:effectLst>
+                  <a:outerShdw blurRad="50800" dist="50800" dir="5400000" sx="101000" sy="101000" algn="ctr" rotWithShape="0">
+                    <a:srgbClr val="000000">
+                      <a:alpha val="59000"/>
+                    </a:srgbClr>
+                  </a:outerShdw>
+                </a:effectLst>
+                <a:tableStyleId>{5C22544A-7EE6-4342-B048-85BDC9FD1C3A}</a:tableStyleId>
+              </a:tblPr>
+              <a:tblGrid>
+                <a:gridCol w="11383508">
+                  <a:extLst>
+                    <a:ext uri="{9D8B030D-6E8A-4147-A177-3AD203B41FA5}">
+                      <a16:colId xmlns:a16="http://schemas.microsoft.com/office/drawing/2014/main" val="2599995568"/>
+                    </a:ext>
+                  </a:extLst>
+                </a:gridCol>
+              </a:tblGrid>
+              <a:tr h="369332">
+                <a:tc>
+                  <a:txBody>
+                    <a:bodyPr/>
+                    <a:lstStyle/>
+                    <a:p>
+                      <a:r>
+                        <a:rPr lang="en-US" sz="1800" b="1" u="none" kern="1200" dirty="0">
+                          <a:solidFill>
+                            <a:schemeClr val="dk1"/>
+                          </a:solidFill>
+                          <a:effectLst/>
+                          <a:latin typeface="Microsoft Sans Serif" panose="020B0604020202020204" pitchFamily="34" charset="0"/>
+                          <a:ea typeface="Microsoft Sans Serif" panose="020B0604020202020204" pitchFamily="34" charset="0"/>
+                          <a:cs typeface="Microsoft Sans Serif" panose="020B0604020202020204" pitchFamily="34" charset="0"/>
+                        </a:rPr>
+                        <a:t>IST 652 Final Project – Associating Elon Musk’s Tweets with Crypto Prices</a:t>
+                      </a:r>
+                      <a:endParaRPr lang="en-US" sz="1800" b="0" i="0" kern="1200" dirty="0">
+                        <a:solidFill>
+                          <a:schemeClr val="dk1"/>
+                        </a:solidFill>
+                        <a:effectLst/>
+                        <a:latin typeface="+mn-lt"/>
+                        <a:ea typeface="+mn-ea"/>
+                        <a:cs typeface="+mn-cs"/>
+                      </a:endParaRPr>
+                    </a:p>
+                  </a:txBody>
+                  <a:tcPr marL="118745" marR="118745" marT="0" marB="0">
+                    <a:lnL w="12700" cap="flat" cmpd="sng" algn="ctr">
+                      <a:solidFill>
+                        <a:schemeClr val="tx1"/>
+                      </a:solidFill>
+                      <a:prstDash val="solid"/>
+                      <a:round/>
+                      <a:headEnd type="none" w="med" len="med"/>
+                      <a:tailEnd type="none" w="med" len="med"/>
+                    </a:lnL>
+                    <a:lnR w="12700" cap="flat" cmpd="sng" algn="ctr">
+                      <a:solidFill>
+                        <a:schemeClr val="tx1"/>
+                      </a:solidFill>
+                      <a:prstDash val="solid"/>
+                      <a:round/>
+                      <a:headEnd type="none" w="med" len="med"/>
+                      <a:tailEnd type="none" w="med" len="med"/>
+                    </a:lnR>
+                    <a:lnT w="12700" cap="flat" cmpd="sng" algn="ctr">
+                      <a:solidFill>
+                        <a:schemeClr val="tx1"/>
+                      </a:solidFill>
+                      <a:prstDash val="solid"/>
+                      <a:round/>
+                      <a:headEnd type="none" w="med" len="med"/>
+                      <a:tailEnd type="none" w="med" len="med"/>
+                    </a:lnT>
+                    <a:lnB w="12700" cap="flat" cmpd="sng" algn="ctr">
+                      <a:solidFill>
+                        <a:schemeClr val="tx1"/>
+                      </a:solidFill>
+                      <a:prstDash val="solid"/>
+                      <a:round/>
+                      <a:headEnd type="none" w="med" len="med"/>
+                      <a:tailEnd type="none" w="med" len="med"/>
+                    </a:lnB>
+                    <a:solidFill>
+                      <a:schemeClr val="bg1"/>
+                    </a:solidFill>
+                  </a:tcPr>
+                </a:tc>
+                <a:extLst>
+                  <a:ext uri="{0D108BD9-81ED-4DB2-BD59-A6C34878D82A}">
+                    <a16:rowId xmlns:a16="http://schemas.microsoft.com/office/drawing/2014/main" val="56415965"/>
+                  </a:ext>
+                </a:extLst>
+              </a:tr>
+            </a:tbl>
+          </a:graphicData>
+        </a:graphic>
+      </p:graphicFrame>
+      <p:graphicFrame>
+        <p:nvGraphicFramePr>
+          <p:cNvPr id="5" name="Table 4">
+            <a:extLst>
+              <a:ext uri="{FF2B5EF4-FFF2-40B4-BE49-F238E27FC236}">
+                <a16:creationId xmlns:a16="http://schemas.microsoft.com/office/drawing/2014/main" id="{BFA353F1-3BE7-F9A4-233A-1231632D0C1E}"/>
+              </a:ext>
+            </a:extLst>
+          </p:cNvPr>
+          <p:cNvGraphicFramePr>
+            <a:graphicFrameLocks noGrp="1"/>
+          </p:cNvGraphicFramePr>
+          <p:nvPr/>
+        </p:nvGraphicFramePr>
+        <p:xfrm>
+          <a:off x="404246" y="401133"/>
+          <a:ext cx="10663557" cy="548640"/>
+        </p:xfrm>
+        <a:graphic>
+          <a:graphicData uri="http://schemas.openxmlformats.org/drawingml/2006/table">
+            <a:tbl>
+              <a:tblPr firstRow="1" firstCol="1" bandRow="1">
+                <a:effectLst>
+                  <a:outerShdw blurRad="63500" sx="102000" sy="102000" algn="ctr" rotWithShape="0">
+                    <a:prstClr val="black">
+                      <a:alpha val="40000"/>
+                    </a:prstClr>
+                  </a:outerShdw>
+                </a:effectLst>
+                <a:tableStyleId>{5C22544A-7EE6-4342-B048-85BDC9FD1C3A}</a:tableStyleId>
+              </a:tblPr>
+              <a:tblGrid>
+                <a:gridCol w="10663557">
+                  <a:extLst>
+                    <a:ext uri="{9D8B030D-6E8A-4147-A177-3AD203B41FA5}">
+                      <a16:colId xmlns:a16="http://schemas.microsoft.com/office/drawing/2014/main" val="693956170"/>
+                    </a:ext>
+                  </a:extLst>
+                </a:gridCol>
+              </a:tblGrid>
+              <a:tr h="0">
+                <a:tc>
+                  <a:txBody>
+                    <a:bodyPr/>
+                    <a:lstStyle/>
+                    <a:p>
+                      <a:pPr marL="0" marR="0" lvl="0" indent="0" algn="l" defTabSz="914400" rtl="0" eaLnBrk="1" fontAlgn="auto" latinLnBrk="0" hangingPunct="1">
+                        <a:lnSpc>
+                          <a:spcPct val="100000"/>
+                        </a:lnSpc>
+                        <a:spcBef>
+                          <a:spcPts val="0"/>
+                        </a:spcBef>
+                        <a:spcAft>
+                          <a:spcPts val="0"/>
+                        </a:spcAft>
+                        <a:buClrTx/>
+                        <a:buSzTx/>
+                        <a:buFontTx/>
+                        <a:buNone/>
+                        <a:tabLst/>
+                        <a:defRPr/>
+                      </a:pPr>
+                      <a:r>
+                        <a:rPr lang="en-US" sz="1800" kern="100" dirty="0">
+                          <a:effectLst/>
+                          <a:latin typeface="Microsoft Sans Serif" panose="020B0604020202020204" pitchFamily="34" charset="0"/>
+                          <a:ea typeface="Microsoft Sans Serif" panose="020B0604020202020204" pitchFamily="34" charset="0"/>
+                          <a:cs typeface="Microsoft Sans Serif" panose="020B0604020202020204" pitchFamily="34" charset="0"/>
+                        </a:rPr>
+                        <a:t>Use programming languages such as R and Python to support the generation of actionable insight</a:t>
+                      </a:r>
+                      <a:endParaRPr lang="en-US" sz="1600" kern="100" dirty="0">
+                        <a:solidFill>
+                          <a:srgbClr val="000000"/>
+                        </a:solidFill>
+                        <a:effectLst/>
+                        <a:highlight>
+                          <a:srgbClr val="000080"/>
+                        </a:highlight>
+                        <a:latin typeface="Microsoft Sans Serif" panose="020B0604020202020204" pitchFamily="34" charset="0"/>
+                        <a:ea typeface="Microsoft Sans Serif" panose="020B0604020202020204" pitchFamily="34" charset="0"/>
+                        <a:cs typeface="Microsoft Sans Serif" panose="020B0604020202020204" pitchFamily="34" charset="0"/>
+                      </a:endParaRPr>
+                    </a:p>
+                  </a:txBody>
+                  <a:tcPr marL="73025" marR="73025" marT="137160" marB="137160">
+                    <a:solidFill>
+                      <a:srgbClr val="000080"/>
+                    </a:solidFill>
+                  </a:tcPr>
+                </a:tc>
+                <a:extLst>
+                  <a:ext uri="{0D108BD9-81ED-4DB2-BD59-A6C34878D82A}">
+                    <a16:rowId xmlns:a16="http://schemas.microsoft.com/office/drawing/2014/main" val="125314420"/>
+                  </a:ext>
+                </a:extLst>
+              </a:tr>
+            </a:tbl>
+          </a:graphicData>
+        </a:graphic>
+      </p:graphicFrame>
+      <p:pic>
+        <p:nvPicPr>
+          <p:cNvPr id="7" name="Picture 6">
+            <a:extLst>
+              <a:ext uri="{FF2B5EF4-FFF2-40B4-BE49-F238E27FC236}">
+                <a16:creationId xmlns:a16="http://schemas.microsoft.com/office/drawing/2014/main" id="{594BDAEE-3F71-B040-F8D2-CD4BFBF9A2B6}"/>
+              </a:ext>
+            </a:extLst>
+          </p:cNvPr>
+          <p:cNvPicPr>
+            <a:picLocks noChangeAspect="1"/>
+          </p:cNvPicPr>
+          <p:nvPr/>
+        </p:nvPicPr>
+        <p:blipFill>
+          <a:blip r:embed="rId2">
+            <a:extLst>
+              <a:ext uri="{28A0092B-C50C-407E-A947-70E740481C1C}">
+                <a14:useLocalDpi xmlns:a14="http://schemas.microsoft.com/office/drawing/2010/main" val="0"/>
+              </a:ext>
+            </a:extLst>
+          </a:blip>
+          <a:srcRect/>
+          <a:stretch/>
+        </p:blipFill>
+        <p:spPr>
+          <a:xfrm>
+            <a:off x="11075235" y="369931"/>
+            <a:ext cx="712519" cy="702483"/>
+          </a:xfrm>
+          <a:prstGeom prst="rect">
+            <a:avLst/>
+          </a:prstGeom>
+          <a:effectLst>
+            <a:outerShdw blurRad="63500" sx="105000" sy="105000" algn="ctr" rotWithShape="0">
+              <a:prstClr val="black"/>
+            </a:outerShdw>
+            <a:softEdge rad="25400"/>
+          </a:effectLst>
+        </p:spPr>
+      </p:pic>
+      <p:sp>
+        <p:nvSpPr>
+          <p:cNvPr id="9" name="TextBox 8">
+            <a:extLst>
+              <a:ext uri="{FF2B5EF4-FFF2-40B4-BE49-F238E27FC236}">
+                <a16:creationId xmlns:a16="http://schemas.microsoft.com/office/drawing/2014/main" id="{610E1E22-ECC9-260D-783D-BDDCBC3C2A48}"/>
+              </a:ext>
+            </a:extLst>
+          </p:cNvPr>
+          <p:cNvSpPr txBox="1"/>
+          <p:nvPr/>
+        </p:nvSpPr>
+        <p:spPr>
+          <a:xfrm>
+            <a:off x="4959459" y="6456866"/>
+            <a:ext cx="6975846" cy="369332"/>
+          </a:xfrm>
+          <a:prstGeom prst="rect">
+            <a:avLst/>
+          </a:prstGeom>
+          <a:noFill/>
+        </p:spPr>
+        <p:txBody>
+          <a:bodyPr wrap="square">
+            <a:spAutoFit/>
+          </a:bodyPr>
+          <a:lstStyle/>
+          <a:p>
+            <a:pPr marL="0" marR="0" algn="l">
+              <a:spcBef>
+                <a:spcPts val="0"/>
+              </a:spcBef>
+              <a:spcAft>
+                <a:spcPts val="0"/>
+              </a:spcAft>
+            </a:pPr>
+            <a:r>
+              <a:rPr lang="en-US" sz="1800" b="1" kern="100" dirty="0">
+                <a:solidFill>
+                  <a:schemeClr val="bg1"/>
+                </a:solidFill>
+                <a:effectLst/>
+                <a:highlight>
+                  <a:srgbClr val="000080"/>
+                </a:highlight>
+                <a:latin typeface="Microsoft Sans Serif" panose="020B0604020202020204" pitchFamily="34" charset="0"/>
+                <a:ea typeface="Microsoft Sans Serif" panose="020B0604020202020204" pitchFamily="34" charset="0"/>
+                <a:cs typeface="Microsoft Sans Serif" panose="020B0604020202020204" pitchFamily="34" charset="0"/>
+              </a:rPr>
+              <a:t>Josep</a:t>
+            </a:r>
+            <a:r>
+              <a:rPr lang="en-US" b="1" kern="100" dirty="0">
+                <a:solidFill>
+                  <a:schemeClr val="bg1"/>
+                </a:solidFill>
+                <a:highlight>
+                  <a:srgbClr val="000080"/>
+                </a:highlight>
+                <a:latin typeface="Microsoft Sans Serif" panose="020B0604020202020204" pitchFamily="34" charset="0"/>
+                <a:ea typeface="Microsoft Sans Serif" panose="020B0604020202020204" pitchFamily="34" charset="0"/>
+                <a:cs typeface="Microsoft Sans Serif" panose="020B0604020202020204" pitchFamily="34" charset="0"/>
+              </a:rPr>
+              <a:t>h R Maugeri IV - </a:t>
+            </a:r>
+            <a:r>
+              <a:rPr lang="en-US" sz="1800" b="1" kern="100" dirty="0">
+                <a:solidFill>
+                  <a:schemeClr val="bg1"/>
+                </a:solidFill>
+                <a:effectLst/>
+                <a:highlight>
+                  <a:srgbClr val="000080"/>
+                </a:highlight>
+                <a:latin typeface="Microsoft Sans Serif" panose="020B0604020202020204" pitchFamily="34" charset="0"/>
+                <a:ea typeface="Microsoft Sans Serif" panose="020B0604020202020204" pitchFamily="34" charset="0"/>
+                <a:cs typeface="Microsoft Sans Serif" panose="020B0604020202020204" pitchFamily="34" charset="0"/>
+              </a:rPr>
+              <a:t>IST 782 - Syracuse University ISchool, 2023 </a:t>
+            </a:r>
+            <a:endParaRPr lang="en-US" sz="1600" b="1" kern="100" dirty="0">
+              <a:solidFill>
+                <a:schemeClr val="bg1"/>
+              </a:solidFill>
+              <a:effectLst/>
+              <a:highlight>
+                <a:srgbClr val="000080"/>
+              </a:highlight>
+              <a:latin typeface="Microsoft Sans Serif" panose="020B0604020202020204" pitchFamily="34" charset="0"/>
+              <a:ea typeface="Microsoft Sans Serif" panose="020B0604020202020204" pitchFamily="34" charset="0"/>
+              <a:cs typeface="Microsoft Sans Serif" panose="020B0604020202020204" pitchFamily="34" charset="0"/>
+            </a:endParaRPr>
+          </a:p>
+        </p:txBody>
+      </p:sp>
+      <p:pic>
+        <p:nvPicPr>
+          <p:cNvPr id="3" name="Picture 2">
+            <a:extLst>
+              <a:ext uri="{FF2B5EF4-FFF2-40B4-BE49-F238E27FC236}">
+                <a16:creationId xmlns:a16="http://schemas.microsoft.com/office/drawing/2014/main" id="{E187828A-8AAA-67E0-3466-66128D080ED6}"/>
+              </a:ext>
+            </a:extLst>
+          </p:cNvPr>
+          <p:cNvPicPr>
+            <a:picLocks noChangeAspect="1"/>
+          </p:cNvPicPr>
+          <p:nvPr/>
+        </p:nvPicPr>
+        <p:blipFill>
+          <a:blip r:embed="rId3"/>
+          <a:stretch>
+            <a:fillRect/>
+          </a:stretch>
+        </p:blipFill>
+        <p:spPr>
+          <a:xfrm>
+            <a:off x="1809554" y="1642380"/>
+            <a:ext cx="8572892" cy="4814486"/>
+          </a:xfrm>
+          <a:prstGeom prst="rect">
+            <a:avLst/>
+          </a:prstGeom>
+        </p:spPr>
+      </p:pic>
+    </p:spTree>
+    <p:extLst>
+      <p:ext uri="{BB962C8B-B14F-4D97-AF65-F5344CB8AC3E}">
+        <p14:creationId xmlns:p14="http://schemas.microsoft.com/office/powerpoint/2010/main" val="59366309"/>
+      </p:ext>
+    </p:extLst>
+  </p:cSld>
+  <p:clrMapOvr>
+    <a:masterClrMapping/>
+  </p:clrMapOvr>
+</p:sld>
+</file>
+
+<file path=ppt/slides/slide11.xml><?xml version="1.0" encoding="utf-8"?>
+<p:sld xmlns:a="http://schemas.openxmlformats.org/drawingml/2006/main" xmlns:r="http://schemas.openxmlformats.org/officeDocument/2006/relationships" xmlns:p="http://schemas.openxmlformats.org/presentationml/2006/main">
+  <p:cSld>
+    <p:bg>
+      <p:bgPr>
+        <a:pattFill prst="pct5">
+          <a:fgClr>
+            <a:schemeClr val="accent1"/>
+          </a:fgClr>
+          <a:bgClr>
+            <a:schemeClr val="bg1"/>
+          </a:bgClr>
+        </a:pattFill>
+        <a:effectLst/>
+      </p:bgPr>
+    </p:bg>
+    <p:spTree>
+      <p:nvGrpSpPr>
+        <p:cNvPr id="1" name=""/>
+        <p:cNvGrpSpPr/>
+        <p:nvPr/>
+      </p:nvGrpSpPr>
+      <p:grpSpPr>
+        <a:xfrm>
+          <a:off x="0" y="0"/>
+          <a:ext cx="0" cy="0"/>
+          <a:chOff x="0" y="0"/>
+          <a:chExt cx="0" cy="0"/>
+        </a:xfrm>
+      </p:grpSpPr>
+      <p:graphicFrame>
+        <p:nvGraphicFramePr>
+          <p:cNvPr id="4" name="Table 3">
+            <a:extLst>
+              <a:ext uri="{FF2B5EF4-FFF2-40B4-BE49-F238E27FC236}">
+                <a16:creationId xmlns:a16="http://schemas.microsoft.com/office/drawing/2014/main" id="{0B94DBE3-E38F-FF7F-4AE8-31848EEA4431}"/>
+              </a:ext>
+            </a:extLst>
+          </p:cNvPr>
+          <p:cNvGraphicFramePr>
+            <a:graphicFrameLocks noGrp="1"/>
+          </p:cNvGraphicFramePr>
+          <p:nvPr>
+            <p:extLst>
+              <p:ext uri="{D42A27DB-BD31-4B8C-83A1-F6EECF244321}">
+                <p14:modId xmlns:p14="http://schemas.microsoft.com/office/powerpoint/2010/main" val="622840808"/>
+              </p:ext>
+            </p:extLst>
+          </p:nvPr>
+        </p:nvGraphicFramePr>
+        <p:xfrm>
+          <a:off x="404246" y="1172730"/>
+          <a:ext cx="11383508" cy="5406777"/>
+        </p:xfrm>
+        <a:graphic>
+          <a:graphicData uri="http://schemas.openxmlformats.org/drawingml/2006/table">
+            <a:tbl>
+              <a:tblPr>
+                <a:effectLst>
+                  <a:outerShdw blurRad="50800" dist="50800" dir="5400000" sx="101000" sy="101000" algn="ctr" rotWithShape="0">
+                    <a:srgbClr val="000000">
+                      <a:alpha val="59000"/>
+                    </a:srgbClr>
+                  </a:outerShdw>
+                </a:effectLst>
+                <a:tableStyleId>{5C22544A-7EE6-4342-B048-85BDC9FD1C3A}</a:tableStyleId>
+              </a:tblPr>
+              <a:tblGrid>
+                <a:gridCol w="11383508">
+                  <a:extLst>
+                    <a:ext uri="{9D8B030D-6E8A-4147-A177-3AD203B41FA5}">
+                      <a16:colId xmlns:a16="http://schemas.microsoft.com/office/drawing/2014/main" val="2599995568"/>
+                    </a:ext>
+                  </a:extLst>
+                </a:gridCol>
+              </a:tblGrid>
+              <a:tr h="5406777">
+                <a:tc>
+                  <a:txBody>
+                    <a:bodyPr/>
+                    <a:lstStyle/>
+                    <a:p>
+                      <a:r>
+                        <a:rPr lang="en-US" sz="1800" b="1" u="none" kern="1200" dirty="0">
+                          <a:solidFill>
+                            <a:schemeClr val="dk1"/>
+                          </a:solidFill>
+                          <a:effectLst/>
+                          <a:latin typeface="Microsoft Sans Serif" panose="020B0604020202020204" pitchFamily="34" charset="0"/>
+                          <a:ea typeface="Microsoft Sans Serif" panose="020B0604020202020204" pitchFamily="34" charset="0"/>
+                          <a:cs typeface="Microsoft Sans Serif" panose="020B0604020202020204" pitchFamily="34" charset="0"/>
+                        </a:rPr>
+                        <a:t>IST 719 Information Visualization Final Project – Top 20 Hazardous Spills in New York</a:t>
+                      </a:r>
+                    </a:p>
+                    <a:p>
+                      <a:pPr>
+                        <a:lnSpc>
+                          <a:spcPct val="150000"/>
+                        </a:lnSpc>
+                      </a:pPr>
+                      <a:r>
+                        <a:rPr lang="en-US" sz="1600" b="0" i="0" u="none" kern="1200" dirty="0">
+                          <a:solidFill>
+                            <a:schemeClr val="dk1"/>
+                          </a:solidFill>
+                          <a:effectLst/>
+                          <a:latin typeface="Microsoft Sans Serif" panose="020B0604020202020204" pitchFamily="34" charset="0"/>
+                          <a:ea typeface="Microsoft Sans Serif" panose="020B0604020202020204" pitchFamily="34" charset="0"/>
+                          <a:cs typeface="Microsoft Sans Serif" panose="020B0604020202020204" pitchFamily="34" charset="0"/>
+                        </a:rPr>
+                        <a:t>This project focused on using NY’s open data on hazardous material spills to generate time series analyses</a:t>
+                      </a:r>
+                    </a:p>
+                    <a:p>
+                      <a:pPr>
+                        <a:lnSpc>
+                          <a:spcPct val="150000"/>
+                        </a:lnSpc>
+                      </a:pPr>
+                      <a:r>
+                        <a:rPr lang="en-US" sz="1600" b="0" i="0" u="none" kern="1200" dirty="0">
+                          <a:solidFill>
+                            <a:schemeClr val="dk1"/>
+                          </a:solidFill>
+                          <a:effectLst/>
+                          <a:latin typeface="Microsoft Sans Serif" panose="020B0604020202020204" pitchFamily="34" charset="0"/>
+                          <a:ea typeface="Microsoft Sans Serif" panose="020B0604020202020204" pitchFamily="34" charset="0"/>
+                          <a:cs typeface="Microsoft Sans Serif" panose="020B0604020202020204" pitchFamily="34" charset="0"/>
+                        </a:rPr>
+                        <a:t>Using R and several packages such as seaborn, </a:t>
+                      </a:r>
+                      <a:r>
+                        <a:rPr lang="en-US" sz="1600" b="0" i="0" u="none" kern="1200" dirty="0" err="1">
+                          <a:solidFill>
+                            <a:schemeClr val="dk1"/>
+                          </a:solidFill>
+                          <a:effectLst/>
+                          <a:latin typeface="Microsoft Sans Serif" panose="020B0604020202020204" pitchFamily="34" charset="0"/>
+                          <a:ea typeface="Microsoft Sans Serif" panose="020B0604020202020204" pitchFamily="34" charset="0"/>
+                          <a:cs typeface="Microsoft Sans Serif" panose="020B0604020202020204" pitchFamily="34" charset="0"/>
+                        </a:rPr>
+                        <a:t>dplyr</a:t>
+                      </a:r>
+                      <a:r>
+                        <a:rPr lang="en-US" sz="1600" b="0" i="0" u="none" kern="1200" dirty="0">
+                          <a:solidFill>
+                            <a:schemeClr val="dk1"/>
+                          </a:solidFill>
+                          <a:effectLst/>
+                          <a:latin typeface="Microsoft Sans Serif" panose="020B0604020202020204" pitchFamily="34" charset="0"/>
+                          <a:ea typeface="Microsoft Sans Serif" panose="020B0604020202020204" pitchFamily="34" charset="0"/>
+                          <a:cs typeface="Microsoft Sans Serif" panose="020B0604020202020204" pitchFamily="34" charset="0"/>
+                        </a:rPr>
+                        <a:t>, </a:t>
+                      </a:r>
+                      <a:r>
+                        <a:rPr lang="en-US" sz="1600" b="0" i="0" u="none" kern="1200" dirty="0" err="1">
+                          <a:solidFill>
+                            <a:schemeClr val="dk1"/>
+                          </a:solidFill>
+                          <a:effectLst/>
+                          <a:latin typeface="Microsoft Sans Serif" panose="020B0604020202020204" pitchFamily="34" charset="0"/>
+                          <a:ea typeface="Microsoft Sans Serif" panose="020B0604020202020204" pitchFamily="34" charset="0"/>
+                          <a:cs typeface="Microsoft Sans Serif" panose="020B0604020202020204" pitchFamily="34" charset="0"/>
+                        </a:rPr>
+                        <a:t>plotrix</a:t>
+                      </a:r>
+                      <a:r>
+                        <a:rPr lang="en-US" sz="1600" b="0" i="0" u="none" kern="1200" dirty="0">
+                          <a:solidFill>
+                            <a:schemeClr val="dk1"/>
+                          </a:solidFill>
+                          <a:effectLst/>
+                          <a:latin typeface="Microsoft Sans Serif" panose="020B0604020202020204" pitchFamily="34" charset="0"/>
+                          <a:ea typeface="Microsoft Sans Serif" panose="020B0604020202020204" pitchFamily="34" charset="0"/>
+                          <a:cs typeface="Microsoft Sans Serif" panose="020B0604020202020204" pitchFamily="34" charset="0"/>
+                        </a:rPr>
+                        <a:t>, </a:t>
+                      </a:r>
+                      <a:r>
+                        <a:rPr lang="en-US" sz="1600" b="0" i="0" u="none" kern="1200" dirty="0" err="1">
+                          <a:solidFill>
+                            <a:schemeClr val="dk1"/>
+                          </a:solidFill>
+                          <a:effectLst/>
+                          <a:latin typeface="Microsoft Sans Serif" panose="020B0604020202020204" pitchFamily="34" charset="0"/>
+                          <a:ea typeface="Microsoft Sans Serif" panose="020B0604020202020204" pitchFamily="34" charset="0"/>
+                          <a:cs typeface="Microsoft Sans Serif" panose="020B0604020202020204" pitchFamily="34" charset="0"/>
+                        </a:rPr>
+                        <a:t>ggplot</a:t>
+                      </a:r>
+                      <a:r>
+                        <a:rPr lang="en-US" sz="1600" b="0" i="0" u="none" kern="1200" dirty="0">
+                          <a:solidFill>
+                            <a:schemeClr val="dk1"/>
+                          </a:solidFill>
+                          <a:effectLst/>
+                          <a:latin typeface="Microsoft Sans Serif" panose="020B0604020202020204" pitchFamily="34" charset="0"/>
+                          <a:ea typeface="Microsoft Sans Serif" panose="020B0604020202020204" pitchFamily="34" charset="0"/>
+                          <a:cs typeface="Microsoft Sans Serif" panose="020B0604020202020204" pitchFamily="34" charset="0"/>
+                        </a:rPr>
+                        <a:t> and lattice, we present critical information on hazardous liquid spills. </a:t>
+                      </a:r>
+                    </a:p>
+                    <a:p>
+                      <a:pPr>
+                        <a:lnSpc>
+                          <a:spcPct val="150000"/>
+                        </a:lnSpc>
+                      </a:pPr>
+                      <a:r>
+                        <a:rPr lang="en-US" sz="1600" b="0" i="0" u="none" kern="1200" dirty="0">
+                          <a:solidFill>
+                            <a:schemeClr val="dk1"/>
+                          </a:solidFill>
+                          <a:effectLst/>
+                          <a:latin typeface="Microsoft Sans Serif" panose="020B0604020202020204" pitchFamily="34" charset="0"/>
+                          <a:ea typeface="Microsoft Sans Serif" panose="020B0604020202020204" pitchFamily="34" charset="0"/>
+                          <a:cs typeface="Microsoft Sans Serif" panose="020B0604020202020204" pitchFamily="34" charset="0"/>
+                        </a:rPr>
+                        <a:t>Date columns were transformed, and calculations were performed to determine the time taken to contain spills.</a:t>
+                      </a:r>
+                    </a:p>
+                    <a:p>
+                      <a:pPr>
+                        <a:lnSpc>
+                          <a:spcPct val="150000"/>
+                        </a:lnSpc>
+                      </a:pPr>
+                      <a:r>
+                        <a:rPr lang="en-US" sz="1600" b="0" i="0" u="none" kern="1200" dirty="0">
+                          <a:solidFill>
+                            <a:schemeClr val="dk1"/>
+                          </a:solidFill>
+                          <a:effectLst/>
+                          <a:latin typeface="Microsoft Sans Serif" panose="020B0604020202020204" pitchFamily="34" charset="0"/>
+                          <a:ea typeface="Microsoft Sans Serif" panose="020B0604020202020204" pitchFamily="34" charset="0"/>
+                          <a:cs typeface="Microsoft Sans Serif" panose="020B0604020202020204" pitchFamily="34" charset="0"/>
+                        </a:rPr>
+                        <a:t>Unnecessary information was omitted from the final poster to highlight key insights and avoid distracting viewers.</a:t>
+                      </a:r>
+                    </a:p>
+                    <a:p>
+                      <a:pPr>
+                        <a:lnSpc>
+                          <a:spcPct val="150000"/>
+                        </a:lnSpc>
+                      </a:pPr>
+                      <a:r>
+                        <a:rPr lang="en-US" sz="1600" b="0" i="0" u="none" kern="1200" dirty="0">
+                          <a:solidFill>
+                            <a:schemeClr val="dk1"/>
+                          </a:solidFill>
+                          <a:effectLst/>
+                          <a:latin typeface="Microsoft Sans Serif" panose="020B0604020202020204" pitchFamily="34" charset="0"/>
+                          <a:ea typeface="Microsoft Sans Serif" panose="020B0604020202020204" pitchFamily="34" charset="0"/>
+                          <a:cs typeface="Microsoft Sans Serif" panose="020B0604020202020204" pitchFamily="34" charset="0"/>
+                        </a:rPr>
+                        <a:t>The centerpiece of the poster was a large heatmap of NY state showing the quantity of material spilled, highlighting outliers.</a:t>
+                      </a:r>
+                    </a:p>
+                    <a:p>
+                      <a:pPr>
+                        <a:lnSpc>
+                          <a:spcPct val="150000"/>
+                        </a:lnSpc>
+                      </a:pPr>
+                      <a:r>
+                        <a:rPr lang="en-US" sz="1600" b="0" i="0" u="none" kern="1200" dirty="0">
+                          <a:solidFill>
+                            <a:schemeClr val="dk1"/>
+                          </a:solidFill>
+                          <a:effectLst/>
+                          <a:latin typeface="Microsoft Sans Serif" panose="020B0604020202020204" pitchFamily="34" charset="0"/>
+                          <a:ea typeface="Microsoft Sans Serif" panose="020B0604020202020204" pitchFamily="34" charset="0"/>
+                          <a:cs typeface="Microsoft Sans Serif" panose="020B0604020202020204" pitchFamily="34" charset="0"/>
+                        </a:rPr>
+                        <a:t>Separate data frames were created for spills measured in gallons, pounds, and those with missing units.</a:t>
+                      </a:r>
+                    </a:p>
+                    <a:p>
+                      <a:pPr>
+                        <a:lnSpc>
+                          <a:spcPct val="150000"/>
+                        </a:lnSpc>
+                      </a:pPr>
+                      <a:r>
+                        <a:rPr lang="en-US" sz="1600" b="0" i="0" u="none" kern="1200" dirty="0">
+                          <a:solidFill>
+                            <a:schemeClr val="dk1"/>
+                          </a:solidFill>
+                          <a:effectLst/>
+                          <a:latin typeface="Microsoft Sans Serif" panose="020B0604020202020204" pitchFamily="34" charset="0"/>
+                          <a:ea typeface="Microsoft Sans Serif" panose="020B0604020202020204" pitchFamily="34" charset="0"/>
+                          <a:cs typeface="Microsoft Sans Serif" panose="020B0604020202020204" pitchFamily="34" charset="0"/>
+                        </a:rPr>
+                        <a:t>Various visualizations, such as scatter plots, box plots, line plots, and bar charts, were included on the poster to provide a comprehensive understanding of the data.</a:t>
+                      </a:r>
+                    </a:p>
+                    <a:p>
+                      <a:pPr>
+                        <a:lnSpc>
+                          <a:spcPct val="150000"/>
+                        </a:lnSpc>
+                      </a:pPr>
+                      <a:r>
+                        <a:rPr lang="en-US" sz="1600" b="0" i="0" u="none" kern="1200" dirty="0">
+                          <a:solidFill>
+                            <a:schemeClr val="dk1"/>
+                          </a:solidFill>
+                          <a:effectLst/>
+                          <a:latin typeface="Microsoft Sans Serif" panose="020B0604020202020204" pitchFamily="34" charset="0"/>
+                          <a:ea typeface="Microsoft Sans Serif" panose="020B0604020202020204" pitchFamily="34" charset="0"/>
+                          <a:cs typeface="Microsoft Sans Serif" panose="020B0604020202020204" pitchFamily="34" charset="0"/>
+                        </a:rPr>
+                        <a:t>The generated graphics helped identify distribution, trends, outliers, and patterns in the hazardous spill dataset.</a:t>
+                      </a:r>
+                    </a:p>
+                    <a:p>
+                      <a:pPr>
+                        <a:lnSpc>
+                          <a:spcPct val="150000"/>
+                        </a:lnSpc>
+                      </a:pPr>
+                      <a:r>
+                        <a:rPr lang="en-US" sz="1600" b="0" i="0" u="none" kern="1200" dirty="0">
+                          <a:solidFill>
+                            <a:schemeClr val="dk1"/>
+                          </a:solidFill>
+                          <a:effectLst/>
+                          <a:latin typeface="Microsoft Sans Serif" panose="020B0604020202020204" pitchFamily="34" charset="0"/>
+                          <a:ea typeface="Microsoft Sans Serif" panose="020B0604020202020204" pitchFamily="34" charset="0"/>
+                          <a:cs typeface="Microsoft Sans Serif" panose="020B0604020202020204" pitchFamily="34" charset="0"/>
+                        </a:rPr>
+                        <a:t>The information presented in the context of separating outliers and proper resource allocation aimed to inform stakeholders about prevention, recovery, and maintenance strategies.</a:t>
+                      </a:r>
+                    </a:p>
+                  </a:txBody>
+                  <a:tcPr marL="118745" marR="118745" marT="0" marB="0">
+                    <a:lnL w="12700" cap="flat" cmpd="sng" algn="ctr">
+                      <a:solidFill>
+                        <a:schemeClr val="tx1"/>
+                      </a:solidFill>
+                      <a:prstDash val="solid"/>
+                      <a:round/>
+                      <a:headEnd type="none" w="med" len="med"/>
+                      <a:tailEnd type="none" w="med" len="med"/>
+                    </a:lnL>
+                    <a:lnR w="12700" cap="flat" cmpd="sng" algn="ctr">
+                      <a:solidFill>
+                        <a:schemeClr val="tx1"/>
+                      </a:solidFill>
+                      <a:prstDash val="solid"/>
+                      <a:round/>
+                      <a:headEnd type="none" w="med" len="med"/>
+                      <a:tailEnd type="none" w="med" len="med"/>
+                    </a:lnR>
+                    <a:lnT w="12700" cap="flat" cmpd="sng" algn="ctr">
+                      <a:solidFill>
+                        <a:schemeClr val="tx1"/>
+                      </a:solidFill>
+                      <a:prstDash val="solid"/>
+                      <a:round/>
+                      <a:headEnd type="none" w="med" len="med"/>
+                      <a:tailEnd type="none" w="med" len="med"/>
+                    </a:lnT>
+                    <a:lnB w="12700" cap="flat" cmpd="sng" algn="ctr">
+                      <a:solidFill>
+                        <a:schemeClr val="tx1"/>
+                      </a:solidFill>
+                      <a:prstDash val="solid"/>
+                      <a:round/>
+                      <a:headEnd type="none" w="med" len="med"/>
+                      <a:tailEnd type="none" w="med" len="med"/>
+                    </a:lnB>
+                    <a:solidFill>
+                      <a:schemeClr val="bg1"/>
+                    </a:solidFill>
+                  </a:tcPr>
+                </a:tc>
+                <a:extLst>
+                  <a:ext uri="{0D108BD9-81ED-4DB2-BD59-A6C34878D82A}">
+                    <a16:rowId xmlns:a16="http://schemas.microsoft.com/office/drawing/2014/main" val="56415965"/>
+                  </a:ext>
+                </a:extLst>
+              </a:tr>
+            </a:tbl>
+          </a:graphicData>
+        </a:graphic>
+      </p:graphicFrame>
+      <p:graphicFrame>
+        <p:nvGraphicFramePr>
+          <p:cNvPr id="5" name="Table 4">
+            <a:extLst>
+              <a:ext uri="{FF2B5EF4-FFF2-40B4-BE49-F238E27FC236}">
+                <a16:creationId xmlns:a16="http://schemas.microsoft.com/office/drawing/2014/main" id="{BFA353F1-3BE7-F9A4-233A-1231632D0C1E}"/>
+              </a:ext>
+            </a:extLst>
+          </p:cNvPr>
+          <p:cNvGraphicFramePr>
+            <a:graphicFrameLocks noGrp="1"/>
+          </p:cNvGraphicFramePr>
+          <p:nvPr>
+            <p:extLst>
+              <p:ext uri="{D42A27DB-BD31-4B8C-83A1-F6EECF244321}">
+                <p14:modId xmlns:p14="http://schemas.microsoft.com/office/powerpoint/2010/main" val="3480793492"/>
+              </p:ext>
+            </p:extLst>
+          </p:nvPr>
+        </p:nvGraphicFramePr>
+        <p:xfrm>
+          <a:off x="404246" y="401133"/>
+          <a:ext cx="10663557" cy="548640"/>
+        </p:xfrm>
+        <a:graphic>
+          <a:graphicData uri="http://schemas.openxmlformats.org/drawingml/2006/table">
+            <a:tbl>
+              <a:tblPr firstRow="1" firstCol="1" bandRow="1">
+                <a:effectLst>
+                  <a:outerShdw blurRad="63500" sx="102000" sy="102000" algn="ctr" rotWithShape="0">
+                    <a:prstClr val="black">
+                      <a:alpha val="40000"/>
+                    </a:prstClr>
+                  </a:outerShdw>
+                </a:effectLst>
+                <a:tableStyleId>{5C22544A-7EE6-4342-B048-85BDC9FD1C3A}</a:tableStyleId>
+              </a:tblPr>
+              <a:tblGrid>
+                <a:gridCol w="10663557">
+                  <a:extLst>
+                    <a:ext uri="{9D8B030D-6E8A-4147-A177-3AD203B41FA5}">
+                      <a16:colId xmlns:a16="http://schemas.microsoft.com/office/drawing/2014/main" val="693956170"/>
+                    </a:ext>
+                  </a:extLst>
+                </a:gridCol>
+              </a:tblGrid>
+              <a:tr h="0">
+                <a:tc>
+                  <a:txBody>
+                    <a:bodyPr/>
+                    <a:lstStyle/>
+                    <a:p>
+                      <a:pPr marL="0" marR="0" lvl="0" indent="0" algn="l" defTabSz="914400" rtl="0" eaLnBrk="1" fontAlgn="auto" latinLnBrk="0" hangingPunct="1">
+                        <a:lnSpc>
+                          <a:spcPct val="100000"/>
+                        </a:lnSpc>
+                        <a:spcBef>
+                          <a:spcPts val="0"/>
+                        </a:spcBef>
+                        <a:spcAft>
+                          <a:spcPts val="0"/>
+                        </a:spcAft>
+                        <a:buClrTx/>
+                        <a:buSzTx/>
+                        <a:buFontTx/>
+                        <a:buNone/>
+                        <a:tabLst/>
+                        <a:defRPr/>
+                      </a:pPr>
+                      <a:r>
+                        <a:rPr lang="en-US" sz="1800" kern="100" dirty="0">
+                          <a:effectLst/>
+                          <a:latin typeface="Microsoft Sans Serif" panose="020B0604020202020204" pitchFamily="34" charset="0"/>
+                          <a:ea typeface="Microsoft Sans Serif" panose="020B0604020202020204" pitchFamily="34" charset="0"/>
+                          <a:cs typeface="Microsoft Sans Serif" panose="020B0604020202020204" pitchFamily="34" charset="0"/>
+                        </a:rPr>
+                        <a:t>Communicate insights gained via visualization and analytics to a broad range of audiences</a:t>
+                      </a:r>
+                      <a:endParaRPr lang="en-US" sz="1600" kern="100" dirty="0">
+                        <a:solidFill>
+                          <a:srgbClr val="000000"/>
+                        </a:solidFill>
+                        <a:effectLst/>
+                        <a:highlight>
+                          <a:srgbClr val="000080"/>
+                        </a:highlight>
+                        <a:latin typeface="Microsoft Sans Serif" panose="020B0604020202020204" pitchFamily="34" charset="0"/>
+                        <a:ea typeface="Microsoft Sans Serif" panose="020B0604020202020204" pitchFamily="34" charset="0"/>
+                        <a:cs typeface="Microsoft Sans Serif" panose="020B0604020202020204" pitchFamily="34" charset="0"/>
+                      </a:endParaRPr>
+                    </a:p>
+                  </a:txBody>
+                  <a:tcPr marL="73025" marR="73025" marT="137160" marB="137160">
+                    <a:solidFill>
+                      <a:srgbClr val="000080"/>
+                    </a:solidFill>
+                  </a:tcPr>
+                </a:tc>
+                <a:extLst>
+                  <a:ext uri="{0D108BD9-81ED-4DB2-BD59-A6C34878D82A}">
+                    <a16:rowId xmlns:a16="http://schemas.microsoft.com/office/drawing/2014/main" val="125314420"/>
+                  </a:ext>
+                </a:extLst>
+              </a:tr>
+            </a:tbl>
+          </a:graphicData>
+        </a:graphic>
+      </p:graphicFrame>
+      <p:pic>
+        <p:nvPicPr>
+          <p:cNvPr id="7" name="Picture 6">
+            <a:extLst>
+              <a:ext uri="{FF2B5EF4-FFF2-40B4-BE49-F238E27FC236}">
+                <a16:creationId xmlns:a16="http://schemas.microsoft.com/office/drawing/2014/main" id="{594BDAEE-3F71-B040-F8D2-CD4BFBF9A2B6}"/>
+              </a:ext>
+            </a:extLst>
+          </p:cNvPr>
+          <p:cNvPicPr>
+            <a:picLocks noChangeAspect="1"/>
+          </p:cNvPicPr>
+          <p:nvPr/>
+        </p:nvPicPr>
+        <p:blipFill>
+          <a:blip r:embed="rId2">
+            <a:extLst>
+              <a:ext uri="{28A0092B-C50C-407E-A947-70E740481C1C}">
+                <a14:useLocalDpi xmlns:a14="http://schemas.microsoft.com/office/drawing/2010/main" val="0"/>
+              </a:ext>
+            </a:extLst>
+          </a:blip>
+          <a:srcRect/>
+          <a:stretch/>
+        </p:blipFill>
+        <p:spPr>
+          <a:xfrm>
+            <a:off x="11075235" y="369931"/>
+            <a:ext cx="712519" cy="702483"/>
+          </a:xfrm>
+          <a:prstGeom prst="rect">
+            <a:avLst/>
+          </a:prstGeom>
+          <a:effectLst>
+            <a:outerShdw blurRad="63500" sx="105000" sy="105000" algn="ctr" rotWithShape="0">
+              <a:prstClr val="black"/>
+            </a:outerShdw>
+            <a:softEdge rad="25400"/>
+          </a:effectLst>
+        </p:spPr>
+      </p:pic>
+      <p:sp>
+        <p:nvSpPr>
+          <p:cNvPr id="9" name="TextBox 8">
+            <a:extLst>
+              <a:ext uri="{FF2B5EF4-FFF2-40B4-BE49-F238E27FC236}">
+                <a16:creationId xmlns:a16="http://schemas.microsoft.com/office/drawing/2014/main" id="{610E1E22-ECC9-260D-783D-BDDCBC3C2A48}"/>
+              </a:ext>
+            </a:extLst>
+          </p:cNvPr>
+          <p:cNvSpPr txBox="1"/>
+          <p:nvPr/>
+        </p:nvSpPr>
+        <p:spPr>
+          <a:xfrm>
+            <a:off x="4959459" y="6456866"/>
+            <a:ext cx="6975846" cy="369332"/>
+          </a:xfrm>
+          <a:prstGeom prst="rect">
+            <a:avLst/>
+          </a:prstGeom>
+          <a:noFill/>
+        </p:spPr>
+        <p:txBody>
+          <a:bodyPr wrap="square">
+            <a:spAutoFit/>
+          </a:bodyPr>
+          <a:lstStyle/>
+          <a:p>
+            <a:pPr marL="0" marR="0" algn="l">
+              <a:spcBef>
+                <a:spcPts val="0"/>
+              </a:spcBef>
+              <a:spcAft>
+                <a:spcPts val="0"/>
+              </a:spcAft>
+            </a:pPr>
+            <a:r>
+              <a:rPr lang="en-US" sz="1800" b="1" kern="100" dirty="0">
+                <a:solidFill>
+                  <a:schemeClr val="bg1"/>
+                </a:solidFill>
+                <a:effectLst/>
+                <a:highlight>
+                  <a:srgbClr val="000080"/>
+                </a:highlight>
+                <a:latin typeface="Microsoft Sans Serif" panose="020B0604020202020204" pitchFamily="34" charset="0"/>
+                <a:ea typeface="Microsoft Sans Serif" panose="020B0604020202020204" pitchFamily="34" charset="0"/>
+                <a:cs typeface="Microsoft Sans Serif" panose="020B0604020202020204" pitchFamily="34" charset="0"/>
+              </a:rPr>
+              <a:t>Josep</a:t>
+            </a:r>
+            <a:r>
+              <a:rPr lang="en-US" b="1" kern="100" dirty="0">
+                <a:solidFill>
+                  <a:schemeClr val="bg1"/>
+                </a:solidFill>
+                <a:highlight>
+                  <a:srgbClr val="000080"/>
+                </a:highlight>
+                <a:latin typeface="Microsoft Sans Serif" panose="020B0604020202020204" pitchFamily="34" charset="0"/>
+                <a:ea typeface="Microsoft Sans Serif" panose="020B0604020202020204" pitchFamily="34" charset="0"/>
+                <a:cs typeface="Microsoft Sans Serif" panose="020B0604020202020204" pitchFamily="34" charset="0"/>
+              </a:rPr>
+              <a:t>h R Maugeri IV - </a:t>
+            </a:r>
+            <a:r>
+              <a:rPr lang="en-US" sz="1800" b="1" kern="100" dirty="0">
+                <a:solidFill>
+                  <a:schemeClr val="bg1"/>
+                </a:solidFill>
+                <a:effectLst/>
+                <a:highlight>
+                  <a:srgbClr val="000080"/>
+                </a:highlight>
+                <a:latin typeface="Microsoft Sans Serif" panose="020B0604020202020204" pitchFamily="34" charset="0"/>
+                <a:ea typeface="Microsoft Sans Serif" panose="020B0604020202020204" pitchFamily="34" charset="0"/>
+                <a:cs typeface="Microsoft Sans Serif" panose="020B0604020202020204" pitchFamily="34" charset="0"/>
+              </a:rPr>
+              <a:t>IST 782 - Syracuse University ISchool, 2023 </a:t>
+            </a:r>
+            <a:endParaRPr lang="en-US" sz="1600" b="1" kern="100" dirty="0">
+              <a:solidFill>
+                <a:schemeClr val="bg1"/>
+              </a:solidFill>
+              <a:effectLst/>
+              <a:highlight>
+                <a:srgbClr val="000080"/>
+              </a:highlight>
+              <a:latin typeface="Microsoft Sans Serif" panose="020B0604020202020204" pitchFamily="34" charset="0"/>
+              <a:ea typeface="Microsoft Sans Serif" panose="020B0604020202020204" pitchFamily="34" charset="0"/>
+              <a:cs typeface="Microsoft Sans Serif" panose="020B0604020202020204" pitchFamily="34" charset="0"/>
+            </a:endParaRPr>
+          </a:p>
+        </p:txBody>
+      </p:sp>
+    </p:spTree>
+    <p:extLst>
+      <p:ext uri="{BB962C8B-B14F-4D97-AF65-F5344CB8AC3E}">
+        <p14:creationId xmlns:p14="http://schemas.microsoft.com/office/powerpoint/2010/main" val="3572830359"/>
+      </p:ext>
+    </p:extLst>
+  </p:cSld>
+  <p:clrMapOvr>
+    <a:masterClrMapping/>
+  </p:clrMapOvr>
+</p:sld>
+</file>
+
+<file path=ppt/slides/slide12.xml><?xml version="1.0" encoding="utf-8"?>
+<p:sld xmlns:a="http://schemas.openxmlformats.org/drawingml/2006/main" xmlns:r="http://schemas.openxmlformats.org/officeDocument/2006/relationships" xmlns:p="http://schemas.openxmlformats.org/presentationml/2006/main">
+  <p:cSld>
+    <p:bg>
+      <p:bgPr>
+        <a:pattFill prst="pct5">
+          <a:fgClr>
+            <a:schemeClr val="accent1"/>
+          </a:fgClr>
+          <a:bgClr>
+            <a:schemeClr val="bg1"/>
+          </a:bgClr>
+        </a:pattFill>
+        <a:effectLst/>
+      </p:bgPr>
+    </p:bg>
+    <p:spTree>
+      <p:nvGrpSpPr>
+        <p:cNvPr id="1" name=""/>
+        <p:cNvGrpSpPr/>
+        <p:nvPr/>
+      </p:nvGrpSpPr>
+      <p:grpSpPr>
+        <a:xfrm>
+          <a:off x="0" y="0"/>
+          <a:ext cx="0" cy="0"/>
+          <a:chOff x="0" y="0"/>
+          <a:chExt cx="0" cy="0"/>
+        </a:xfrm>
+      </p:grpSpPr>
+      <p:graphicFrame>
+        <p:nvGraphicFramePr>
+          <p:cNvPr id="4" name="Table 3">
+            <a:extLst>
+              <a:ext uri="{FF2B5EF4-FFF2-40B4-BE49-F238E27FC236}">
+                <a16:creationId xmlns:a16="http://schemas.microsoft.com/office/drawing/2014/main" id="{0B94DBE3-E38F-FF7F-4AE8-31848EEA4431}"/>
+              </a:ext>
+            </a:extLst>
+          </p:cNvPr>
+          <p:cNvGraphicFramePr>
+            <a:graphicFrameLocks noGrp="1"/>
+          </p:cNvGraphicFramePr>
+          <p:nvPr>
+            <p:extLst>
+              <p:ext uri="{D42A27DB-BD31-4B8C-83A1-F6EECF244321}">
+                <p14:modId xmlns:p14="http://schemas.microsoft.com/office/powerpoint/2010/main" val="2694313442"/>
+              </p:ext>
+            </p:extLst>
+          </p:nvPr>
+        </p:nvGraphicFramePr>
+        <p:xfrm>
+          <a:off x="404246" y="1172731"/>
+          <a:ext cx="11383508" cy="369332"/>
+        </p:xfrm>
+        <a:graphic>
+          <a:graphicData uri="http://schemas.openxmlformats.org/drawingml/2006/table">
+            <a:tbl>
+              <a:tblPr>
+                <a:effectLst>
+                  <a:outerShdw blurRad="50800" dist="50800" dir="5400000" sx="101000" sy="101000" algn="ctr" rotWithShape="0">
+                    <a:srgbClr val="000000">
+                      <a:alpha val="59000"/>
+                    </a:srgbClr>
+                  </a:outerShdw>
+                </a:effectLst>
+                <a:tableStyleId>{5C22544A-7EE6-4342-B048-85BDC9FD1C3A}</a:tableStyleId>
+              </a:tblPr>
+              <a:tblGrid>
+                <a:gridCol w="11383508">
+                  <a:extLst>
+                    <a:ext uri="{9D8B030D-6E8A-4147-A177-3AD203B41FA5}">
+                      <a16:colId xmlns:a16="http://schemas.microsoft.com/office/drawing/2014/main" val="2599995568"/>
+                    </a:ext>
+                  </a:extLst>
+                </a:gridCol>
+              </a:tblGrid>
+              <a:tr h="369332">
+                <a:tc>
+                  <a:txBody>
+                    <a:bodyPr/>
+                    <a:lstStyle/>
+                    <a:p>
+                      <a:r>
+                        <a:rPr lang="en-US" sz="1800" b="1" u="none" kern="1200" dirty="0">
+                          <a:solidFill>
+                            <a:schemeClr val="dk1"/>
+                          </a:solidFill>
+                          <a:effectLst/>
+                          <a:latin typeface="Microsoft Sans Serif" panose="020B0604020202020204" pitchFamily="34" charset="0"/>
+                          <a:ea typeface="Microsoft Sans Serif" panose="020B0604020202020204" pitchFamily="34" charset="0"/>
+                          <a:cs typeface="Microsoft Sans Serif" panose="020B0604020202020204" pitchFamily="34" charset="0"/>
+                        </a:rPr>
+                        <a:t>IST 719 Information Visualization Final Project – Top 20 Hazardous Spills in New York</a:t>
+                      </a:r>
+                    </a:p>
+                  </a:txBody>
+                  <a:tcPr marL="118745" marR="118745" marT="0" marB="0">
+                    <a:lnL w="12700" cap="flat" cmpd="sng" algn="ctr">
+                      <a:solidFill>
+                        <a:schemeClr val="tx1"/>
+                      </a:solidFill>
+                      <a:prstDash val="solid"/>
+                      <a:round/>
+                      <a:headEnd type="none" w="med" len="med"/>
+                      <a:tailEnd type="none" w="med" len="med"/>
+                    </a:lnL>
+                    <a:lnR w="12700" cap="flat" cmpd="sng" algn="ctr">
+                      <a:solidFill>
+                        <a:schemeClr val="tx1"/>
+                      </a:solidFill>
+                      <a:prstDash val="solid"/>
+                      <a:round/>
+                      <a:headEnd type="none" w="med" len="med"/>
+                      <a:tailEnd type="none" w="med" len="med"/>
+                    </a:lnR>
+                    <a:lnT w="12700" cap="flat" cmpd="sng" algn="ctr">
+                      <a:solidFill>
+                        <a:schemeClr val="tx1"/>
+                      </a:solidFill>
+                      <a:prstDash val="solid"/>
+                      <a:round/>
+                      <a:headEnd type="none" w="med" len="med"/>
+                      <a:tailEnd type="none" w="med" len="med"/>
+                    </a:lnT>
+                    <a:lnB w="12700" cap="flat" cmpd="sng" algn="ctr">
+                      <a:solidFill>
+                        <a:schemeClr val="tx1"/>
+                      </a:solidFill>
+                      <a:prstDash val="solid"/>
+                      <a:round/>
+                      <a:headEnd type="none" w="med" len="med"/>
+                      <a:tailEnd type="none" w="med" len="med"/>
+                    </a:lnB>
+                    <a:solidFill>
+                      <a:schemeClr val="bg1"/>
+                    </a:solidFill>
+                  </a:tcPr>
+                </a:tc>
+                <a:extLst>
+                  <a:ext uri="{0D108BD9-81ED-4DB2-BD59-A6C34878D82A}">
+                    <a16:rowId xmlns:a16="http://schemas.microsoft.com/office/drawing/2014/main" val="56415965"/>
+                  </a:ext>
+                </a:extLst>
+              </a:tr>
+            </a:tbl>
+          </a:graphicData>
+        </a:graphic>
+      </p:graphicFrame>
+      <p:graphicFrame>
+        <p:nvGraphicFramePr>
+          <p:cNvPr id="5" name="Table 4">
+            <a:extLst>
+              <a:ext uri="{FF2B5EF4-FFF2-40B4-BE49-F238E27FC236}">
+                <a16:creationId xmlns:a16="http://schemas.microsoft.com/office/drawing/2014/main" id="{BFA353F1-3BE7-F9A4-233A-1231632D0C1E}"/>
+              </a:ext>
+            </a:extLst>
+          </p:cNvPr>
+          <p:cNvGraphicFramePr>
+            <a:graphicFrameLocks noGrp="1"/>
+          </p:cNvGraphicFramePr>
+          <p:nvPr/>
+        </p:nvGraphicFramePr>
+        <p:xfrm>
+          <a:off x="404246" y="401133"/>
+          <a:ext cx="10663557" cy="548640"/>
+        </p:xfrm>
+        <a:graphic>
+          <a:graphicData uri="http://schemas.openxmlformats.org/drawingml/2006/table">
+            <a:tbl>
+              <a:tblPr firstRow="1" firstCol="1" bandRow="1">
+                <a:effectLst>
+                  <a:outerShdw blurRad="63500" sx="102000" sy="102000" algn="ctr" rotWithShape="0">
+                    <a:prstClr val="black">
+                      <a:alpha val="40000"/>
+                    </a:prstClr>
+                  </a:outerShdw>
+                </a:effectLst>
+                <a:tableStyleId>{5C22544A-7EE6-4342-B048-85BDC9FD1C3A}</a:tableStyleId>
+              </a:tblPr>
+              <a:tblGrid>
+                <a:gridCol w="10663557">
+                  <a:extLst>
+                    <a:ext uri="{9D8B030D-6E8A-4147-A177-3AD203B41FA5}">
+                      <a16:colId xmlns:a16="http://schemas.microsoft.com/office/drawing/2014/main" val="693956170"/>
+                    </a:ext>
+                  </a:extLst>
+                </a:gridCol>
+              </a:tblGrid>
+              <a:tr h="0">
+                <a:tc>
+                  <a:txBody>
+                    <a:bodyPr/>
+                    <a:lstStyle/>
+                    <a:p>
+                      <a:pPr marL="0" marR="0" lvl="0" indent="0" algn="l" defTabSz="914400" rtl="0" eaLnBrk="1" fontAlgn="auto" latinLnBrk="0" hangingPunct="1">
+                        <a:lnSpc>
+                          <a:spcPct val="100000"/>
+                        </a:lnSpc>
+                        <a:spcBef>
+                          <a:spcPts val="0"/>
+                        </a:spcBef>
+                        <a:spcAft>
+                          <a:spcPts val="0"/>
+                        </a:spcAft>
+                        <a:buClrTx/>
+                        <a:buSzTx/>
+                        <a:buFontTx/>
+                        <a:buNone/>
+                        <a:tabLst/>
+                        <a:defRPr/>
+                      </a:pPr>
+                      <a:r>
+                        <a:rPr lang="en-US" sz="1800" kern="100" dirty="0">
+                          <a:effectLst/>
+                          <a:latin typeface="Microsoft Sans Serif" panose="020B0604020202020204" pitchFamily="34" charset="0"/>
+                          <a:ea typeface="Microsoft Sans Serif" panose="020B0604020202020204" pitchFamily="34" charset="0"/>
+                          <a:cs typeface="Microsoft Sans Serif" panose="020B0604020202020204" pitchFamily="34" charset="0"/>
+                        </a:rPr>
+                        <a:t>Communicate insights gained via visualization and analytics to a broad range of audiences</a:t>
+                      </a:r>
+                      <a:endParaRPr lang="en-US" sz="1600" kern="100" dirty="0">
+                        <a:solidFill>
+                          <a:srgbClr val="000000"/>
+                        </a:solidFill>
+                        <a:effectLst/>
+                        <a:highlight>
+                          <a:srgbClr val="000080"/>
+                        </a:highlight>
+                        <a:latin typeface="Microsoft Sans Serif" panose="020B0604020202020204" pitchFamily="34" charset="0"/>
+                        <a:ea typeface="Microsoft Sans Serif" panose="020B0604020202020204" pitchFamily="34" charset="0"/>
+                        <a:cs typeface="Microsoft Sans Serif" panose="020B0604020202020204" pitchFamily="34" charset="0"/>
+                      </a:endParaRPr>
+                    </a:p>
+                  </a:txBody>
+                  <a:tcPr marL="73025" marR="73025" marT="137160" marB="137160">
+                    <a:solidFill>
+                      <a:srgbClr val="000080"/>
+                    </a:solidFill>
+                  </a:tcPr>
+                </a:tc>
+                <a:extLst>
+                  <a:ext uri="{0D108BD9-81ED-4DB2-BD59-A6C34878D82A}">
+                    <a16:rowId xmlns:a16="http://schemas.microsoft.com/office/drawing/2014/main" val="125314420"/>
+                  </a:ext>
+                </a:extLst>
+              </a:tr>
+            </a:tbl>
+          </a:graphicData>
+        </a:graphic>
+      </p:graphicFrame>
+      <p:pic>
+        <p:nvPicPr>
+          <p:cNvPr id="7" name="Picture 6">
+            <a:extLst>
+              <a:ext uri="{FF2B5EF4-FFF2-40B4-BE49-F238E27FC236}">
+                <a16:creationId xmlns:a16="http://schemas.microsoft.com/office/drawing/2014/main" id="{594BDAEE-3F71-B040-F8D2-CD4BFBF9A2B6}"/>
+              </a:ext>
+            </a:extLst>
+          </p:cNvPr>
+          <p:cNvPicPr>
+            <a:picLocks noChangeAspect="1"/>
+          </p:cNvPicPr>
+          <p:nvPr/>
+        </p:nvPicPr>
+        <p:blipFill>
+          <a:blip r:embed="rId2">
+            <a:extLst>
+              <a:ext uri="{28A0092B-C50C-407E-A947-70E740481C1C}">
+                <a14:useLocalDpi xmlns:a14="http://schemas.microsoft.com/office/drawing/2010/main" val="0"/>
+              </a:ext>
+            </a:extLst>
+          </a:blip>
+          <a:srcRect/>
+          <a:stretch/>
+        </p:blipFill>
+        <p:spPr>
+          <a:xfrm>
+            <a:off x="11075235" y="369931"/>
+            <a:ext cx="712519" cy="702483"/>
+          </a:xfrm>
+          <a:prstGeom prst="rect">
+            <a:avLst/>
+          </a:prstGeom>
+          <a:effectLst>
+            <a:outerShdw blurRad="63500" sx="105000" sy="105000" algn="ctr" rotWithShape="0">
+              <a:prstClr val="black"/>
+            </a:outerShdw>
+            <a:softEdge rad="25400"/>
+          </a:effectLst>
+        </p:spPr>
+      </p:pic>
+      <p:sp>
+        <p:nvSpPr>
+          <p:cNvPr id="9" name="TextBox 8">
+            <a:extLst>
+              <a:ext uri="{FF2B5EF4-FFF2-40B4-BE49-F238E27FC236}">
+                <a16:creationId xmlns:a16="http://schemas.microsoft.com/office/drawing/2014/main" id="{610E1E22-ECC9-260D-783D-BDDCBC3C2A48}"/>
+              </a:ext>
+            </a:extLst>
+          </p:cNvPr>
+          <p:cNvSpPr txBox="1"/>
+          <p:nvPr/>
+        </p:nvSpPr>
+        <p:spPr>
+          <a:xfrm>
+            <a:off x="4959459" y="6456866"/>
+            <a:ext cx="6975846" cy="369332"/>
+          </a:xfrm>
+          <a:prstGeom prst="rect">
+            <a:avLst/>
+          </a:prstGeom>
+          <a:noFill/>
+        </p:spPr>
+        <p:txBody>
+          <a:bodyPr wrap="square">
+            <a:spAutoFit/>
+          </a:bodyPr>
+          <a:lstStyle/>
+          <a:p>
+            <a:pPr marL="0" marR="0" algn="l">
+              <a:spcBef>
+                <a:spcPts val="0"/>
+              </a:spcBef>
+              <a:spcAft>
+                <a:spcPts val="0"/>
+              </a:spcAft>
+            </a:pPr>
+            <a:r>
+              <a:rPr lang="en-US" sz="1800" b="1" kern="100" dirty="0">
+                <a:solidFill>
+                  <a:schemeClr val="bg1"/>
+                </a:solidFill>
+                <a:effectLst/>
+                <a:highlight>
+                  <a:srgbClr val="000080"/>
+                </a:highlight>
+                <a:latin typeface="Microsoft Sans Serif" panose="020B0604020202020204" pitchFamily="34" charset="0"/>
+                <a:ea typeface="Microsoft Sans Serif" panose="020B0604020202020204" pitchFamily="34" charset="0"/>
+                <a:cs typeface="Microsoft Sans Serif" panose="020B0604020202020204" pitchFamily="34" charset="0"/>
+              </a:rPr>
+              <a:t>Josep</a:t>
+            </a:r>
+            <a:r>
+              <a:rPr lang="en-US" b="1" kern="100" dirty="0">
+                <a:solidFill>
+                  <a:schemeClr val="bg1"/>
+                </a:solidFill>
+                <a:highlight>
+                  <a:srgbClr val="000080"/>
+                </a:highlight>
+                <a:latin typeface="Microsoft Sans Serif" panose="020B0604020202020204" pitchFamily="34" charset="0"/>
+                <a:ea typeface="Microsoft Sans Serif" panose="020B0604020202020204" pitchFamily="34" charset="0"/>
+                <a:cs typeface="Microsoft Sans Serif" panose="020B0604020202020204" pitchFamily="34" charset="0"/>
+              </a:rPr>
+              <a:t>h R Maugeri IV - </a:t>
+            </a:r>
+            <a:r>
+              <a:rPr lang="en-US" sz="1800" b="1" kern="100" dirty="0">
+                <a:solidFill>
+                  <a:schemeClr val="bg1"/>
+                </a:solidFill>
+                <a:effectLst/>
+                <a:highlight>
+                  <a:srgbClr val="000080"/>
+                </a:highlight>
+                <a:latin typeface="Microsoft Sans Serif" panose="020B0604020202020204" pitchFamily="34" charset="0"/>
+                <a:ea typeface="Microsoft Sans Serif" panose="020B0604020202020204" pitchFamily="34" charset="0"/>
+                <a:cs typeface="Microsoft Sans Serif" panose="020B0604020202020204" pitchFamily="34" charset="0"/>
+              </a:rPr>
+              <a:t>IST 782 - Syracuse University ISchool, 2023 </a:t>
+            </a:r>
+            <a:endParaRPr lang="en-US" sz="1600" b="1" kern="100" dirty="0">
+              <a:solidFill>
+                <a:schemeClr val="bg1"/>
+              </a:solidFill>
+              <a:effectLst/>
+              <a:highlight>
+                <a:srgbClr val="000080"/>
+              </a:highlight>
+              <a:latin typeface="Microsoft Sans Serif" panose="020B0604020202020204" pitchFamily="34" charset="0"/>
+              <a:ea typeface="Microsoft Sans Serif" panose="020B0604020202020204" pitchFamily="34" charset="0"/>
+              <a:cs typeface="Microsoft Sans Serif" panose="020B0604020202020204" pitchFamily="34" charset="0"/>
+            </a:endParaRPr>
+          </a:p>
+        </p:txBody>
+      </p:sp>
+      <p:pic>
+        <p:nvPicPr>
+          <p:cNvPr id="2" name="Picture 1">
+            <a:extLst>
+              <a:ext uri="{FF2B5EF4-FFF2-40B4-BE49-F238E27FC236}">
+                <a16:creationId xmlns:a16="http://schemas.microsoft.com/office/drawing/2014/main" id="{B75FA132-4F35-7B84-10EB-83DC58EF12AE}"/>
+              </a:ext>
+            </a:extLst>
+          </p:cNvPr>
+          <p:cNvPicPr>
+            <a:picLocks noChangeAspect="1"/>
+          </p:cNvPicPr>
+          <p:nvPr/>
+        </p:nvPicPr>
+        <p:blipFill>
+          <a:blip r:embed="rId3"/>
+          <a:stretch>
+            <a:fillRect/>
+          </a:stretch>
+        </p:blipFill>
+        <p:spPr>
+          <a:xfrm>
+            <a:off x="2651278" y="1642380"/>
+            <a:ext cx="6445221" cy="4820470"/>
+          </a:xfrm>
+          <a:prstGeom prst="rect">
+            <a:avLst/>
+          </a:prstGeom>
+        </p:spPr>
+      </p:pic>
+    </p:spTree>
+    <p:extLst>
+      <p:ext uri="{BB962C8B-B14F-4D97-AF65-F5344CB8AC3E}">
+        <p14:creationId xmlns:p14="http://schemas.microsoft.com/office/powerpoint/2010/main" val="1894088417"/>
+      </p:ext>
+    </p:extLst>
+  </p:cSld>
+  <p:clrMapOvr>
+    <a:masterClrMapping/>
+  </p:clrMapOvr>
+</p:sld>
+</file>
+
+<file path=ppt/slides/slide13.xml><?xml version="1.0" encoding="utf-8"?>
+<p:sld xmlns:a="http://schemas.openxmlformats.org/drawingml/2006/main" xmlns:r="http://schemas.openxmlformats.org/officeDocument/2006/relationships" xmlns:p="http://schemas.openxmlformats.org/presentationml/2006/main">
+  <p:cSld>
+    <p:bg>
+      <p:bgPr>
+        <a:pattFill prst="pct5">
+          <a:fgClr>
+            <a:schemeClr val="accent1"/>
+          </a:fgClr>
+          <a:bgClr>
+            <a:schemeClr val="bg1"/>
+          </a:bgClr>
+        </a:pattFill>
+        <a:effectLst/>
+      </p:bgPr>
+    </p:bg>
+    <p:spTree>
+      <p:nvGrpSpPr>
+        <p:cNvPr id="1" name=""/>
+        <p:cNvGrpSpPr/>
+        <p:nvPr/>
+      </p:nvGrpSpPr>
+      <p:grpSpPr>
+        <a:xfrm>
+          <a:off x="0" y="0"/>
+          <a:ext cx="0" cy="0"/>
+          <a:chOff x="0" y="0"/>
+          <a:chExt cx="0" cy="0"/>
+        </a:xfrm>
+      </p:grpSpPr>
+      <p:graphicFrame>
+        <p:nvGraphicFramePr>
+          <p:cNvPr id="4" name="Table 3">
+            <a:extLst>
+              <a:ext uri="{FF2B5EF4-FFF2-40B4-BE49-F238E27FC236}">
+                <a16:creationId xmlns:a16="http://schemas.microsoft.com/office/drawing/2014/main" id="{0B94DBE3-E38F-FF7F-4AE8-31848EEA4431}"/>
+              </a:ext>
+            </a:extLst>
+          </p:cNvPr>
+          <p:cNvGraphicFramePr>
+            <a:graphicFrameLocks noGrp="1"/>
+          </p:cNvGraphicFramePr>
+          <p:nvPr>
+            <p:extLst>
+              <p:ext uri="{D42A27DB-BD31-4B8C-83A1-F6EECF244321}">
+                <p14:modId xmlns:p14="http://schemas.microsoft.com/office/powerpoint/2010/main" val="2255773789"/>
+              </p:ext>
+            </p:extLst>
+          </p:nvPr>
+        </p:nvGraphicFramePr>
+        <p:xfrm>
+          <a:off x="404246" y="1172730"/>
+          <a:ext cx="11383508" cy="5406777"/>
+        </p:xfrm>
+        <a:graphic>
+          <a:graphicData uri="http://schemas.openxmlformats.org/drawingml/2006/table">
+            <a:tbl>
+              <a:tblPr>
+                <a:effectLst>
+                  <a:outerShdw blurRad="50800" dist="50800" dir="5400000" sx="101000" sy="101000" algn="ctr" rotWithShape="0">
+                    <a:srgbClr val="000000">
+                      <a:alpha val="59000"/>
+                    </a:srgbClr>
+                  </a:outerShdw>
+                </a:effectLst>
+                <a:tableStyleId>{5C22544A-7EE6-4342-B048-85BDC9FD1C3A}</a:tableStyleId>
+              </a:tblPr>
+              <a:tblGrid>
+                <a:gridCol w="11383508">
+                  <a:extLst>
+                    <a:ext uri="{9D8B030D-6E8A-4147-A177-3AD203B41FA5}">
+                      <a16:colId xmlns:a16="http://schemas.microsoft.com/office/drawing/2014/main" val="2599995568"/>
+                    </a:ext>
+                  </a:extLst>
+                </a:gridCol>
+              </a:tblGrid>
+              <a:tr h="5406777">
+                <a:tc>
+                  <a:txBody>
+                    <a:bodyPr/>
+                    <a:lstStyle/>
+                    <a:p>
+                      <a:r>
+                        <a:rPr lang="en-US" sz="1800" b="1" u="none" kern="1200" dirty="0">
+                          <a:solidFill>
+                            <a:schemeClr val="dk1"/>
+                          </a:solidFill>
+                          <a:effectLst/>
+                          <a:latin typeface="Microsoft Sans Serif" panose="020B0604020202020204" pitchFamily="34" charset="0"/>
+                          <a:ea typeface="Microsoft Sans Serif" panose="020B0604020202020204" pitchFamily="34" charset="0"/>
+                          <a:cs typeface="Microsoft Sans Serif" panose="020B0604020202020204" pitchFamily="34" charset="0"/>
+                        </a:rPr>
+                        <a:t>IST 623 Information Security Final Project</a:t>
+                      </a:r>
+                      <a:br>
+                        <a:rPr lang="en-US" sz="1800" u="sng" kern="1200" dirty="0">
+                          <a:solidFill>
+                            <a:schemeClr val="dk1"/>
+                          </a:solidFill>
+                          <a:effectLst/>
+                          <a:latin typeface="+mn-lt"/>
+                          <a:ea typeface="+mn-ea"/>
+                          <a:cs typeface="+mn-cs"/>
+                        </a:rPr>
+                      </a:br>
+                      <a:endParaRPr lang="en-US" sz="1800" u="sng" kern="1200" dirty="0">
+                        <a:solidFill>
+                          <a:schemeClr val="dk1"/>
+                        </a:solidFill>
+                        <a:effectLst/>
+                        <a:latin typeface="+mn-lt"/>
+                        <a:ea typeface="+mn-ea"/>
+                        <a:cs typeface="+mn-cs"/>
+                      </a:endParaRPr>
+                    </a:p>
+                    <a:p>
+                      <a:r>
+                        <a:rPr lang="en-US" sz="1800" u="none" kern="1200" dirty="0">
+                          <a:solidFill>
+                            <a:schemeClr val="dk1"/>
+                          </a:solidFill>
+                          <a:effectLst/>
+                          <a:latin typeface="+mn-lt"/>
+                          <a:ea typeface="+mn-ea"/>
+                          <a:cs typeface="+mn-cs"/>
+                        </a:rPr>
+                        <a:t>This project was a deep dive on the history of a social networking platform “Roblox” and investigated their ethics and practices in the context of Information Security. What was found was shocking, and resulted in a call to action to Roblox to modify their services in order to protect our children better, as the internet becomes an increasingly integrated part of their upbringing. What was found on Roblox can be summarize in the following statements: </a:t>
+                      </a:r>
+                    </a:p>
+                    <a:p>
+                      <a:r>
+                        <a:rPr lang="en-US" sz="1800" b="0" i="0" kern="1200" dirty="0">
+                          <a:solidFill>
+                            <a:schemeClr val="dk1"/>
+                          </a:solidFill>
+                          <a:effectLst/>
+                          <a:latin typeface="+mn-lt"/>
+                          <a:ea typeface="+mn-ea"/>
+                          <a:cs typeface="+mn-cs"/>
+                        </a:rPr>
+                        <a:t>1.Inconsistent execution of security policies and procedures across different parts of the user base through third-party security vendors, ultimately putting the end user’s information at risk.</a:t>
+                      </a:r>
+                    </a:p>
+                    <a:p>
+                      <a:r>
+                        <a:rPr lang="en-US" sz="1800" b="0" i="0" kern="1200" dirty="0">
+                          <a:solidFill>
+                            <a:schemeClr val="dk1"/>
+                          </a:solidFill>
+                          <a:effectLst/>
+                          <a:latin typeface="+mn-lt"/>
+                          <a:ea typeface="+mn-ea"/>
+                          <a:cs typeface="+mn-cs"/>
+                        </a:rPr>
+                        <a:t>2.Unregulated behavior/content and injection of malicious content by users and/or bots targeting/affecting users under the age of 13.</a:t>
+                      </a:r>
+                    </a:p>
+                    <a:p>
+                      <a:r>
+                        <a:rPr lang="en-US" sz="1800" b="0" i="0" kern="1200" dirty="0">
+                          <a:solidFill>
+                            <a:schemeClr val="dk1"/>
+                          </a:solidFill>
+                          <a:effectLst/>
+                          <a:latin typeface="+mn-lt"/>
+                          <a:ea typeface="+mn-ea"/>
+                          <a:cs typeface="+mn-cs"/>
+                        </a:rPr>
+                        <a:t>3.Exposing young children to the risks of gambling via encouraging purchase of limited items that fluctuate in value on a global market, without providing guiderails to prevent loss or theft of those items.</a:t>
+                      </a:r>
+                    </a:p>
+                    <a:p>
+                      <a:r>
+                        <a:rPr lang="en-US" sz="1800" b="0" i="0" kern="1200" dirty="0">
+                          <a:solidFill>
+                            <a:schemeClr val="dk1"/>
+                          </a:solidFill>
+                          <a:effectLst/>
+                          <a:latin typeface="+mn-lt"/>
+                          <a:ea typeface="+mn-ea"/>
+                          <a:cs typeface="+mn-cs"/>
+                        </a:rPr>
+                        <a:t>4.Profiteering off content creators by compensating labor via in-game currency and penalizing the trade to fiat currency, as well as encouraging microtransactions in an unregulated environment. </a:t>
+                      </a:r>
+                    </a:p>
+                    <a:p>
+                      <a:r>
+                        <a:rPr lang="en-US" sz="1800" b="0" i="0" kern="1200" dirty="0">
+                          <a:solidFill>
+                            <a:schemeClr val="dk1"/>
+                          </a:solidFill>
+                          <a:effectLst/>
+                          <a:latin typeface="+mn-lt"/>
+                          <a:ea typeface="+mn-ea"/>
+                          <a:cs typeface="+mn-cs"/>
+                        </a:rPr>
+                        <a:t>5.Providing an unregulated gateway to access off-site via shared links, content-creators websites.</a:t>
+                      </a:r>
+                    </a:p>
+                    <a:p>
+                      <a:r>
+                        <a:rPr lang="en-US" sz="1800" b="0" i="0" kern="1200" dirty="0">
+                          <a:solidFill>
+                            <a:schemeClr val="dk1"/>
+                          </a:solidFill>
+                          <a:effectLst/>
+                          <a:latin typeface="+mn-lt"/>
+                          <a:ea typeface="+mn-ea"/>
+                          <a:cs typeface="+mn-cs"/>
+                        </a:rPr>
+                        <a:t>6.Lack of action / delayed action to address child exploitation on the platform. </a:t>
+                      </a:r>
+                    </a:p>
+                    <a:p>
+                      <a:endParaRPr lang="en-US" sz="1800" b="0" i="0" kern="1200" dirty="0">
+                        <a:solidFill>
+                          <a:schemeClr val="dk1"/>
+                        </a:solidFill>
+                        <a:effectLst/>
+                        <a:latin typeface="+mn-lt"/>
+                        <a:ea typeface="+mn-ea"/>
+                        <a:cs typeface="+mn-cs"/>
+                      </a:endParaRPr>
+                    </a:p>
+                    <a:p>
+                      <a:endParaRPr lang="en-US" sz="1800" b="0" i="0" kern="1200" dirty="0">
+                        <a:solidFill>
+                          <a:schemeClr val="dk1"/>
+                        </a:solidFill>
+                        <a:effectLst/>
+                        <a:latin typeface="+mn-lt"/>
+                        <a:ea typeface="+mn-ea"/>
+                        <a:cs typeface="+mn-cs"/>
+                      </a:endParaRPr>
+                    </a:p>
+                  </a:txBody>
+                  <a:tcPr marL="118745" marR="118745" marT="0" marB="0">
+                    <a:lnL w="12700" cap="flat" cmpd="sng" algn="ctr">
+                      <a:solidFill>
+                        <a:schemeClr val="tx1"/>
+                      </a:solidFill>
+                      <a:prstDash val="solid"/>
+                      <a:round/>
+                      <a:headEnd type="none" w="med" len="med"/>
+                      <a:tailEnd type="none" w="med" len="med"/>
+                    </a:lnL>
+                    <a:lnR w="12700" cap="flat" cmpd="sng" algn="ctr">
+                      <a:solidFill>
+                        <a:schemeClr val="tx1"/>
+                      </a:solidFill>
+                      <a:prstDash val="solid"/>
+                      <a:round/>
+                      <a:headEnd type="none" w="med" len="med"/>
+                      <a:tailEnd type="none" w="med" len="med"/>
+                    </a:lnR>
+                    <a:lnT w="12700" cap="flat" cmpd="sng" algn="ctr">
+                      <a:solidFill>
+                        <a:schemeClr val="tx1"/>
+                      </a:solidFill>
+                      <a:prstDash val="solid"/>
+                      <a:round/>
+                      <a:headEnd type="none" w="med" len="med"/>
+                      <a:tailEnd type="none" w="med" len="med"/>
+                    </a:lnT>
+                    <a:lnB w="12700" cap="flat" cmpd="sng" algn="ctr">
+                      <a:solidFill>
+                        <a:schemeClr val="tx1"/>
+                      </a:solidFill>
+                      <a:prstDash val="solid"/>
+                      <a:round/>
+                      <a:headEnd type="none" w="med" len="med"/>
+                      <a:tailEnd type="none" w="med" len="med"/>
+                    </a:lnB>
+                    <a:solidFill>
+                      <a:schemeClr val="bg1"/>
+                    </a:solidFill>
+                  </a:tcPr>
+                </a:tc>
+                <a:extLst>
+                  <a:ext uri="{0D108BD9-81ED-4DB2-BD59-A6C34878D82A}">
+                    <a16:rowId xmlns:a16="http://schemas.microsoft.com/office/drawing/2014/main" val="56415965"/>
+                  </a:ext>
+                </a:extLst>
+              </a:tr>
+            </a:tbl>
+          </a:graphicData>
+        </a:graphic>
+      </p:graphicFrame>
+      <p:graphicFrame>
+        <p:nvGraphicFramePr>
+          <p:cNvPr id="5" name="Table 4">
+            <a:extLst>
+              <a:ext uri="{FF2B5EF4-FFF2-40B4-BE49-F238E27FC236}">
+                <a16:creationId xmlns:a16="http://schemas.microsoft.com/office/drawing/2014/main" id="{BFA353F1-3BE7-F9A4-233A-1231632D0C1E}"/>
+              </a:ext>
+            </a:extLst>
+          </p:cNvPr>
+          <p:cNvGraphicFramePr>
+            <a:graphicFrameLocks noGrp="1"/>
+          </p:cNvGraphicFramePr>
+          <p:nvPr>
+            <p:extLst>
+              <p:ext uri="{D42A27DB-BD31-4B8C-83A1-F6EECF244321}">
+                <p14:modId xmlns:p14="http://schemas.microsoft.com/office/powerpoint/2010/main" val="3055102650"/>
+              </p:ext>
+            </p:extLst>
+          </p:nvPr>
+        </p:nvGraphicFramePr>
+        <p:xfrm>
+          <a:off x="404246" y="401133"/>
+          <a:ext cx="10663557" cy="548640"/>
+        </p:xfrm>
+        <a:graphic>
+          <a:graphicData uri="http://schemas.openxmlformats.org/drawingml/2006/table">
+            <a:tbl>
+              <a:tblPr firstRow="1" firstCol="1" bandRow="1">
+                <a:effectLst>
+                  <a:outerShdw blurRad="63500" sx="102000" sy="102000" algn="ctr" rotWithShape="0">
+                    <a:prstClr val="black">
+                      <a:alpha val="40000"/>
+                    </a:prstClr>
+                  </a:outerShdw>
+                </a:effectLst>
+                <a:tableStyleId>{5C22544A-7EE6-4342-B048-85BDC9FD1C3A}</a:tableStyleId>
+              </a:tblPr>
+              <a:tblGrid>
+                <a:gridCol w="10663557">
+                  <a:extLst>
+                    <a:ext uri="{9D8B030D-6E8A-4147-A177-3AD203B41FA5}">
+                      <a16:colId xmlns:a16="http://schemas.microsoft.com/office/drawing/2014/main" val="693956170"/>
+                    </a:ext>
+                  </a:extLst>
+                </a:gridCol>
+              </a:tblGrid>
+              <a:tr h="0">
+                <a:tc>
+                  <a:txBody>
+                    <a:bodyPr/>
+                    <a:lstStyle/>
+                    <a:p>
+                      <a:pPr marL="0" marR="0" lvl="0" indent="0" algn="l" defTabSz="914400" rtl="0" eaLnBrk="1" fontAlgn="auto" latinLnBrk="0" hangingPunct="1">
+                        <a:lnSpc>
+                          <a:spcPct val="100000"/>
+                        </a:lnSpc>
+                        <a:spcBef>
+                          <a:spcPts val="0"/>
+                        </a:spcBef>
+                        <a:spcAft>
+                          <a:spcPts val="0"/>
+                        </a:spcAft>
+                        <a:buClrTx/>
+                        <a:buSzTx/>
+                        <a:buFontTx/>
+                        <a:buNone/>
+                        <a:tabLst/>
+                        <a:defRPr/>
+                      </a:pPr>
+                      <a:r>
+                        <a:rPr lang="en-US" sz="1800" kern="100" dirty="0">
+                          <a:effectLst/>
+                          <a:latin typeface="Microsoft Sans Serif" panose="020B0604020202020204" pitchFamily="34" charset="0"/>
+                          <a:ea typeface="Microsoft Sans Serif" panose="020B0604020202020204" pitchFamily="34" charset="0"/>
+                          <a:cs typeface="Microsoft Sans Serif" panose="020B0604020202020204" pitchFamily="34" charset="0"/>
+                        </a:rPr>
+                        <a:t>Apply ethics in the development, use and evaluation of data and predictive models</a:t>
+                      </a:r>
+                      <a:endParaRPr lang="en-US" sz="1600" kern="100" dirty="0">
+                        <a:solidFill>
+                          <a:srgbClr val="000000"/>
+                        </a:solidFill>
+                        <a:effectLst/>
+                        <a:highlight>
+                          <a:srgbClr val="000080"/>
+                        </a:highlight>
+                        <a:latin typeface="Microsoft Sans Serif" panose="020B0604020202020204" pitchFamily="34" charset="0"/>
+                        <a:ea typeface="Microsoft Sans Serif" panose="020B0604020202020204" pitchFamily="34" charset="0"/>
+                        <a:cs typeface="Microsoft Sans Serif" panose="020B0604020202020204" pitchFamily="34" charset="0"/>
+                      </a:endParaRPr>
+                    </a:p>
+                  </a:txBody>
+                  <a:tcPr marL="73025" marR="73025" marT="137160" marB="137160">
+                    <a:solidFill>
+                      <a:srgbClr val="000080"/>
+                    </a:solidFill>
+                  </a:tcPr>
+                </a:tc>
+                <a:extLst>
+                  <a:ext uri="{0D108BD9-81ED-4DB2-BD59-A6C34878D82A}">
+                    <a16:rowId xmlns:a16="http://schemas.microsoft.com/office/drawing/2014/main" val="125314420"/>
+                  </a:ext>
+                </a:extLst>
+              </a:tr>
+            </a:tbl>
+          </a:graphicData>
+        </a:graphic>
+      </p:graphicFrame>
+      <p:pic>
+        <p:nvPicPr>
+          <p:cNvPr id="7" name="Picture 6">
+            <a:extLst>
+              <a:ext uri="{FF2B5EF4-FFF2-40B4-BE49-F238E27FC236}">
+                <a16:creationId xmlns:a16="http://schemas.microsoft.com/office/drawing/2014/main" id="{594BDAEE-3F71-B040-F8D2-CD4BFBF9A2B6}"/>
+              </a:ext>
+            </a:extLst>
+          </p:cNvPr>
+          <p:cNvPicPr>
+            <a:picLocks noChangeAspect="1"/>
+          </p:cNvPicPr>
+          <p:nvPr/>
+        </p:nvPicPr>
+        <p:blipFill>
+          <a:blip r:embed="rId2">
+            <a:extLst>
+              <a:ext uri="{28A0092B-C50C-407E-A947-70E740481C1C}">
+                <a14:useLocalDpi xmlns:a14="http://schemas.microsoft.com/office/drawing/2010/main" val="0"/>
+              </a:ext>
+            </a:extLst>
+          </a:blip>
+          <a:srcRect/>
+          <a:stretch/>
+        </p:blipFill>
+        <p:spPr>
+          <a:xfrm>
+            <a:off x="11075235" y="369931"/>
+            <a:ext cx="712519" cy="702483"/>
+          </a:xfrm>
+          <a:prstGeom prst="rect">
+            <a:avLst/>
+          </a:prstGeom>
+          <a:effectLst>
+            <a:outerShdw blurRad="63500" sx="105000" sy="105000" algn="ctr" rotWithShape="0">
+              <a:prstClr val="black"/>
+            </a:outerShdw>
+            <a:softEdge rad="25400"/>
+          </a:effectLst>
+        </p:spPr>
+      </p:pic>
+      <p:sp>
+        <p:nvSpPr>
+          <p:cNvPr id="9" name="TextBox 8">
+            <a:extLst>
+              <a:ext uri="{FF2B5EF4-FFF2-40B4-BE49-F238E27FC236}">
+                <a16:creationId xmlns:a16="http://schemas.microsoft.com/office/drawing/2014/main" id="{610E1E22-ECC9-260D-783D-BDDCBC3C2A48}"/>
+              </a:ext>
+            </a:extLst>
+          </p:cNvPr>
+          <p:cNvSpPr txBox="1"/>
+          <p:nvPr/>
+        </p:nvSpPr>
+        <p:spPr>
+          <a:xfrm>
+            <a:off x="4959459" y="6456866"/>
+            <a:ext cx="6975846" cy="369332"/>
+          </a:xfrm>
+          <a:prstGeom prst="rect">
+            <a:avLst/>
+          </a:prstGeom>
+          <a:noFill/>
+        </p:spPr>
+        <p:txBody>
+          <a:bodyPr wrap="square">
+            <a:spAutoFit/>
+          </a:bodyPr>
+          <a:lstStyle/>
+          <a:p>
+            <a:pPr marL="0" marR="0" algn="l">
+              <a:spcBef>
+                <a:spcPts val="0"/>
+              </a:spcBef>
+              <a:spcAft>
+                <a:spcPts val="0"/>
+              </a:spcAft>
+            </a:pPr>
+            <a:r>
+              <a:rPr lang="en-US" sz="1800" b="1" kern="100" dirty="0">
+                <a:solidFill>
+                  <a:schemeClr val="bg1"/>
+                </a:solidFill>
+                <a:effectLst/>
+                <a:highlight>
+                  <a:srgbClr val="000080"/>
+                </a:highlight>
+                <a:latin typeface="Microsoft Sans Serif" panose="020B0604020202020204" pitchFamily="34" charset="0"/>
+                <a:ea typeface="Microsoft Sans Serif" panose="020B0604020202020204" pitchFamily="34" charset="0"/>
+                <a:cs typeface="Microsoft Sans Serif" panose="020B0604020202020204" pitchFamily="34" charset="0"/>
+              </a:rPr>
+              <a:t>Josep</a:t>
+            </a:r>
+            <a:r>
+              <a:rPr lang="en-US" b="1" kern="100" dirty="0">
+                <a:solidFill>
+                  <a:schemeClr val="bg1"/>
+                </a:solidFill>
+                <a:highlight>
+                  <a:srgbClr val="000080"/>
+                </a:highlight>
+                <a:latin typeface="Microsoft Sans Serif" panose="020B0604020202020204" pitchFamily="34" charset="0"/>
+                <a:ea typeface="Microsoft Sans Serif" panose="020B0604020202020204" pitchFamily="34" charset="0"/>
+                <a:cs typeface="Microsoft Sans Serif" panose="020B0604020202020204" pitchFamily="34" charset="0"/>
+              </a:rPr>
+              <a:t>h R Maugeri IV - </a:t>
+            </a:r>
+            <a:r>
+              <a:rPr lang="en-US" sz="1800" b="1" kern="100" dirty="0">
+                <a:solidFill>
+                  <a:schemeClr val="bg1"/>
+                </a:solidFill>
+                <a:effectLst/>
+                <a:highlight>
+                  <a:srgbClr val="000080"/>
+                </a:highlight>
+                <a:latin typeface="Microsoft Sans Serif" panose="020B0604020202020204" pitchFamily="34" charset="0"/>
+                <a:ea typeface="Microsoft Sans Serif" panose="020B0604020202020204" pitchFamily="34" charset="0"/>
+                <a:cs typeface="Microsoft Sans Serif" panose="020B0604020202020204" pitchFamily="34" charset="0"/>
+              </a:rPr>
+              <a:t>IST 782 - Syracuse University ISchool, 2023 </a:t>
+            </a:r>
+            <a:endParaRPr lang="en-US" sz="1600" b="1" kern="100" dirty="0">
+              <a:solidFill>
+                <a:schemeClr val="bg1"/>
+              </a:solidFill>
+              <a:effectLst/>
+              <a:highlight>
+                <a:srgbClr val="000080"/>
+              </a:highlight>
+              <a:latin typeface="Microsoft Sans Serif" panose="020B0604020202020204" pitchFamily="34" charset="0"/>
+              <a:ea typeface="Microsoft Sans Serif" panose="020B0604020202020204" pitchFamily="34" charset="0"/>
+              <a:cs typeface="Microsoft Sans Serif" panose="020B0604020202020204" pitchFamily="34" charset="0"/>
+            </a:endParaRPr>
+          </a:p>
+        </p:txBody>
+      </p:sp>
+    </p:spTree>
+    <p:extLst>
+      <p:ext uri="{BB962C8B-B14F-4D97-AF65-F5344CB8AC3E}">
+        <p14:creationId xmlns:p14="http://schemas.microsoft.com/office/powerpoint/2010/main" val="1588762578"/>
+      </p:ext>
+    </p:extLst>
+  </p:cSld>
+  <p:clrMapOvr>
+    <a:masterClrMapping/>
+  </p:clrMapOvr>
+</p:sld>
+</file>
+
+<file path=ppt/slides/slide14.xml><?xml version="1.0" encoding="utf-8"?>
+<p:sld xmlns:a="http://schemas.openxmlformats.org/drawingml/2006/main" xmlns:r="http://schemas.openxmlformats.org/officeDocument/2006/relationships" xmlns:p="http://schemas.openxmlformats.org/presentationml/2006/main">
+  <p:cSld>
+    <p:bg>
+      <p:bgPr>
+        <a:pattFill prst="pct5">
+          <a:fgClr>
+            <a:schemeClr val="accent1"/>
+          </a:fgClr>
+          <a:bgClr>
+            <a:schemeClr val="bg1"/>
+          </a:bgClr>
+        </a:pattFill>
+        <a:effectLst/>
+      </p:bgPr>
+    </p:bg>
+    <p:spTree>
+      <p:nvGrpSpPr>
+        <p:cNvPr id="1" name=""/>
+        <p:cNvGrpSpPr/>
+        <p:nvPr/>
+      </p:nvGrpSpPr>
+      <p:grpSpPr>
+        <a:xfrm>
+          <a:off x="0" y="0"/>
+          <a:ext cx="0" cy="0"/>
+          <a:chOff x="0" y="0"/>
+          <a:chExt cx="0" cy="0"/>
+        </a:xfrm>
+      </p:grpSpPr>
+      <p:graphicFrame>
+        <p:nvGraphicFramePr>
+          <p:cNvPr id="4" name="Table 3">
+            <a:extLst>
+              <a:ext uri="{FF2B5EF4-FFF2-40B4-BE49-F238E27FC236}">
+                <a16:creationId xmlns:a16="http://schemas.microsoft.com/office/drawing/2014/main" id="{0B94DBE3-E38F-FF7F-4AE8-31848EEA4431}"/>
+              </a:ext>
+            </a:extLst>
+          </p:cNvPr>
+          <p:cNvGraphicFramePr>
+            <a:graphicFrameLocks noGrp="1"/>
+          </p:cNvGraphicFramePr>
+          <p:nvPr>
+            <p:extLst>
+              <p:ext uri="{D42A27DB-BD31-4B8C-83A1-F6EECF244321}">
+                <p14:modId xmlns:p14="http://schemas.microsoft.com/office/powerpoint/2010/main" val="1650466246"/>
+              </p:ext>
+            </p:extLst>
+          </p:nvPr>
+        </p:nvGraphicFramePr>
+        <p:xfrm>
+          <a:off x="404246" y="1172730"/>
+          <a:ext cx="11383508" cy="369332"/>
+        </p:xfrm>
+        <a:graphic>
+          <a:graphicData uri="http://schemas.openxmlformats.org/drawingml/2006/table">
+            <a:tbl>
+              <a:tblPr>
+                <a:effectLst>
+                  <a:outerShdw blurRad="50800" dist="50800" dir="5400000" sx="101000" sy="101000" algn="ctr" rotWithShape="0">
+                    <a:srgbClr val="000000">
+                      <a:alpha val="59000"/>
+                    </a:srgbClr>
+                  </a:outerShdw>
+                </a:effectLst>
+                <a:tableStyleId>{5C22544A-7EE6-4342-B048-85BDC9FD1C3A}</a:tableStyleId>
+              </a:tblPr>
+              <a:tblGrid>
+                <a:gridCol w="11383508">
+                  <a:extLst>
+                    <a:ext uri="{9D8B030D-6E8A-4147-A177-3AD203B41FA5}">
+                      <a16:colId xmlns:a16="http://schemas.microsoft.com/office/drawing/2014/main" val="2599995568"/>
+                    </a:ext>
+                  </a:extLst>
+                </a:gridCol>
+              </a:tblGrid>
+              <a:tr h="369332">
+                <a:tc>
+                  <a:txBody>
+                    <a:bodyPr/>
+                    <a:lstStyle/>
+                    <a:p>
+                      <a:r>
+                        <a:rPr lang="en-US" sz="1800" b="1" u="none" kern="1200" dirty="0">
+                          <a:solidFill>
+                            <a:schemeClr val="dk1"/>
+                          </a:solidFill>
+                          <a:effectLst/>
+                          <a:latin typeface="Microsoft Sans Serif" panose="020B0604020202020204" pitchFamily="34" charset="0"/>
+                          <a:ea typeface="Microsoft Sans Serif" panose="020B0604020202020204" pitchFamily="34" charset="0"/>
+                          <a:cs typeface="Microsoft Sans Serif" panose="020B0604020202020204" pitchFamily="34" charset="0"/>
+                        </a:rPr>
+                        <a:t>IST 623 Information Security Final Project</a:t>
+                      </a:r>
+                      <a:endParaRPr lang="en-US" sz="1800" b="0" i="0" kern="1200" dirty="0">
+                        <a:solidFill>
+                          <a:schemeClr val="dk1"/>
+                        </a:solidFill>
+                        <a:effectLst/>
+                        <a:latin typeface="+mn-lt"/>
+                        <a:ea typeface="+mn-ea"/>
+                        <a:cs typeface="+mn-cs"/>
+                      </a:endParaRPr>
+                    </a:p>
+                  </a:txBody>
+                  <a:tcPr marL="118745" marR="118745" marT="0" marB="0">
+                    <a:lnL w="12700" cap="flat" cmpd="sng" algn="ctr">
+                      <a:solidFill>
+                        <a:schemeClr val="tx1"/>
+                      </a:solidFill>
+                      <a:prstDash val="solid"/>
+                      <a:round/>
+                      <a:headEnd type="none" w="med" len="med"/>
+                      <a:tailEnd type="none" w="med" len="med"/>
+                    </a:lnL>
+                    <a:lnR w="12700" cap="flat" cmpd="sng" algn="ctr">
+                      <a:solidFill>
+                        <a:schemeClr val="tx1"/>
+                      </a:solidFill>
+                      <a:prstDash val="solid"/>
+                      <a:round/>
+                      <a:headEnd type="none" w="med" len="med"/>
+                      <a:tailEnd type="none" w="med" len="med"/>
+                    </a:lnR>
+                    <a:lnT w="12700" cap="flat" cmpd="sng" algn="ctr">
+                      <a:solidFill>
+                        <a:schemeClr val="tx1"/>
+                      </a:solidFill>
+                      <a:prstDash val="solid"/>
+                      <a:round/>
+                      <a:headEnd type="none" w="med" len="med"/>
+                      <a:tailEnd type="none" w="med" len="med"/>
+                    </a:lnT>
+                    <a:lnB w="12700" cap="flat" cmpd="sng" algn="ctr">
+                      <a:solidFill>
+                        <a:schemeClr val="tx1"/>
+                      </a:solidFill>
+                      <a:prstDash val="solid"/>
+                      <a:round/>
+                      <a:headEnd type="none" w="med" len="med"/>
+                      <a:tailEnd type="none" w="med" len="med"/>
+                    </a:lnB>
+                    <a:solidFill>
+                      <a:schemeClr val="bg1"/>
+                    </a:solidFill>
+                  </a:tcPr>
+                </a:tc>
+                <a:extLst>
+                  <a:ext uri="{0D108BD9-81ED-4DB2-BD59-A6C34878D82A}">
+                    <a16:rowId xmlns:a16="http://schemas.microsoft.com/office/drawing/2014/main" val="56415965"/>
+                  </a:ext>
+                </a:extLst>
+              </a:tr>
+            </a:tbl>
+          </a:graphicData>
+        </a:graphic>
+      </p:graphicFrame>
+      <p:graphicFrame>
+        <p:nvGraphicFramePr>
+          <p:cNvPr id="5" name="Table 4">
+            <a:extLst>
+              <a:ext uri="{FF2B5EF4-FFF2-40B4-BE49-F238E27FC236}">
+                <a16:creationId xmlns:a16="http://schemas.microsoft.com/office/drawing/2014/main" id="{BFA353F1-3BE7-F9A4-233A-1231632D0C1E}"/>
+              </a:ext>
+            </a:extLst>
+          </p:cNvPr>
+          <p:cNvGraphicFramePr>
+            <a:graphicFrameLocks noGrp="1"/>
+          </p:cNvGraphicFramePr>
+          <p:nvPr/>
+        </p:nvGraphicFramePr>
+        <p:xfrm>
+          <a:off x="404246" y="401133"/>
+          <a:ext cx="10663557" cy="548640"/>
+        </p:xfrm>
+        <a:graphic>
+          <a:graphicData uri="http://schemas.openxmlformats.org/drawingml/2006/table">
+            <a:tbl>
+              <a:tblPr firstRow="1" firstCol="1" bandRow="1">
+                <a:effectLst>
+                  <a:outerShdw blurRad="63500" sx="102000" sy="102000" algn="ctr" rotWithShape="0">
+                    <a:prstClr val="black">
+                      <a:alpha val="40000"/>
+                    </a:prstClr>
+                  </a:outerShdw>
+                </a:effectLst>
+                <a:tableStyleId>{5C22544A-7EE6-4342-B048-85BDC9FD1C3A}</a:tableStyleId>
+              </a:tblPr>
+              <a:tblGrid>
+                <a:gridCol w="10663557">
+                  <a:extLst>
+                    <a:ext uri="{9D8B030D-6E8A-4147-A177-3AD203B41FA5}">
+                      <a16:colId xmlns:a16="http://schemas.microsoft.com/office/drawing/2014/main" val="693956170"/>
+                    </a:ext>
+                  </a:extLst>
+                </a:gridCol>
+              </a:tblGrid>
+              <a:tr h="0">
+                <a:tc>
+                  <a:txBody>
+                    <a:bodyPr/>
+                    <a:lstStyle/>
+                    <a:p>
+                      <a:pPr marL="0" marR="0" lvl="0" indent="0" algn="l" defTabSz="914400" rtl="0" eaLnBrk="1" fontAlgn="auto" latinLnBrk="0" hangingPunct="1">
+                        <a:lnSpc>
+                          <a:spcPct val="100000"/>
+                        </a:lnSpc>
+                        <a:spcBef>
+                          <a:spcPts val="0"/>
+                        </a:spcBef>
+                        <a:spcAft>
+                          <a:spcPts val="0"/>
+                        </a:spcAft>
+                        <a:buClrTx/>
+                        <a:buSzTx/>
+                        <a:buFontTx/>
+                        <a:buNone/>
+                        <a:tabLst/>
+                        <a:defRPr/>
+                      </a:pPr>
+                      <a:r>
+                        <a:rPr lang="en-US" sz="1800" kern="100" dirty="0">
+                          <a:effectLst/>
+                          <a:latin typeface="Microsoft Sans Serif" panose="020B0604020202020204" pitchFamily="34" charset="0"/>
+                          <a:ea typeface="Microsoft Sans Serif" panose="020B0604020202020204" pitchFamily="34" charset="0"/>
+                          <a:cs typeface="Microsoft Sans Serif" panose="020B0604020202020204" pitchFamily="34" charset="0"/>
+                        </a:rPr>
+                        <a:t>Apply ethics in the development, use and evaluation of data and predictive models</a:t>
+                      </a:r>
+                      <a:endParaRPr lang="en-US" sz="1600" kern="100" dirty="0">
+                        <a:solidFill>
+                          <a:srgbClr val="000000"/>
+                        </a:solidFill>
+                        <a:effectLst/>
+                        <a:highlight>
+                          <a:srgbClr val="000080"/>
+                        </a:highlight>
+                        <a:latin typeface="Microsoft Sans Serif" panose="020B0604020202020204" pitchFamily="34" charset="0"/>
+                        <a:ea typeface="Microsoft Sans Serif" panose="020B0604020202020204" pitchFamily="34" charset="0"/>
+                        <a:cs typeface="Microsoft Sans Serif" panose="020B0604020202020204" pitchFamily="34" charset="0"/>
+                      </a:endParaRPr>
+                    </a:p>
+                  </a:txBody>
+                  <a:tcPr marL="73025" marR="73025" marT="137160" marB="137160">
+                    <a:solidFill>
+                      <a:srgbClr val="000080"/>
+                    </a:solidFill>
+                  </a:tcPr>
+                </a:tc>
+                <a:extLst>
+                  <a:ext uri="{0D108BD9-81ED-4DB2-BD59-A6C34878D82A}">
+                    <a16:rowId xmlns:a16="http://schemas.microsoft.com/office/drawing/2014/main" val="125314420"/>
+                  </a:ext>
+                </a:extLst>
+              </a:tr>
+            </a:tbl>
+          </a:graphicData>
+        </a:graphic>
+      </p:graphicFrame>
+      <p:pic>
+        <p:nvPicPr>
+          <p:cNvPr id="7" name="Picture 6">
+            <a:extLst>
+              <a:ext uri="{FF2B5EF4-FFF2-40B4-BE49-F238E27FC236}">
+                <a16:creationId xmlns:a16="http://schemas.microsoft.com/office/drawing/2014/main" id="{594BDAEE-3F71-B040-F8D2-CD4BFBF9A2B6}"/>
+              </a:ext>
+            </a:extLst>
+          </p:cNvPr>
+          <p:cNvPicPr>
+            <a:picLocks noChangeAspect="1"/>
+          </p:cNvPicPr>
+          <p:nvPr/>
+        </p:nvPicPr>
+        <p:blipFill>
+          <a:blip r:embed="rId2">
+            <a:extLst>
+              <a:ext uri="{28A0092B-C50C-407E-A947-70E740481C1C}">
+                <a14:useLocalDpi xmlns:a14="http://schemas.microsoft.com/office/drawing/2010/main" val="0"/>
+              </a:ext>
+            </a:extLst>
+          </a:blip>
+          <a:srcRect/>
+          <a:stretch/>
+        </p:blipFill>
+        <p:spPr>
+          <a:xfrm>
+            <a:off x="11075235" y="369931"/>
+            <a:ext cx="712519" cy="702483"/>
+          </a:xfrm>
+          <a:prstGeom prst="rect">
+            <a:avLst/>
+          </a:prstGeom>
+          <a:effectLst>
+            <a:outerShdw blurRad="63500" sx="105000" sy="105000" algn="ctr" rotWithShape="0">
+              <a:prstClr val="black"/>
+            </a:outerShdw>
+            <a:softEdge rad="25400"/>
+          </a:effectLst>
+        </p:spPr>
+      </p:pic>
+      <p:sp>
+        <p:nvSpPr>
+          <p:cNvPr id="9" name="TextBox 8">
+            <a:extLst>
+              <a:ext uri="{FF2B5EF4-FFF2-40B4-BE49-F238E27FC236}">
+                <a16:creationId xmlns:a16="http://schemas.microsoft.com/office/drawing/2014/main" id="{610E1E22-ECC9-260D-783D-BDDCBC3C2A48}"/>
+              </a:ext>
+            </a:extLst>
+          </p:cNvPr>
+          <p:cNvSpPr txBox="1"/>
+          <p:nvPr/>
+        </p:nvSpPr>
+        <p:spPr>
+          <a:xfrm>
+            <a:off x="4959459" y="6456866"/>
+            <a:ext cx="6975846" cy="369332"/>
+          </a:xfrm>
+          <a:prstGeom prst="rect">
+            <a:avLst/>
+          </a:prstGeom>
+          <a:noFill/>
+        </p:spPr>
+        <p:txBody>
+          <a:bodyPr wrap="square">
+            <a:spAutoFit/>
+          </a:bodyPr>
+          <a:lstStyle/>
+          <a:p>
+            <a:pPr marL="0" marR="0" algn="l">
+              <a:spcBef>
+                <a:spcPts val="0"/>
+              </a:spcBef>
+              <a:spcAft>
+                <a:spcPts val="0"/>
+              </a:spcAft>
+            </a:pPr>
+            <a:r>
+              <a:rPr lang="en-US" sz="1800" b="1" kern="100" dirty="0">
+                <a:solidFill>
+                  <a:schemeClr val="bg1"/>
+                </a:solidFill>
+                <a:effectLst/>
+                <a:highlight>
+                  <a:srgbClr val="000080"/>
+                </a:highlight>
+                <a:latin typeface="Microsoft Sans Serif" panose="020B0604020202020204" pitchFamily="34" charset="0"/>
+                <a:ea typeface="Microsoft Sans Serif" panose="020B0604020202020204" pitchFamily="34" charset="0"/>
+                <a:cs typeface="Microsoft Sans Serif" panose="020B0604020202020204" pitchFamily="34" charset="0"/>
+              </a:rPr>
+              <a:t>Josep</a:t>
+            </a:r>
+            <a:r>
+              <a:rPr lang="en-US" b="1" kern="100" dirty="0">
+                <a:solidFill>
+                  <a:schemeClr val="bg1"/>
+                </a:solidFill>
+                <a:highlight>
+                  <a:srgbClr val="000080"/>
+                </a:highlight>
+                <a:latin typeface="Microsoft Sans Serif" panose="020B0604020202020204" pitchFamily="34" charset="0"/>
+                <a:ea typeface="Microsoft Sans Serif" panose="020B0604020202020204" pitchFamily="34" charset="0"/>
+                <a:cs typeface="Microsoft Sans Serif" panose="020B0604020202020204" pitchFamily="34" charset="0"/>
+              </a:rPr>
+              <a:t>h R Maugeri IV - </a:t>
+            </a:r>
+            <a:r>
+              <a:rPr lang="en-US" sz="1800" b="1" kern="100" dirty="0">
+                <a:solidFill>
+                  <a:schemeClr val="bg1"/>
+                </a:solidFill>
+                <a:effectLst/>
+                <a:highlight>
+                  <a:srgbClr val="000080"/>
+                </a:highlight>
+                <a:latin typeface="Microsoft Sans Serif" panose="020B0604020202020204" pitchFamily="34" charset="0"/>
+                <a:ea typeface="Microsoft Sans Serif" panose="020B0604020202020204" pitchFamily="34" charset="0"/>
+                <a:cs typeface="Microsoft Sans Serif" panose="020B0604020202020204" pitchFamily="34" charset="0"/>
+              </a:rPr>
+              <a:t>IST 782 - Syracuse University ISchool, 2023 </a:t>
+            </a:r>
+            <a:endParaRPr lang="en-US" sz="1600" b="1" kern="100" dirty="0">
+              <a:solidFill>
+                <a:schemeClr val="bg1"/>
+              </a:solidFill>
+              <a:effectLst/>
+              <a:highlight>
+                <a:srgbClr val="000080"/>
+              </a:highlight>
+              <a:latin typeface="Microsoft Sans Serif" panose="020B0604020202020204" pitchFamily="34" charset="0"/>
+              <a:ea typeface="Microsoft Sans Serif" panose="020B0604020202020204" pitchFamily="34" charset="0"/>
+              <a:cs typeface="Microsoft Sans Serif" panose="020B0604020202020204" pitchFamily="34" charset="0"/>
+            </a:endParaRPr>
+          </a:p>
+        </p:txBody>
+      </p:sp>
+      <p:pic>
+        <p:nvPicPr>
+          <p:cNvPr id="3" name="Picture 2">
+            <a:extLst>
+              <a:ext uri="{FF2B5EF4-FFF2-40B4-BE49-F238E27FC236}">
+                <a16:creationId xmlns:a16="http://schemas.microsoft.com/office/drawing/2014/main" id="{347367DE-1493-96A8-7B43-C8DFB4DFD98C}"/>
+              </a:ext>
+            </a:extLst>
+          </p:cNvPr>
+          <p:cNvPicPr>
+            <a:picLocks noChangeAspect="1"/>
+          </p:cNvPicPr>
+          <p:nvPr/>
+        </p:nvPicPr>
+        <p:blipFill>
+          <a:blip r:embed="rId3"/>
+          <a:stretch>
+            <a:fillRect/>
+          </a:stretch>
+        </p:blipFill>
+        <p:spPr>
+          <a:xfrm>
+            <a:off x="1377118" y="1642378"/>
+            <a:ext cx="8578152" cy="4814488"/>
+          </a:xfrm>
+          <a:prstGeom prst="rect">
+            <a:avLst/>
+          </a:prstGeom>
+        </p:spPr>
+      </p:pic>
+    </p:spTree>
+    <p:extLst>
+      <p:ext uri="{BB962C8B-B14F-4D97-AF65-F5344CB8AC3E}">
+        <p14:creationId xmlns:p14="http://schemas.microsoft.com/office/powerpoint/2010/main" val="60487650"/>
+      </p:ext>
+    </p:extLst>
+  </p:cSld>
+  <p:clrMapOvr>
+    <a:masterClrMapping/>
+  </p:clrMapOvr>
+</p:sld>
+</file>
+
+<file path=ppt/slides/slide15.xml><?xml version="1.0" encoding="utf-8"?>
+<p:sld xmlns:a="http://schemas.openxmlformats.org/drawingml/2006/main" xmlns:r="http://schemas.openxmlformats.org/officeDocument/2006/relationships" xmlns:p="http://schemas.openxmlformats.org/presentationml/2006/main">
+  <p:cSld>
+    <p:bg>
+      <p:bgPr>
+        <a:pattFill prst="pct5">
+          <a:fgClr>
+            <a:schemeClr val="accent1"/>
+          </a:fgClr>
+          <a:bgClr>
+            <a:schemeClr val="bg1"/>
+          </a:bgClr>
+        </a:pattFill>
+        <a:effectLst/>
+      </p:bgPr>
+    </p:bg>
+    <p:spTree>
+      <p:nvGrpSpPr>
+        <p:cNvPr id="1" name=""/>
+        <p:cNvGrpSpPr/>
+        <p:nvPr/>
+      </p:nvGrpSpPr>
+      <p:grpSpPr>
+        <a:xfrm>
+          <a:off x="0" y="0"/>
+          <a:ext cx="0" cy="0"/>
+          <a:chOff x="0" y="0"/>
+          <a:chExt cx="0" cy="0"/>
+        </a:xfrm>
+      </p:grpSpPr>
+      <p:graphicFrame>
+        <p:nvGraphicFramePr>
+          <p:cNvPr id="4" name="Table 3">
+            <a:extLst>
+              <a:ext uri="{FF2B5EF4-FFF2-40B4-BE49-F238E27FC236}">
+                <a16:creationId xmlns:a16="http://schemas.microsoft.com/office/drawing/2014/main" id="{0B94DBE3-E38F-FF7F-4AE8-31848EEA4431}"/>
+              </a:ext>
+            </a:extLst>
+          </p:cNvPr>
+          <p:cNvGraphicFramePr>
+            <a:graphicFrameLocks noGrp="1"/>
+          </p:cNvGraphicFramePr>
+          <p:nvPr>
+            <p:extLst>
+              <p:ext uri="{D42A27DB-BD31-4B8C-83A1-F6EECF244321}">
+                <p14:modId xmlns:p14="http://schemas.microsoft.com/office/powerpoint/2010/main" val="722578839"/>
+              </p:ext>
+            </p:extLst>
+          </p:nvPr>
+        </p:nvGraphicFramePr>
+        <p:xfrm>
+          <a:off x="404246" y="1172731"/>
+          <a:ext cx="11383508" cy="5252934"/>
+        </p:xfrm>
+        <a:graphic>
+          <a:graphicData uri="http://schemas.openxmlformats.org/drawingml/2006/table">
+            <a:tbl>
+              <a:tblPr>
+                <a:effectLst>
+                  <a:outerShdw blurRad="50800" dist="50800" dir="5400000" sx="101000" sy="101000" algn="ctr" rotWithShape="0">
+                    <a:srgbClr val="000000">
+                      <a:alpha val="59000"/>
+                    </a:srgbClr>
+                  </a:outerShdw>
+                </a:effectLst>
+                <a:tableStyleId>{5C22544A-7EE6-4342-B048-85BDC9FD1C3A}</a:tableStyleId>
+              </a:tblPr>
+              <a:tblGrid>
+                <a:gridCol w="11383508">
+                  <a:extLst>
+                    <a:ext uri="{9D8B030D-6E8A-4147-A177-3AD203B41FA5}">
+                      <a16:colId xmlns:a16="http://schemas.microsoft.com/office/drawing/2014/main" val="2599995568"/>
+                    </a:ext>
+                  </a:extLst>
+                </a:gridCol>
+              </a:tblGrid>
+              <a:tr h="5252934">
+                <a:tc>
+                  <a:txBody>
+                    <a:bodyPr/>
+                    <a:lstStyle/>
+                    <a:p>
+                      <a:pPr marL="0" marR="0" algn="l">
+                        <a:lnSpc>
+                          <a:spcPct val="150000"/>
+                        </a:lnSpc>
+                        <a:spcBef>
+                          <a:spcPts val="0"/>
+                        </a:spcBef>
+                        <a:spcAft>
+                          <a:spcPts val="0"/>
+                        </a:spcAft>
+                      </a:pPr>
+                      <a:r>
+                        <a:rPr lang="en-US" sz="1600" dirty="0">
+                          <a:effectLst/>
+                          <a:latin typeface="Microsoft Sans Serif" panose="020B0604020202020204" pitchFamily="34" charset="0"/>
+                          <a:ea typeface="Microsoft Sans Serif" panose="020B0604020202020204" pitchFamily="34" charset="0"/>
+                          <a:cs typeface="Microsoft Sans Serif" panose="020B0604020202020204" pitchFamily="34" charset="0"/>
+                        </a:rPr>
+                        <a:t>You will have seen by now my proficiency and experience through the various projects in different domains and subjects, involving extensive research, data analysis, and application of analytical techniques. This includes natural language processing, machine learning, social media, technology, and ethics-based decision making.</a:t>
+                      </a:r>
+                    </a:p>
+                    <a:p>
+                      <a:pPr marL="0" marR="0" algn="l">
+                        <a:lnSpc>
+                          <a:spcPct val="150000"/>
+                        </a:lnSpc>
+                        <a:spcBef>
+                          <a:spcPts val="0"/>
+                        </a:spcBef>
+                        <a:spcAft>
+                          <a:spcPts val="0"/>
+                        </a:spcAft>
+                      </a:pPr>
+                      <a:r>
+                        <a:rPr lang="en-US" sz="1600" dirty="0">
+                          <a:effectLst/>
+                          <a:latin typeface="Microsoft Sans Serif" panose="020B0604020202020204" pitchFamily="34" charset="0"/>
+                          <a:ea typeface="Microsoft Sans Serif" panose="020B0604020202020204" pitchFamily="34" charset="0"/>
+                          <a:cs typeface="Microsoft Sans Serif" panose="020B0604020202020204" pitchFamily="34" charset="0"/>
+                        </a:rPr>
+                        <a:t>Highlighted drawing meaningful conclusions and provided recommendations based on the findings.</a:t>
+                      </a:r>
+                    </a:p>
+                    <a:p>
+                      <a:pPr marL="0" marR="0" algn="l">
+                        <a:lnSpc>
+                          <a:spcPct val="150000"/>
+                        </a:lnSpc>
+                        <a:spcBef>
+                          <a:spcPts val="0"/>
+                        </a:spcBef>
+                        <a:spcAft>
+                          <a:spcPts val="0"/>
+                        </a:spcAft>
+                      </a:pPr>
+                      <a:r>
+                        <a:rPr lang="en-US" sz="1600" dirty="0">
+                          <a:effectLst/>
+                          <a:latin typeface="Microsoft Sans Serif" panose="020B0604020202020204" pitchFamily="34" charset="0"/>
+                          <a:ea typeface="Microsoft Sans Serif" panose="020B0604020202020204" pitchFamily="34" charset="0"/>
+                          <a:cs typeface="Microsoft Sans Serif" panose="020B0604020202020204" pitchFamily="34" charset="0"/>
+                        </a:rPr>
+                        <a:t>Utilized fundamental analysis programming languages, particularly Python, R, SQL throughout the program</a:t>
+                      </a:r>
+                    </a:p>
+                    <a:p>
+                      <a:pPr marL="0" marR="0" algn="l">
+                        <a:lnSpc>
+                          <a:spcPct val="150000"/>
+                        </a:lnSpc>
+                        <a:spcBef>
+                          <a:spcPts val="0"/>
+                        </a:spcBef>
+                        <a:spcAft>
+                          <a:spcPts val="0"/>
+                        </a:spcAft>
+                      </a:pPr>
+                      <a:r>
+                        <a:rPr lang="en-US" sz="1600" dirty="0">
+                          <a:effectLst/>
+                          <a:latin typeface="Microsoft Sans Serif" panose="020B0604020202020204" pitchFamily="34" charset="0"/>
+                          <a:ea typeface="Microsoft Sans Serif" panose="020B0604020202020204" pitchFamily="34" charset="0"/>
+                          <a:cs typeface="Microsoft Sans Serif" panose="020B0604020202020204" pitchFamily="34" charset="0"/>
+                        </a:rPr>
+                        <a:t>Adapted research methodologies to suit project objectives and challenges, and then committing to leveraging data for informed decision-making.</a:t>
+                      </a:r>
+                    </a:p>
+                    <a:p>
+                      <a:pPr marL="0" marR="0" algn="l">
+                        <a:lnSpc>
+                          <a:spcPct val="150000"/>
+                        </a:lnSpc>
+                        <a:spcBef>
+                          <a:spcPts val="0"/>
+                        </a:spcBef>
+                        <a:spcAft>
+                          <a:spcPts val="0"/>
+                        </a:spcAft>
+                      </a:pPr>
+                      <a:r>
+                        <a:rPr lang="en-US" sz="1600" dirty="0">
+                          <a:effectLst/>
+                          <a:latin typeface="Microsoft Sans Serif" panose="020B0604020202020204" pitchFamily="34" charset="0"/>
+                          <a:ea typeface="Microsoft Sans Serif" panose="020B0604020202020204" pitchFamily="34" charset="0"/>
+                          <a:cs typeface="Microsoft Sans Serif" panose="020B0604020202020204" pitchFamily="34" charset="0"/>
+                        </a:rPr>
+                        <a:t>Contributing to the advancement of knowledge and best practices in various fields.</a:t>
+                      </a:r>
+                    </a:p>
+                    <a:p>
+                      <a:pPr marL="0" marR="0" algn="l">
+                        <a:lnSpc>
+                          <a:spcPct val="150000"/>
+                        </a:lnSpc>
+                        <a:spcBef>
+                          <a:spcPts val="0"/>
+                        </a:spcBef>
+                        <a:spcAft>
+                          <a:spcPts val="0"/>
+                        </a:spcAft>
+                      </a:pPr>
+                      <a:r>
+                        <a:rPr lang="en-US" sz="1600" dirty="0">
+                          <a:effectLst/>
+                          <a:latin typeface="Microsoft Sans Serif" panose="020B0604020202020204" pitchFamily="34" charset="0"/>
+                          <a:ea typeface="Microsoft Sans Serif" panose="020B0604020202020204" pitchFamily="34" charset="0"/>
+                          <a:cs typeface="Microsoft Sans Serif" panose="020B0604020202020204" pitchFamily="34" charset="0"/>
+                        </a:rPr>
+                        <a:t>Importance of Collaboration and Ethical Considerations:</a:t>
+                      </a:r>
+                    </a:p>
+                    <a:p>
+                      <a:pPr marL="0" marR="0" algn="l">
+                        <a:lnSpc>
+                          <a:spcPct val="150000"/>
+                        </a:lnSpc>
+                        <a:spcBef>
+                          <a:spcPts val="0"/>
+                        </a:spcBef>
+                        <a:spcAft>
+                          <a:spcPts val="0"/>
+                        </a:spcAft>
+                      </a:pPr>
+                      <a:r>
+                        <a:rPr lang="en-US" sz="1600" dirty="0">
+                          <a:effectLst/>
+                          <a:latin typeface="Microsoft Sans Serif" panose="020B0604020202020204" pitchFamily="34" charset="0"/>
+                          <a:ea typeface="Microsoft Sans Serif" panose="020B0604020202020204" pitchFamily="34" charset="0"/>
+                          <a:cs typeface="Microsoft Sans Serif" panose="020B0604020202020204" pitchFamily="34" charset="0"/>
+                        </a:rPr>
+                        <a:t>Projects were not done alone; collaboration and teamwork were crucial.</a:t>
+                      </a:r>
+                    </a:p>
+                    <a:p>
+                      <a:pPr marL="0" marR="0" algn="l">
+                        <a:lnSpc>
+                          <a:spcPct val="150000"/>
+                        </a:lnSpc>
+                        <a:spcBef>
+                          <a:spcPts val="0"/>
+                        </a:spcBef>
+                        <a:spcAft>
+                          <a:spcPts val="0"/>
+                        </a:spcAft>
+                      </a:pPr>
+                      <a:r>
+                        <a:rPr lang="en-US" sz="1600" dirty="0">
+                          <a:effectLst/>
+                          <a:latin typeface="Microsoft Sans Serif" panose="020B0604020202020204" pitchFamily="34" charset="0"/>
+                          <a:ea typeface="Microsoft Sans Serif" panose="020B0604020202020204" pitchFamily="34" charset="0"/>
+                          <a:cs typeface="Microsoft Sans Serif" panose="020B0604020202020204" pitchFamily="34" charset="0"/>
+                        </a:rPr>
+                        <a:t>All in all, this selection of projects demonstrates the key aspects required of the MS ADS curriculum and communicate my style of data science clearly. With that I leave you with one of my favorite quotes that speaks to the heart of my style. </a:t>
+                      </a:r>
+                    </a:p>
+                    <a:p>
+                      <a:pPr marL="0" marR="0" algn="l">
+                        <a:lnSpc>
+                          <a:spcPct val="150000"/>
+                        </a:lnSpc>
+                        <a:spcBef>
+                          <a:spcPts val="0"/>
+                        </a:spcBef>
+                        <a:spcAft>
+                          <a:spcPts val="0"/>
+                        </a:spcAft>
+                      </a:pPr>
+                      <a:endParaRPr lang="en-US" sz="1600" dirty="0">
+                        <a:effectLst/>
+                        <a:latin typeface="Microsoft Sans Serif" panose="020B0604020202020204" pitchFamily="34" charset="0"/>
+                        <a:ea typeface="Microsoft Sans Serif" panose="020B0604020202020204" pitchFamily="34" charset="0"/>
+                        <a:cs typeface="Microsoft Sans Serif" panose="020B0604020202020204" pitchFamily="34" charset="0"/>
+                      </a:endParaRPr>
+                    </a:p>
+                    <a:p>
+                      <a:pPr marL="0" marR="0" algn="ctr">
+                        <a:lnSpc>
+                          <a:spcPct val="150000"/>
+                        </a:lnSpc>
+                        <a:spcBef>
+                          <a:spcPts val="0"/>
+                        </a:spcBef>
+                        <a:spcAft>
+                          <a:spcPts val="0"/>
+                        </a:spcAft>
+                      </a:pPr>
+                      <a:r>
+                        <a:rPr lang="en-US" sz="1600" b="1" dirty="0">
+                          <a:effectLst/>
+                          <a:latin typeface="Microsoft Sans Serif" panose="020B0604020202020204" pitchFamily="34" charset="0"/>
+                          <a:ea typeface="Microsoft Sans Serif" panose="020B0604020202020204" pitchFamily="34" charset="0"/>
+                          <a:cs typeface="Microsoft Sans Serif" panose="020B0604020202020204" pitchFamily="34" charset="0"/>
+                        </a:rPr>
+                        <a:t>“It is the mark of an educated mind to entertain a thought, without accepting it” </a:t>
+                      </a:r>
+                      <a:r>
+                        <a:rPr lang="en-US" sz="1600" b="1" i="1" dirty="0">
+                          <a:effectLst/>
+                          <a:latin typeface="Microsoft Sans Serif" panose="020B0604020202020204" pitchFamily="34" charset="0"/>
+                          <a:ea typeface="Microsoft Sans Serif" panose="020B0604020202020204" pitchFamily="34" charset="0"/>
+                          <a:cs typeface="Microsoft Sans Serif" panose="020B0604020202020204" pitchFamily="34" charset="0"/>
+                        </a:rPr>
+                        <a:t>-Aristotle</a:t>
+                      </a:r>
+                      <a:endParaRPr lang="en-US" sz="1600" b="1" dirty="0">
+                        <a:effectLst/>
+                        <a:latin typeface="Microsoft Sans Serif" panose="020B0604020202020204" pitchFamily="34" charset="0"/>
+                        <a:ea typeface="Microsoft Sans Serif" panose="020B0604020202020204" pitchFamily="34" charset="0"/>
+                        <a:cs typeface="Microsoft Sans Serif" panose="020B0604020202020204" pitchFamily="34" charset="0"/>
+                      </a:endParaRPr>
+                    </a:p>
+                  </a:txBody>
+                  <a:tcPr marL="118745" marR="118745" marT="0" marB="0">
+                    <a:lnL w="12700" cap="flat" cmpd="sng" algn="ctr">
+                      <a:solidFill>
+                        <a:schemeClr val="tx1"/>
+                      </a:solidFill>
+                      <a:prstDash val="solid"/>
+                      <a:round/>
+                      <a:headEnd type="none" w="med" len="med"/>
+                      <a:tailEnd type="none" w="med" len="med"/>
+                    </a:lnL>
+                    <a:lnR w="12700" cap="flat" cmpd="sng" algn="ctr">
+                      <a:solidFill>
+                        <a:schemeClr val="tx1"/>
+                      </a:solidFill>
+                      <a:prstDash val="solid"/>
+                      <a:round/>
+                      <a:headEnd type="none" w="med" len="med"/>
+                      <a:tailEnd type="none" w="med" len="med"/>
+                    </a:lnR>
+                    <a:lnT w="12700" cap="flat" cmpd="sng" algn="ctr">
+                      <a:solidFill>
+                        <a:schemeClr val="tx1"/>
+                      </a:solidFill>
+                      <a:prstDash val="solid"/>
+                      <a:round/>
+                      <a:headEnd type="none" w="med" len="med"/>
+                      <a:tailEnd type="none" w="med" len="med"/>
+                    </a:lnT>
+                    <a:lnB w="12700" cap="flat" cmpd="sng" algn="ctr">
+                      <a:solidFill>
+                        <a:schemeClr val="tx1"/>
+                      </a:solidFill>
+                      <a:prstDash val="solid"/>
+                      <a:round/>
+                      <a:headEnd type="none" w="med" len="med"/>
+                      <a:tailEnd type="none" w="med" len="med"/>
+                    </a:lnB>
+                    <a:solidFill>
+                      <a:schemeClr val="bg1"/>
+                    </a:solidFill>
+                  </a:tcPr>
+                </a:tc>
+                <a:extLst>
+                  <a:ext uri="{0D108BD9-81ED-4DB2-BD59-A6C34878D82A}">
+                    <a16:rowId xmlns:a16="http://schemas.microsoft.com/office/drawing/2014/main" val="56415965"/>
+                  </a:ext>
+                </a:extLst>
+              </a:tr>
+            </a:tbl>
+          </a:graphicData>
+        </a:graphic>
+      </p:graphicFrame>
+      <p:graphicFrame>
+        <p:nvGraphicFramePr>
+          <p:cNvPr id="5" name="Table 4">
+            <a:extLst>
+              <a:ext uri="{FF2B5EF4-FFF2-40B4-BE49-F238E27FC236}">
+                <a16:creationId xmlns:a16="http://schemas.microsoft.com/office/drawing/2014/main" id="{BFA353F1-3BE7-F9A4-233A-1231632D0C1E}"/>
+              </a:ext>
+            </a:extLst>
+          </p:cNvPr>
+          <p:cNvGraphicFramePr>
+            <a:graphicFrameLocks noGrp="1"/>
+          </p:cNvGraphicFramePr>
+          <p:nvPr>
+            <p:extLst>
+              <p:ext uri="{D42A27DB-BD31-4B8C-83A1-F6EECF244321}">
+                <p14:modId xmlns:p14="http://schemas.microsoft.com/office/powerpoint/2010/main" val="3719749659"/>
+              </p:ext>
+            </p:extLst>
+          </p:nvPr>
+        </p:nvGraphicFramePr>
+        <p:xfrm>
+          <a:off x="404246" y="401133"/>
+          <a:ext cx="10663557" cy="640080"/>
+        </p:xfrm>
+        <a:graphic>
+          <a:graphicData uri="http://schemas.openxmlformats.org/drawingml/2006/table">
+            <a:tbl>
+              <a:tblPr firstRow="1" firstCol="1" bandRow="1">
+                <a:effectLst>
+                  <a:outerShdw blurRad="63500" sx="102000" sy="102000" algn="ctr" rotWithShape="0">
+                    <a:prstClr val="black">
+                      <a:alpha val="40000"/>
+                    </a:prstClr>
+                  </a:outerShdw>
+                </a:effectLst>
+                <a:tableStyleId>{5C22544A-7EE6-4342-B048-85BDC9FD1C3A}</a:tableStyleId>
+              </a:tblPr>
+              <a:tblGrid>
+                <a:gridCol w="10663557">
+                  <a:extLst>
+                    <a:ext uri="{9D8B030D-6E8A-4147-A177-3AD203B41FA5}">
+                      <a16:colId xmlns:a16="http://schemas.microsoft.com/office/drawing/2014/main" val="693956170"/>
+                    </a:ext>
+                  </a:extLst>
+                </a:gridCol>
+              </a:tblGrid>
+              <a:tr h="0">
+                <a:tc>
+                  <a:txBody>
+                    <a:bodyPr/>
+                    <a:lstStyle/>
+                    <a:p>
+                      <a:pPr marL="0" marR="0" lvl="0" indent="0" algn="l" defTabSz="914400" rtl="0" eaLnBrk="1" fontAlgn="auto" latinLnBrk="0" hangingPunct="1">
+                        <a:lnSpc>
+                          <a:spcPct val="100000"/>
+                        </a:lnSpc>
+                        <a:spcBef>
+                          <a:spcPts val="0"/>
+                        </a:spcBef>
+                        <a:spcAft>
+                          <a:spcPts val="0"/>
+                        </a:spcAft>
+                        <a:buClrTx/>
+                        <a:buSzTx/>
+                        <a:buFontTx/>
+                        <a:buNone/>
+                        <a:tabLst/>
+                        <a:defRPr/>
+                      </a:pPr>
+                      <a:r>
+                        <a:rPr lang="en-US" sz="2400" kern="100" dirty="0">
+                          <a:effectLst/>
+                          <a:highlight>
+                            <a:srgbClr val="000080"/>
+                          </a:highlight>
+                          <a:latin typeface="Microsoft Sans Serif" panose="020B0604020202020204" pitchFamily="34" charset="0"/>
+                          <a:ea typeface="Microsoft Sans Serif" panose="020B0604020202020204" pitchFamily="34" charset="0"/>
+                          <a:cs typeface="Microsoft Sans Serif" panose="020B0604020202020204" pitchFamily="34" charset="0"/>
+                        </a:rPr>
+                        <a:t>    Conclusion</a:t>
+                      </a:r>
+                      <a:endParaRPr lang="en-US" sz="2000" kern="100" dirty="0">
+                        <a:solidFill>
+                          <a:srgbClr val="000000"/>
+                        </a:solidFill>
+                        <a:effectLst/>
+                        <a:highlight>
+                          <a:srgbClr val="000080"/>
+                        </a:highlight>
+                        <a:latin typeface="Microsoft Sans Serif" panose="020B0604020202020204" pitchFamily="34" charset="0"/>
+                        <a:ea typeface="Microsoft Sans Serif" panose="020B0604020202020204" pitchFamily="34" charset="0"/>
+                        <a:cs typeface="Microsoft Sans Serif" panose="020B0604020202020204" pitchFamily="34" charset="0"/>
+                      </a:endParaRPr>
+                    </a:p>
+                  </a:txBody>
+                  <a:tcPr marL="73025" marR="73025" marT="137160" marB="137160">
+                    <a:solidFill>
+                      <a:srgbClr val="000080"/>
+                    </a:solidFill>
+                  </a:tcPr>
+                </a:tc>
+                <a:extLst>
+                  <a:ext uri="{0D108BD9-81ED-4DB2-BD59-A6C34878D82A}">
+                    <a16:rowId xmlns:a16="http://schemas.microsoft.com/office/drawing/2014/main" val="125314420"/>
+                  </a:ext>
+                </a:extLst>
+              </a:tr>
+            </a:tbl>
+          </a:graphicData>
+        </a:graphic>
+      </p:graphicFrame>
+      <p:pic>
+        <p:nvPicPr>
+          <p:cNvPr id="7" name="Picture 6">
+            <a:extLst>
+              <a:ext uri="{FF2B5EF4-FFF2-40B4-BE49-F238E27FC236}">
+                <a16:creationId xmlns:a16="http://schemas.microsoft.com/office/drawing/2014/main" id="{594BDAEE-3F71-B040-F8D2-CD4BFBF9A2B6}"/>
+              </a:ext>
+            </a:extLst>
+          </p:cNvPr>
+          <p:cNvPicPr>
+            <a:picLocks noChangeAspect="1"/>
+          </p:cNvPicPr>
+          <p:nvPr/>
+        </p:nvPicPr>
+        <p:blipFill>
+          <a:blip r:embed="rId3">
+            <a:extLst>
+              <a:ext uri="{28A0092B-C50C-407E-A947-70E740481C1C}">
+                <a14:useLocalDpi xmlns:a14="http://schemas.microsoft.com/office/drawing/2010/main" val="0"/>
+              </a:ext>
+            </a:extLst>
+          </a:blip>
+          <a:srcRect/>
+          <a:stretch/>
+        </p:blipFill>
+        <p:spPr>
+          <a:xfrm>
+            <a:off x="11075235" y="369931"/>
+            <a:ext cx="712519" cy="702483"/>
+          </a:xfrm>
+          <a:prstGeom prst="rect">
+            <a:avLst/>
+          </a:prstGeom>
+          <a:effectLst>
+            <a:outerShdw blurRad="63500" sx="105000" sy="105000" algn="ctr" rotWithShape="0">
+              <a:prstClr val="black"/>
+            </a:outerShdw>
+            <a:softEdge rad="25400"/>
+          </a:effectLst>
+        </p:spPr>
+      </p:pic>
+      <p:sp>
+        <p:nvSpPr>
+          <p:cNvPr id="9" name="TextBox 8">
+            <a:extLst>
+              <a:ext uri="{FF2B5EF4-FFF2-40B4-BE49-F238E27FC236}">
+                <a16:creationId xmlns:a16="http://schemas.microsoft.com/office/drawing/2014/main" id="{610E1E22-ECC9-260D-783D-BDDCBC3C2A48}"/>
+              </a:ext>
+            </a:extLst>
+          </p:cNvPr>
+          <p:cNvSpPr txBox="1"/>
+          <p:nvPr/>
+        </p:nvSpPr>
+        <p:spPr>
+          <a:xfrm>
+            <a:off x="4959459" y="6456866"/>
+            <a:ext cx="6975846" cy="369332"/>
+          </a:xfrm>
+          <a:prstGeom prst="rect">
+            <a:avLst/>
+          </a:prstGeom>
+          <a:noFill/>
+        </p:spPr>
+        <p:txBody>
+          <a:bodyPr wrap="square">
+            <a:spAutoFit/>
+          </a:bodyPr>
+          <a:lstStyle/>
+          <a:p>
+            <a:pPr marL="0" marR="0" algn="l">
+              <a:spcBef>
+                <a:spcPts val="0"/>
+              </a:spcBef>
+              <a:spcAft>
+                <a:spcPts val="0"/>
+              </a:spcAft>
+            </a:pPr>
+            <a:r>
+              <a:rPr lang="en-US" sz="1800" b="1" kern="100" dirty="0">
+                <a:solidFill>
+                  <a:schemeClr val="bg1"/>
+                </a:solidFill>
+                <a:effectLst/>
+                <a:highlight>
+                  <a:srgbClr val="000080"/>
+                </a:highlight>
+                <a:latin typeface="Microsoft Sans Serif" panose="020B0604020202020204" pitchFamily="34" charset="0"/>
+                <a:ea typeface="Microsoft Sans Serif" panose="020B0604020202020204" pitchFamily="34" charset="0"/>
+                <a:cs typeface="Microsoft Sans Serif" panose="020B0604020202020204" pitchFamily="34" charset="0"/>
+              </a:rPr>
+              <a:t>Josep</a:t>
+            </a:r>
+            <a:r>
+              <a:rPr lang="en-US" b="1" kern="100" dirty="0">
+                <a:solidFill>
+                  <a:schemeClr val="bg1"/>
+                </a:solidFill>
+                <a:highlight>
+                  <a:srgbClr val="000080"/>
+                </a:highlight>
+                <a:latin typeface="Microsoft Sans Serif" panose="020B0604020202020204" pitchFamily="34" charset="0"/>
+                <a:ea typeface="Microsoft Sans Serif" panose="020B0604020202020204" pitchFamily="34" charset="0"/>
+                <a:cs typeface="Microsoft Sans Serif" panose="020B0604020202020204" pitchFamily="34" charset="0"/>
+              </a:rPr>
+              <a:t>h R Maugeri IV - </a:t>
+            </a:r>
+            <a:r>
+              <a:rPr lang="en-US" sz="1800" b="1" kern="100" dirty="0">
+                <a:solidFill>
+                  <a:schemeClr val="bg1"/>
+                </a:solidFill>
+                <a:effectLst/>
+                <a:highlight>
+                  <a:srgbClr val="000080"/>
+                </a:highlight>
+                <a:latin typeface="Microsoft Sans Serif" panose="020B0604020202020204" pitchFamily="34" charset="0"/>
+                <a:ea typeface="Microsoft Sans Serif" panose="020B0604020202020204" pitchFamily="34" charset="0"/>
+                <a:cs typeface="Microsoft Sans Serif" panose="020B0604020202020204" pitchFamily="34" charset="0"/>
+              </a:rPr>
+              <a:t>IST 782 - Syracuse University ISchool, 2023 </a:t>
+            </a:r>
+            <a:endParaRPr lang="en-US" sz="1600" b="1" kern="100" dirty="0">
+              <a:solidFill>
+                <a:schemeClr val="bg1"/>
+              </a:solidFill>
+              <a:effectLst/>
+              <a:highlight>
+                <a:srgbClr val="000080"/>
+              </a:highlight>
+              <a:latin typeface="Microsoft Sans Serif" panose="020B0604020202020204" pitchFamily="34" charset="0"/>
+              <a:ea typeface="Microsoft Sans Serif" panose="020B0604020202020204" pitchFamily="34" charset="0"/>
+              <a:cs typeface="Microsoft Sans Serif" panose="020B0604020202020204" pitchFamily="34" charset="0"/>
+            </a:endParaRPr>
+          </a:p>
+        </p:txBody>
+      </p:sp>
+    </p:spTree>
+    <p:extLst>
+      <p:ext uri="{BB962C8B-B14F-4D97-AF65-F5344CB8AC3E}">
+        <p14:creationId xmlns:p14="http://schemas.microsoft.com/office/powerpoint/2010/main" val="2087148926"/>
+      </p:ext>
+    </p:extLst>
+  </p:cSld>
+  <p:clrMapOvr>
+    <a:masterClrMapping/>
+  </p:clrMapOvr>
+</p:sld>
+</file>
+
+<file path=ppt/slides/slide16.xml><?xml version="1.0" encoding="utf-8"?>
+<p:sld xmlns:a="http://schemas.openxmlformats.org/drawingml/2006/main" xmlns:r="http://schemas.openxmlformats.org/officeDocument/2006/relationships" xmlns:p="http://schemas.openxmlformats.org/presentationml/2006/main">
+  <p:cSld>
+    <p:bg>
+      <p:bgPr>
+        <a:pattFill prst="pct5">
+          <a:fgClr>
+            <a:schemeClr val="accent1"/>
+          </a:fgClr>
+          <a:bgClr>
+            <a:schemeClr val="bg1"/>
+          </a:bgClr>
+        </a:pattFill>
+        <a:effectLst/>
+      </p:bgPr>
+    </p:bg>
+    <p:spTree>
+      <p:nvGrpSpPr>
+        <p:cNvPr id="1" name=""/>
+        <p:cNvGrpSpPr/>
+        <p:nvPr/>
+      </p:nvGrpSpPr>
+      <p:grpSpPr>
+        <a:xfrm>
+          <a:off x="0" y="0"/>
+          <a:ext cx="0" cy="0"/>
+          <a:chOff x="0" y="0"/>
+          <a:chExt cx="0" cy="0"/>
+        </a:xfrm>
+      </p:grpSpPr>
+      <p:graphicFrame>
+        <p:nvGraphicFramePr>
+          <p:cNvPr id="5" name="Table 4">
+            <a:extLst>
+              <a:ext uri="{FF2B5EF4-FFF2-40B4-BE49-F238E27FC236}">
+                <a16:creationId xmlns:a16="http://schemas.microsoft.com/office/drawing/2014/main" id="{BFA353F1-3BE7-F9A4-233A-1231632D0C1E}"/>
+              </a:ext>
+            </a:extLst>
+          </p:cNvPr>
+          <p:cNvGraphicFramePr>
+            <a:graphicFrameLocks noGrp="1"/>
+          </p:cNvGraphicFramePr>
+          <p:nvPr>
+            <p:extLst>
+              <p:ext uri="{D42A27DB-BD31-4B8C-83A1-F6EECF244321}">
+                <p14:modId xmlns:p14="http://schemas.microsoft.com/office/powerpoint/2010/main" val="4205775695"/>
+              </p:ext>
+            </p:extLst>
+          </p:nvPr>
+        </p:nvGraphicFramePr>
+        <p:xfrm>
+          <a:off x="421180" y="2116666"/>
+          <a:ext cx="10663557" cy="2150533"/>
+        </p:xfrm>
+        <a:graphic>
+          <a:graphicData uri="http://schemas.openxmlformats.org/drawingml/2006/table">
+            <a:tbl>
+              <a:tblPr firstRow="1" firstCol="1" bandRow="1">
+                <a:effectLst>
+                  <a:outerShdw blurRad="63500" sx="102000" sy="102000" algn="ctr" rotWithShape="0">
+                    <a:prstClr val="black">
+                      <a:alpha val="40000"/>
+                    </a:prstClr>
+                  </a:outerShdw>
+                </a:effectLst>
+                <a:tableStyleId>{5C22544A-7EE6-4342-B048-85BDC9FD1C3A}</a:tableStyleId>
+              </a:tblPr>
+              <a:tblGrid>
+                <a:gridCol w="10663557">
+                  <a:extLst>
+                    <a:ext uri="{9D8B030D-6E8A-4147-A177-3AD203B41FA5}">
+                      <a16:colId xmlns:a16="http://schemas.microsoft.com/office/drawing/2014/main" val="693956170"/>
+                    </a:ext>
+                  </a:extLst>
+                </a:gridCol>
+              </a:tblGrid>
+              <a:tr h="2150533">
+                <a:tc>
+                  <a:txBody>
+                    <a:bodyPr/>
+                    <a:lstStyle/>
+                    <a:p>
+                      <a:pPr marL="0" marR="0" lvl="0" indent="0" algn="l" defTabSz="914400" rtl="0" eaLnBrk="1" fontAlgn="auto" latinLnBrk="0" hangingPunct="1">
+                        <a:lnSpc>
+                          <a:spcPct val="100000"/>
+                        </a:lnSpc>
+                        <a:spcBef>
+                          <a:spcPts val="0"/>
+                        </a:spcBef>
+                        <a:spcAft>
+                          <a:spcPts val="0"/>
+                        </a:spcAft>
+                        <a:buClrTx/>
+                        <a:buSzTx/>
+                        <a:buFontTx/>
+                        <a:buNone/>
+                        <a:tabLst/>
+                        <a:defRPr/>
+                      </a:pPr>
+                      <a:r>
+                        <a:rPr lang="en-US" sz="8800" i="0" kern="100" dirty="0">
+                          <a:effectLst/>
+                          <a:highlight>
+                            <a:srgbClr val="000080"/>
+                          </a:highlight>
+                          <a:latin typeface="Microsoft Sans Serif" panose="020B0604020202020204" pitchFamily="34" charset="0"/>
+                          <a:ea typeface="Microsoft Sans Serif" panose="020B0604020202020204" pitchFamily="34" charset="0"/>
+                          <a:cs typeface="Microsoft Sans Serif" panose="020B0604020202020204" pitchFamily="34" charset="0"/>
+                        </a:rPr>
+                        <a:t>The End</a:t>
+                      </a:r>
+                      <a:endParaRPr lang="en-US" sz="8800" i="0" kern="100" dirty="0">
+                        <a:solidFill>
+                          <a:srgbClr val="000000"/>
+                        </a:solidFill>
+                        <a:effectLst/>
+                        <a:highlight>
+                          <a:srgbClr val="000080"/>
+                        </a:highlight>
+                        <a:latin typeface="Microsoft Sans Serif" panose="020B0604020202020204" pitchFamily="34" charset="0"/>
+                        <a:ea typeface="Microsoft Sans Serif" panose="020B0604020202020204" pitchFamily="34" charset="0"/>
+                        <a:cs typeface="Microsoft Sans Serif" panose="020B0604020202020204" pitchFamily="34" charset="0"/>
+                      </a:endParaRPr>
+                    </a:p>
+                  </a:txBody>
+                  <a:tcPr marL="73025" marR="73025" marT="137160" marB="137160">
+                    <a:solidFill>
+                      <a:srgbClr val="000080"/>
+                    </a:solidFill>
+                  </a:tcPr>
+                </a:tc>
+                <a:extLst>
+                  <a:ext uri="{0D108BD9-81ED-4DB2-BD59-A6C34878D82A}">
+                    <a16:rowId xmlns:a16="http://schemas.microsoft.com/office/drawing/2014/main" val="125314420"/>
+                  </a:ext>
+                </a:extLst>
+              </a:tr>
+            </a:tbl>
+          </a:graphicData>
+        </a:graphic>
+      </p:graphicFrame>
+      <p:pic>
+        <p:nvPicPr>
+          <p:cNvPr id="7" name="Picture 6">
+            <a:extLst>
+              <a:ext uri="{FF2B5EF4-FFF2-40B4-BE49-F238E27FC236}">
+                <a16:creationId xmlns:a16="http://schemas.microsoft.com/office/drawing/2014/main" id="{594BDAEE-3F71-B040-F8D2-CD4BFBF9A2B6}"/>
+              </a:ext>
+            </a:extLst>
+          </p:cNvPr>
+          <p:cNvPicPr>
+            <a:picLocks noChangeAspect="1"/>
+          </p:cNvPicPr>
+          <p:nvPr/>
+        </p:nvPicPr>
+        <p:blipFill>
+          <a:blip r:embed="rId3">
+            <a:extLst>
+              <a:ext uri="{28A0092B-C50C-407E-A947-70E740481C1C}">
+                <a14:useLocalDpi xmlns:a14="http://schemas.microsoft.com/office/drawing/2010/main" val="0"/>
+              </a:ext>
+            </a:extLst>
+          </a:blip>
+          <a:srcRect/>
+          <a:stretch/>
+        </p:blipFill>
+        <p:spPr>
+          <a:xfrm>
+            <a:off x="8686801" y="1761851"/>
+            <a:ext cx="2838862" cy="2798876"/>
+          </a:xfrm>
+          <a:prstGeom prst="rect">
+            <a:avLst/>
+          </a:prstGeom>
+          <a:effectLst>
+            <a:outerShdw blurRad="63500" sx="105000" sy="105000" algn="ctr" rotWithShape="0">
+              <a:prstClr val="black"/>
+            </a:outerShdw>
+            <a:softEdge rad="25400"/>
+          </a:effectLst>
+        </p:spPr>
+      </p:pic>
+      <p:sp>
+        <p:nvSpPr>
+          <p:cNvPr id="9" name="TextBox 8">
+            <a:extLst>
+              <a:ext uri="{FF2B5EF4-FFF2-40B4-BE49-F238E27FC236}">
+                <a16:creationId xmlns:a16="http://schemas.microsoft.com/office/drawing/2014/main" id="{610E1E22-ECC9-260D-783D-BDDCBC3C2A48}"/>
+              </a:ext>
+            </a:extLst>
+          </p:cNvPr>
+          <p:cNvSpPr txBox="1"/>
+          <p:nvPr/>
+        </p:nvSpPr>
+        <p:spPr>
+          <a:xfrm>
+            <a:off x="4959459" y="6456866"/>
+            <a:ext cx="6975846" cy="369332"/>
+          </a:xfrm>
+          <a:prstGeom prst="rect">
+            <a:avLst/>
+          </a:prstGeom>
+          <a:noFill/>
+        </p:spPr>
+        <p:txBody>
+          <a:bodyPr wrap="square">
+            <a:spAutoFit/>
+          </a:bodyPr>
+          <a:lstStyle/>
+          <a:p>
+            <a:pPr marL="0" marR="0" algn="l">
+              <a:spcBef>
+                <a:spcPts val="0"/>
+              </a:spcBef>
+              <a:spcAft>
+                <a:spcPts val="0"/>
+              </a:spcAft>
+            </a:pPr>
+            <a:r>
+              <a:rPr lang="en-US" sz="1800" b="1" kern="100" dirty="0">
+                <a:solidFill>
+                  <a:schemeClr val="bg1"/>
+                </a:solidFill>
+                <a:effectLst/>
+                <a:highlight>
+                  <a:srgbClr val="000080"/>
+                </a:highlight>
+                <a:latin typeface="Microsoft Sans Serif" panose="020B0604020202020204" pitchFamily="34" charset="0"/>
+                <a:ea typeface="Microsoft Sans Serif" panose="020B0604020202020204" pitchFamily="34" charset="0"/>
+                <a:cs typeface="Microsoft Sans Serif" panose="020B0604020202020204" pitchFamily="34" charset="0"/>
+              </a:rPr>
+              <a:t>Josep</a:t>
+            </a:r>
+            <a:r>
+              <a:rPr lang="en-US" b="1" kern="100" dirty="0">
+                <a:solidFill>
+                  <a:schemeClr val="bg1"/>
+                </a:solidFill>
+                <a:highlight>
+                  <a:srgbClr val="000080"/>
+                </a:highlight>
+                <a:latin typeface="Microsoft Sans Serif" panose="020B0604020202020204" pitchFamily="34" charset="0"/>
+                <a:ea typeface="Microsoft Sans Serif" panose="020B0604020202020204" pitchFamily="34" charset="0"/>
+                <a:cs typeface="Microsoft Sans Serif" panose="020B0604020202020204" pitchFamily="34" charset="0"/>
+              </a:rPr>
+              <a:t>h R Maugeri IV - </a:t>
+            </a:r>
+            <a:r>
+              <a:rPr lang="en-US" sz="1800" b="1" kern="100" dirty="0">
+                <a:solidFill>
+                  <a:schemeClr val="bg1"/>
+                </a:solidFill>
+                <a:effectLst/>
+                <a:highlight>
+                  <a:srgbClr val="000080"/>
+                </a:highlight>
+                <a:latin typeface="Microsoft Sans Serif" panose="020B0604020202020204" pitchFamily="34" charset="0"/>
+                <a:ea typeface="Microsoft Sans Serif" panose="020B0604020202020204" pitchFamily="34" charset="0"/>
+                <a:cs typeface="Microsoft Sans Serif" panose="020B0604020202020204" pitchFamily="34" charset="0"/>
+              </a:rPr>
+              <a:t>IST 782 - Syracuse University ISchool, 2023 </a:t>
+            </a:r>
+            <a:endParaRPr lang="en-US" sz="1600" b="1" kern="100" dirty="0">
+              <a:solidFill>
+                <a:schemeClr val="bg1"/>
+              </a:solidFill>
+              <a:effectLst/>
+              <a:highlight>
+                <a:srgbClr val="000080"/>
+              </a:highlight>
+              <a:latin typeface="Microsoft Sans Serif" panose="020B0604020202020204" pitchFamily="34" charset="0"/>
+              <a:ea typeface="Microsoft Sans Serif" panose="020B0604020202020204" pitchFamily="34" charset="0"/>
+              <a:cs typeface="Microsoft Sans Serif" panose="020B0604020202020204" pitchFamily="34" charset="0"/>
+            </a:endParaRPr>
+          </a:p>
+        </p:txBody>
+      </p:sp>
+    </p:spTree>
+    <p:extLst>
+      <p:ext uri="{BB962C8B-B14F-4D97-AF65-F5344CB8AC3E}">
+        <p14:creationId xmlns:p14="http://schemas.microsoft.com/office/powerpoint/2010/main" val="2479711224"/>
       </p:ext>
     </p:extLst>
   </p:cSld>
@@ -4216,7 +8818,7 @@
           <p:nvPr/>
         </p:nvPicPr>
         <p:blipFill>
-          <a:blip r:embed="rId2">
+          <a:blip r:embed="rId3">
             <a:extLst>
               <a:ext uri="{28A0092B-C50C-407E-A947-70E740481C1C}">
                 <a14:useLocalDpi xmlns:a14="http://schemas.microsoft.com/office/drawing/2010/main" val="0"/>
@@ -4395,7 +8997,7 @@
           <p:nvPr>
             <p:extLst>
               <p:ext uri="{D42A27DB-BD31-4B8C-83A1-F6EECF244321}">
-                <p14:modId xmlns:p14="http://schemas.microsoft.com/office/powerpoint/2010/main" val="961202478"/>
+                <p14:modId xmlns:p14="http://schemas.microsoft.com/office/powerpoint/2010/main" val="1555876008"/>
               </p:ext>
             </p:extLst>
           </p:nvPr>
@@ -4654,7 +9256,7 @@
                           <a:ea typeface="Microsoft Sans Serif" panose="020B0604020202020204" pitchFamily="34" charset="0"/>
                           <a:cs typeface="Microsoft Sans Serif" panose="020B0604020202020204" pitchFamily="34" charset="0"/>
                         </a:rPr>
-                        <a:t>Keeping our technology competitive More value-added solutions.</a:t>
+                        <a:t>Keeping our technology competitive provides additional value-added solutions to our practice.</a:t>
                       </a:r>
                     </a:p>
                     <a:p>
@@ -4867,7 +9469,7 @@
           <p:nvPr/>
         </p:nvPicPr>
         <p:blipFill>
-          <a:blip r:embed="rId2">
+          <a:blip r:embed="rId3">
             <a:extLst>
               <a:ext uri="{28A0092B-C50C-407E-A947-70E740481C1C}">
                 <a14:useLocalDpi xmlns:a14="http://schemas.microsoft.com/office/drawing/2010/main" val="0"/>
@@ -5002,6 +9604,461 @@
 </file>
 
 <file path=ppt/slides/slide4.xml><?xml version="1.0" encoding="utf-8"?>
+<p:sld xmlns:a="http://schemas.openxmlformats.org/drawingml/2006/main" xmlns:r="http://schemas.openxmlformats.org/officeDocument/2006/relationships" xmlns:p="http://schemas.openxmlformats.org/presentationml/2006/main">
+  <p:cSld>
+    <p:bg>
+      <p:bgPr>
+        <a:pattFill prst="pct5">
+          <a:fgClr>
+            <a:schemeClr val="accent1"/>
+          </a:fgClr>
+          <a:bgClr>
+            <a:schemeClr val="bg1"/>
+          </a:bgClr>
+        </a:pattFill>
+        <a:effectLst/>
+      </p:bgPr>
+    </p:bg>
+    <p:spTree>
+      <p:nvGrpSpPr>
+        <p:cNvPr id="1" name=""/>
+        <p:cNvGrpSpPr/>
+        <p:nvPr/>
+      </p:nvGrpSpPr>
+      <p:grpSpPr>
+        <a:xfrm>
+          <a:off x="0" y="0"/>
+          <a:ext cx="0" cy="0"/>
+          <a:chOff x="0" y="0"/>
+          <a:chExt cx="0" cy="0"/>
+        </a:xfrm>
+      </p:grpSpPr>
+      <p:graphicFrame>
+        <p:nvGraphicFramePr>
+          <p:cNvPr id="4" name="Table 3">
+            <a:extLst>
+              <a:ext uri="{FF2B5EF4-FFF2-40B4-BE49-F238E27FC236}">
+                <a16:creationId xmlns:a16="http://schemas.microsoft.com/office/drawing/2014/main" id="{0B94DBE3-E38F-FF7F-4AE8-31848EEA4431}"/>
+              </a:ext>
+            </a:extLst>
+          </p:cNvPr>
+          <p:cNvGraphicFramePr>
+            <a:graphicFrameLocks noGrp="1"/>
+          </p:cNvGraphicFramePr>
+          <p:nvPr>
+            <p:extLst>
+              <p:ext uri="{D42A27DB-BD31-4B8C-83A1-F6EECF244321}">
+                <p14:modId xmlns:p14="http://schemas.microsoft.com/office/powerpoint/2010/main" val="4176147420"/>
+              </p:ext>
+            </p:extLst>
+          </p:nvPr>
+        </p:nvGraphicFramePr>
+        <p:xfrm>
+          <a:off x="404246" y="1072415"/>
+          <a:ext cx="11383508" cy="369332"/>
+        </p:xfrm>
+        <a:graphic>
+          <a:graphicData uri="http://schemas.openxmlformats.org/drawingml/2006/table">
+            <a:tbl>
+              <a:tblPr>
+                <a:effectLst>
+                  <a:outerShdw blurRad="50800" dist="50800" dir="5400000" sx="101000" sy="101000" algn="ctr" rotWithShape="0">
+                    <a:srgbClr val="000000">
+                      <a:alpha val="59000"/>
+                    </a:srgbClr>
+                  </a:outerShdw>
+                </a:effectLst>
+                <a:tableStyleId>{5C22544A-7EE6-4342-B048-85BDC9FD1C3A}</a:tableStyleId>
+              </a:tblPr>
+              <a:tblGrid>
+                <a:gridCol w="11383508">
+                  <a:extLst>
+                    <a:ext uri="{9D8B030D-6E8A-4147-A177-3AD203B41FA5}">
+                      <a16:colId xmlns:a16="http://schemas.microsoft.com/office/drawing/2014/main" val="2599995568"/>
+                    </a:ext>
+                  </a:extLst>
+                </a:gridCol>
+              </a:tblGrid>
+              <a:tr h="369332">
+                <a:tc>
+                  <a:txBody>
+                    <a:bodyPr/>
+                    <a:lstStyle/>
+                    <a:p>
+                      <a:pPr marL="0" marR="0" lvl="0" indent="0" algn="l" defTabSz="914400" rtl="0" eaLnBrk="1" fontAlgn="auto" latinLnBrk="0" hangingPunct="1">
+                        <a:lnSpc>
+                          <a:spcPct val="150000"/>
+                        </a:lnSpc>
+                        <a:spcBef>
+                          <a:spcPts val="0"/>
+                        </a:spcBef>
+                        <a:spcAft>
+                          <a:spcPts val="0"/>
+                        </a:spcAft>
+                        <a:buClrTx/>
+                        <a:buSzTx/>
+                        <a:buFontTx/>
+                        <a:buNone/>
+                        <a:tabLst/>
+                        <a:defRPr/>
+                      </a:pPr>
+                      <a:r>
+                        <a:rPr lang="en-US" sz="1800" b="1" dirty="0">
+                          <a:effectLst/>
+                          <a:latin typeface="Microsoft Sans Serif" panose="020B0604020202020204" pitchFamily="34" charset="0"/>
+                          <a:ea typeface="Microsoft Sans Serif" panose="020B0604020202020204" pitchFamily="34" charset="0"/>
+                          <a:cs typeface="Microsoft Sans Serif" panose="020B0604020202020204" pitchFamily="34" charset="0"/>
+                        </a:rPr>
+                        <a:t>IST 615 Cloud Management Final Project </a:t>
+                      </a:r>
+                    </a:p>
+                  </a:txBody>
+                  <a:tcPr marL="118745" marR="118745" marT="0" marB="0">
+                    <a:lnL w="12700" cap="flat" cmpd="sng" algn="ctr">
+                      <a:solidFill>
+                        <a:schemeClr val="tx1"/>
+                      </a:solidFill>
+                      <a:prstDash val="solid"/>
+                      <a:round/>
+                      <a:headEnd type="none" w="med" len="med"/>
+                      <a:tailEnd type="none" w="med" len="med"/>
+                    </a:lnL>
+                    <a:lnR w="12700" cap="flat" cmpd="sng" algn="ctr">
+                      <a:solidFill>
+                        <a:schemeClr val="tx1"/>
+                      </a:solidFill>
+                      <a:prstDash val="solid"/>
+                      <a:round/>
+                      <a:headEnd type="none" w="med" len="med"/>
+                      <a:tailEnd type="none" w="med" len="med"/>
+                    </a:lnR>
+                    <a:lnT w="12700" cap="flat" cmpd="sng" algn="ctr">
+                      <a:solidFill>
+                        <a:schemeClr val="tx1"/>
+                      </a:solidFill>
+                      <a:prstDash val="solid"/>
+                      <a:round/>
+                      <a:headEnd type="none" w="med" len="med"/>
+                      <a:tailEnd type="none" w="med" len="med"/>
+                    </a:lnT>
+                    <a:lnB w="12700" cap="flat" cmpd="sng" algn="ctr">
+                      <a:solidFill>
+                        <a:schemeClr val="tx1"/>
+                      </a:solidFill>
+                      <a:prstDash val="solid"/>
+                      <a:round/>
+                      <a:headEnd type="none" w="med" len="med"/>
+                      <a:tailEnd type="none" w="med" len="med"/>
+                    </a:lnB>
+                    <a:solidFill>
+                      <a:schemeClr val="bg1"/>
+                    </a:solidFill>
+                  </a:tcPr>
+                </a:tc>
+                <a:extLst>
+                  <a:ext uri="{0D108BD9-81ED-4DB2-BD59-A6C34878D82A}">
+                    <a16:rowId xmlns:a16="http://schemas.microsoft.com/office/drawing/2014/main" val="56415965"/>
+                  </a:ext>
+                </a:extLst>
+              </a:tr>
+            </a:tbl>
+          </a:graphicData>
+        </a:graphic>
+      </p:graphicFrame>
+      <p:graphicFrame>
+        <p:nvGraphicFramePr>
+          <p:cNvPr id="5" name="Table 4">
+            <a:extLst>
+              <a:ext uri="{FF2B5EF4-FFF2-40B4-BE49-F238E27FC236}">
+                <a16:creationId xmlns:a16="http://schemas.microsoft.com/office/drawing/2014/main" id="{BFA353F1-3BE7-F9A4-233A-1231632D0C1E}"/>
+              </a:ext>
+            </a:extLst>
+          </p:cNvPr>
+          <p:cNvGraphicFramePr>
+            <a:graphicFrameLocks noGrp="1"/>
+          </p:cNvGraphicFramePr>
+          <p:nvPr/>
+        </p:nvGraphicFramePr>
+        <p:xfrm>
+          <a:off x="404246" y="401133"/>
+          <a:ext cx="10663557" cy="579120"/>
+        </p:xfrm>
+        <a:graphic>
+          <a:graphicData uri="http://schemas.openxmlformats.org/drawingml/2006/table">
+            <a:tbl>
+              <a:tblPr firstRow="1" firstCol="1" bandRow="1">
+                <a:effectLst>
+                  <a:outerShdw blurRad="63500" sx="102000" sy="102000" algn="ctr" rotWithShape="0">
+                    <a:prstClr val="black">
+                      <a:alpha val="40000"/>
+                    </a:prstClr>
+                  </a:outerShdw>
+                </a:effectLst>
+                <a:tableStyleId>{5C22544A-7EE6-4342-B048-85BDC9FD1C3A}</a:tableStyleId>
+              </a:tblPr>
+              <a:tblGrid>
+                <a:gridCol w="10663557">
+                  <a:extLst>
+                    <a:ext uri="{9D8B030D-6E8A-4147-A177-3AD203B41FA5}">
+                      <a16:colId xmlns:a16="http://schemas.microsoft.com/office/drawing/2014/main" val="693956170"/>
+                    </a:ext>
+                  </a:extLst>
+                </a:gridCol>
+              </a:tblGrid>
+              <a:tr h="0">
+                <a:tc>
+                  <a:txBody>
+                    <a:bodyPr/>
+                    <a:lstStyle/>
+                    <a:p>
+                      <a:pPr marL="0" marR="0" lvl="0" indent="0" algn="l" defTabSz="914400" rtl="0" eaLnBrk="1" fontAlgn="auto" latinLnBrk="0" hangingPunct="1">
+                        <a:lnSpc>
+                          <a:spcPct val="100000"/>
+                        </a:lnSpc>
+                        <a:spcBef>
+                          <a:spcPts val="0"/>
+                        </a:spcBef>
+                        <a:spcAft>
+                          <a:spcPts val="0"/>
+                        </a:spcAft>
+                        <a:buClrTx/>
+                        <a:buSzTx/>
+                        <a:buFontTx/>
+                        <a:buNone/>
+                        <a:tabLst/>
+                        <a:defRPr/>
+                      </a:pPr>
+                      <a:r>
+                        <a:rPr lang="en-US" sz="2000" kern="100" dirty="0">
+                          <a:effectLst/>
+                          <a:highlight>
+                            <a:srgbClr val="000080"/>
+                          </a:highlight>
+                          <a:latin typeface="Microsoft Sans Serif" panose="020B0604020202020204" pitchFamily="34" charset="0"/>
+                          <a:ea typeface="Microsoft Sans Serif" panose="020B0604020202020204" pitchFamily="34" charset="0"/>
+                          <a:cs typeface="Microsoft Sans Serif" panose="020B0604020202020204" pitchFamily="34" charset="0"/>
+                        </a:rPr>
+                        <a:t>    </a:t>
+                      </a:r>
+                      <a:r>
+                        <a:rPr lang="en-US" sz="2000" kern="100" dirty="0">
+                          <a:effectLst/>
+                          <a:latin typeface="Microsoft Sans Serif" panose="020B0604020202020204" pitchFamily="34" charset="0"/>
+                          <a:ea typeface="Microsoft Sans Serif" panose="020B0604020202020204" pitchFamily="34" charset="0"/>
+                          <a:cs typeface="Microsoft Sans Serif" panose="020B0604020202020204" pitchFamily="34" charset="0"/>
+                        </a:rPr>
+                        <a:t>Collect, store, and access data by identifying and leveraging applicable technologies</a:t>
+                      </a:r>
+                      <a:endParaRPr lang="en-US" sz="1800" kern="100" dirty="0">
+                        <a:solidFill>
+                          <a:srgbClr val="000000"/>
+                        </a:solidFill>
+                        <a:effectLst/>
+                        <a:highlight>
+                          <a:srgbClr val="000080"/>
+                        </a:highlight>
+                        <a:latin typeface="Microsoft Sans Serif" panose="020B0604020202020204" pitchFamily="34" charset="0"/>
+                        <a:ea typeface="Microsoft Sans Serif" panose="020B0604020202020204" pitchFamily="34" charset="0"/>
+                        <a:cs typeface="Microsoft Sans Serif" panose="020B0604020202020204" pitchFamily="34" charset="0"/>
+                      </a:endParaRPr>
+                    </a:p>
+                  </a:txBody>
+                  <a:tcPr marL="73025" marR="73025" marT="137160" marB="137160">
+                    <a:solidFill>
+                      <a:srgbClr val="000080"/>
+                    </a:solidFill>
+                  </a:tcPr>
+                </a:tc>
+                <a:extLst>
+                  <a:ext uri="{0D108BD9-81ED-4DB2-BD59-A6C34878D82A}">
+                    <a16:rowId xmlns:a16="http://schemas.microsoft.com/office/drawing/2014/main" val="125314420"/>
+                  </a:ext>
+                </a:extLst>
+              </a:tr>
+            </a:tbl>
+          </a:graphicData>
+        </a:graphic>
+      </p:graphicFrame>
+      <p:pic>
+        <p:nvPicPr>
+          <p:cNvPr id="7" name="Picture 6">
+            <a:extLst>
+              <a:ext uri="{FF2B5EF4-FFF2-40B4-BE49-F238E27FC236}">
+                <a16:creationId xmlns:a16="http://schemas.microsoft.com/office/drawing/2014/main" id="{594BDAEE-3F71-B040-F8D2-CD4BFBF9A2B6}"/>
+              </a:ext>
+            </a:extLst>
+          </p:cNvPr>
+          <p:cNvPicPr>
+            <a:picLocks noChangeAspect="1"/>
+          </p:cNvPicPr>
+          <p:nvPr/>
+        </p:nvPicPr>
+        <p:blipFill>
+          <a:blip r:embed="rId3">
+            <a:extLst>
+              <a:ext uri="{28A0092B-C50C-407E-A947-70E740481C1C}">
+                <a14:useLocalDpi xmlns:a14="http://schemas.microsoft.com/office/drawing/2010/main" val="0"/>
+              </a:ext>
+            </a:extLst>
+          </a:blip>
+          <a:srcRect/>
+          <a:stretch/>
+        </p:blipFill>
+        <p:spPr>
+          <a:xfrm>
+            <a:off x="11075235" y="369931"/>
+            <a:ext cx="712519" cy="702483"/>
+          </a:xfrm>
+          <a:prstGeom prst="rect">
+            <a:avLst/>
+          </a:prstGeom>
+          <a:effectLst>
+            <a:outerShdw blurRad="63500" sx="105000" sy="105000" algn="ctr" rotWithShape="0">
+              <a:prstClr val="black"/>
+            </a:outerShdw>
+            <a:softEdge rad="25400"/>
+          </a:effectLst>
+        </p:spPr>
+      </p:pic>
+      <p:sp>
+        <p:nvSpPr>
+          <p:cNvPr id="9" name="TextBox 8">
+            <a:extLst>
+              <a:ext uri="{FF2B5EF4-FFF2-40B4-BE49-F238E27FC236}">
+                <a16:creationId xmlns:a16="http://schemas.microsoft.com/office/drawing/2014/main" id="{610E1E22-ECC9-260D-783D-BDDCBC3C2A48}"/>
+              </a:ext>
+            </a:extLst>
+          </p:cNvPr>
+          <p:cNvSpPr txBox="1"/>
+          <p:nvPr/>
+        </p:nvSpPr>
+        <p:spPr>
+          <a:xfrm>
+            <a:off x="4959459" y="6456866"/>
+            <a:ext cx="6975846" cy="369332"/>
+          </a:xfrm>
+          <a:prstGeom prst="rect">
+            <a:avLst/>
+          </a:prstGeom>
+          <a:noFill/>
+        </p:spPr>
+        <p:txBody>
+          <a:bodyPr wrap="square">
+            <a:spAutoFit/>
+          </a:bodyPr>
+          <a:lstStyle/>
+          <a:p>
+            <a:pPr marL="0" marR="0" algn="l">
+              <a:spcBef>
+                <a:spcPts val="0"/>
+              </a:spcBef>
+              <a:spcAft>
+                <a:spcPts val="0"/>
+              </a:spcAft>
+            </a:pPr>
+            <a:r>
+              <a:rPr lang="en-US" sz="1800" b="1" kern="100" dirty="0">
+                <a:solidFill>
+                  <a:schemeClr val="bg1"/>
+                </a:solidFill>
+                <a:effectLst/>
+                <a:highlight>
+                  <a:srgbClr val="000080"/>
+                </a:highlight>
+                <a:latin typeface="Microsoft Sans Serif" panose="020B0604020202020204" pitchFamily="34" charset="0"/>
+                <a:ea typeface="Microsoft Sans Serif" panose="020B0604020202020204" pitchFamily="34" charset="0"/>
+                <a:cs typeface="Microsoft Sans Serif" panose="020B0604020202020204" pitchFamily="34" charset="0"/>
+              </a:rPr>
+              <a:t>Josep</a:t>
+            </a:r>
+            <a:r>
+              <a:rPr lang="en-US" b="1" kern="100" dirty="0">
+                <a:solidFill>
+                  <a:schemeClr val="bg1"/>
+                </a:solidFill>
+                <a:highlight>
+                  <a:srgbClr val="000080"/>
+                </a:highlight>
+                <a:latin typeface="Microsoft Sans Serif" panose="020B0604020202020204" pitchFamily="34" charset="0"/>
+                <a:ea typeface="Microsoft Sans Serif" panose="020B0604020202020204" pitchFamily="34" charset="0"/>
+                <a:cs typeface="Microsoft Sans Serif" panose="020B0604020202020204" pitchFamily="34" charset="0"/>
+              </a:rPr>
+              <a:t>h R Maugeri IV - </a:t>
+            </a:r>
+            <a:r>
+              <a:rPr lang="en-US" sz="1800" b="1" kern="100" dirty="0">
+                <a:solidFill>
+                  <a:schemeClr val="bg1"/>
+                </a:solidFill>
+                <a:effectLst/>
+                <a:highlight>
+                  <a:srgbClr val="000080"/>
+                </a:highlight>
+                <a:latin typeface="Microsoft Sans Serif" panose="020B0604020202020204" pitchFamily="34" charset="0"/>
+                <a:ea typeface="Microsoft Sans Serif" panose="020B0604020202020204" pitchFamily="34" charset="0"/>
+                <a:cs typeface="Microsoft Sans Serif" panose="020B0604020202020204" pitchFamily="34" charset="0"/>
+              </a:rPr>
+              <a:t>IST 782 - Syracuse University ISchool, 2023 </a:t>
+            </a:r>
+            <a:endParaRPr lang="en-US" sz="1600" b="1" kern="100" dirty="0">
+              <a:solidFill>
+                <a:schemeClr val="bg1"/>
+              </a:solidFill>
+              <a:effectLst/>
+              <a:highlight>
+                <a:srgbClr val="000080"/>
+              </a:highlight>
+              <a:latin typeface="Microsoft Sans Serif" panose="020B0604020202020204" pitchFamily="34" charset="0"/>
+              <a:ea typeface="Microsoft Sans Serif" panose="020B0604020202020204" pitchFamily="34" charset="0"/>
+              <a:cs typeface="Microsoft Sans Serif" panose="020B0604020202020204" pitchFamily="34" charset="0"/>
+            </a:endParaRPr>
+          </a:p>
+        </p:txBody>
+      </p:sp>
+      <p:pic>
+        <p:nvPicPr>
+          <p:cNvPr id="3" name="Picture 2">
+            <a:extLst>
+              <a:ext uri="{FF2B5EF4-FFF2-40B4-BE49-F238E27FC236}">
+                <a16:creationId xmlns:a16="http://schemas.microsoft.com/office/drawing/2014/main" id="{09C020F6-2EAA-FA6E-31D4-42084EDF9154}"/>
+              </a:ext>
+            </a:extLst>
+          </p:cNvPr>
+          <p:cNvPicPr>
+            <a:picLocks noChangeAspect="1"/>
+          </p:cNvPicPr>
+          <p:nvPr/>
+        </p:nvPicPr>
+        <p:blipFill>
+          <a:blip r:embed="rId4"/>
+          <a:stretch>
+            <a:fillRect/>
+          </a:stretch>
+        </p:blipFill>
+        <p:spPr>
+          <a:xfrm>
+            <a:off x="1909178" y="1533909"/>
+            <a:ext cx="8373644" cy="4696480"/>
+          </a:xfrm>
+          <a:prstGeom prst="rect">
+            <a:avLst/>
+          </a:prstGeom>
+        </p:spPr>
+      </p:pic>
+    </p:spTree>
+    <p:extLst>
+      <p:ext uri="{BB962C8B-B14F-4D97-AF65-F5344CB8AC3E}">
+        <p14:creationId xmlns:p14="http://schemas.microsoft.com/office/powerpoint/2010/main" val="1722562657"/>
+      </p:ext>
+    </p:extLst>
+  </p:cSld>
+  <p:clrMapOvr>
+    <a:masterClrMapping/>
+  </p:clrMapOvr>
+</p:sld>
+</file>
+
+<file path=ppt/slides/slide5.xml><?xml version="1.0" encoding="utf-8"?>
 <p:sld xmlns:a="http://schemas.openxmlformats.org/drawingml/2006/main" xmlns:r="http://schemas.openxmlformats.org/officeDocument/2006/relationships" xmlns:p="http://schemas.openxmlformats.org/presentationml/2006/main">
   <p:cSld>
     <p:bg>
@@ -5514,7 +10571,7 @@
           <p:nvPr/>
         </p:nvPicPr>
         <p:blipFill>
-          <a:blip r:embed="rId2">
+          <a:blip r:embed="rId3">
             <a:extLst>
               <a:ext uri="{28A0092B-C50C-407E-A947-70E740481C1C}">
                 <a14:useLocalDpi xmlns:a14="http://schemas.microsoft.com/office/drawing/2010/main" val="0"/>
@@ -5648,7 +10705,7 @@
 </p:sld>
 </file>
 
-<file path=ppt/slides/slide5.xml><?xml version="1.0" encoding="utf-8"?>
+<file path=ppt/slides/slide6.xml><?xml version="1.0" encoding="utf-8"?>
 <p:sld xmlns:a="http://schemas.openxmlformats.org/drawingml/2006/main" xmlns:r="http://schemas.openxmlformats.org/officeDocument/2006/relationships" xmlns:p="http://schemas.openxmlformats.org/presentationml/2006/main">
   <p:cSld>
     <p:bg>
@@ -5693,7 +10750,453 @@
           <p:nvPr>
             <p:extLst>
               <p:ext uri="{D42A27DB-BD31-4B8C-83A1-F6EECF244321}">
-                <p14:modId xmlns:p14="http://schemas.microsoft.com/office/powerpoint/2010/main" val="1872773851"/>
+                <p14:modId xmlns:p14="http://schemas.microsoft.com/office/powerpoint/2010/main" val="1299359978"/>
+              </p:ext>
+            </p:extLst>
+          </p:nvPr>
+        </p:nvGraphicFramePr>
+        <p:xfrm>
+          <a:off x="404246" y="1172731"/>
+          <a:ext cx="11383508" cy="369332"/>
+        </p:xfrm>
+        <a:graphic>
+          <a:graphicData uri="http://schemas.openxmlformats.org/drawingml/2006/table">
+            <a:tbl>
+              <a:tblPr>
+                <a:effectLst>
+                  <a:outerShdw blurRad="50800" dist="50800" dir="5400000" sx="101000" sy="101000" algn="ctr" rotWithShape="0">
+                    <a:srgbClr val="000000">
+                      <a:alpha val="59000"/>
+                    </a:srgbClr>
+                  </a:outerShdw>
+                </a:effectLst>
+                <a:tableStyleId>{5C22544A-7EE6-4342-B048-85BDC9FD1C3A}</a:tableStyleId>
+              </a:tblPr>
+              <a:tblGrid>
+                <a:gridCol w="11383508">
+                  <a:extLst>
+                    <a:ext uri="{9D8B030D-6E8A-4147-A177-3AD203B41FA5}">
+                      <a16:colId xmlns:a16="http://schemas.microsoft.com/office/drawing/2014/main" val="2599995568"/>
+                    </a:ext>
+                  </a:extLst>
+                </a:gridCol>
+              </a:tblGrid>
+              <a:tr h="369332">
+                <a:tc>
+                  <a:txBody>
+                    <a:bodyPr/>
+                    <a:lstStyle/>
+                    <a:p>
+                      <a:pPr marL="0" marR="0" algn="l">
+                        <a:lnSpc>
+                          <a:spcPct val="150000"/>
+                        </a:lnSpc>
+                        <a:spcBef>
+                          <a:spcPts val="0"/>
+                        </a:spcBef>
+                        <a:spcAft>
+                          <a:spcPts val="0"/>
+                        </a:spcAft>
+                      </a:pPr>
+                      <a:r>
+                        <a:rPr lang="en-US" sz="1800" b="1" u="none" kern="1200" dirty="0">
+                          <a:solidFill>
+                            <a:schemeClr val="dk1"/>
+                          </a:solidFill>
+                          <a:effectLst/>
+                          <a:latin typeface="Microsoft Sans Serif" panose="020B0604020202020204" pitchFamily="34" charset="0"/>
+                          <a:ea typeface="Microsoft Sans Serif" panose="020B0604020202020204" pitchFamily="34" charset="0"/>
+                          <a:cs typeface="Microsoft Sans Serif" panose="020B0604020202020204" pitchFamily="34" charset="0"/>
+                        </a:rPr>
+                        <a:t>IST 707 Final Project – Mushroom Classification using ML Algorithms</a:t>
+                      </a:r>
+                      <a:endParaRPr lang="en-US" sz="1600" dirty="0">
+                        <a:effectLst/>
+                        <a:latin typeface="Microsoft Sans Serif" panose="020B0604020202020204" pitchFamily="34" charset="0"/>
+                        <a:ea typeface="Microsoft Sans Serif" panose="020B0604020202020204" pitchFamily="34" charset="0"/>
+                        <a:cs typeface="Microsoft Sans Serif" panose="020B0604020202020204" pitchFamily="34" charset="0"/>
+                      </a:endParaRPr>
+                    </a:p>
+                  </a:txBody>
+                  <a:tcPr marL="118745" marR="118745" marT="0" marB="0">
+                    <a:lnL w="12700" cap="flat" cmpd="sng" algn="ctr">
+                      <a:solidFill>
+                        <a:schemeClr val="tx1"/>
+                      </a:solidFill>
+                      <a:prstDash val="solid"/>
+                      <a:round/>
+                      <a:headEnd type="none" w="med" len="med"/>
+                      <a:tailEnd type="none" w="med" len="med"/>
+                    </a:lnL>
+                    <a:lnR w="12700" cap="flat" cmpd="sng" algn="ctr">
+                      <a:solidFill>
+                        <a:schemeClr val="tx1"/>
+                      </a:solidFill>
+                      <a:prstDash val="solid"/>
+                      <a:round/>
+                      <a:headEnd type="none" w="med" len="med"/>
+                      <a:tailEnd type="none" w="med" len="med"/>
+                    </a:lnR>
+                    <a:lnT w="12700" cap="flat" cmpd="sng" algn="ctr">
+                      <a:solidFill>
+                        <a:schemeClr val="tx1"/>
+                      </a:solidFill>
+                      <a:prstDash val="solid"/>
+                      <a:round/>
+                      <a:headEnd type="none" w="med" len="med"/>
+                      <a:tailEnd type="none" w="med" len="med"/>
+                    </a:lnT>
+                    <a:lnB w="12700" cap="flat" cmpd="sng" algn="ctr">
+                      <a:solidFill>
+                        <a:schemeClr val="tx1"/>
+                      </a:solidFill>
+                      <a:prstDash val="solid"/>
+                      <a:round/>
+                      <a:headEnd type="none" w="med" len="med"/>
+                      <a:tailEnd type="none" w="med" len="med"/>
+                    </a:lnB>
+                    <a:solidFill>
+                      <a:schemeClr val="bg1"/>
+                    </a:solidFill>
+                  </a:tcPr>
+                </a:tc>
+                <a:extLst>
+                  <a:ext uri="{0D108BD9-81ED-4DB2-BD59-A6C34878D82A}">
+                    <a16:rowId xmlns:a16="http://schemas.microsoft.com/office/drawing/2014/main" val="56415965"/>
+                  </a:ext>
+                </a:extLst>
+              </a:tr>
+            </a:tbl>
+          </a:graphicData>
+        </a:graphic>
+      </p:graphicFrame>
+      <p:graphicFrame>
+        <p:nvGraphicFramePr>
+          <p:cNvPr id="5" name="Table 4">
+            <a:extLst>
+              <a:ext uri="{FF2B5EF4-FFF2-40B4-BE49-F238E27FC236}">
+                <a16:creationId xmlns:a16="http://schemas.microsoft.com/office/drawing/2014/main" id="{BFA353F1-3BE7-F9A4-233A-1231632D0C1E}"/>
+              </a:ext>
+            </a:extLst>
+          </p:cNvPr>
+          <p:cNvGraphicFramePr>
+            <a:graphicFrameLocks noGrp="1"/>
+          </p:cNvGraphicFramePr>
+          <p:nvPr/>
+        </p:nvGraphicFramePr>
+        <p:xfrm>
+          <a:off x="404246" y="401133"/>
+          <a:ext cx="10663557" cy="548640"/>
+        </p:xfrm>
+        <a:graphic>
+          <a:graphicData uri="http://schemas.openxmlformats.org/drawingml/2006/table">
+            <a:tbl>
+              <a:tblPr firstRow="1" firstCol="1" bandRow="1">
+                <a:effectLst>
+                  <a:outerShdw blurRad="63500" sx="102000" sy="102000" algn="ctr" rotWithShape="0">
+                    <a:prstClr val="black">
+                      <a:alpha val="40000"/>
+                    </a:prstClr>
+                  </a:outerShdw>
+                </a:effectLst>
+                <a:tableStyleId>{5C22544A-7EE6-4342-B048-85BDC9FD1C3A}</a:tableStyleId>
+              </a:tblPr>
+              <a:tblGrid>
+                <a:gridCol w="10663557">
+                  <a:extLst>
+                    <a:ext uri="{9D8B030D-6E8A-4147-A177-3AD203B41FA5}">
+                      <a16:colId xmlns:a16="http://schemas.microsoft.com/office/drawing/2014/main" val="693956170"/>
+                    </a:ext>
+                  </a:extLst>
+                </a:gridCol>
+              </a:tblGrid>
+              <a:tr h="0">
+                <a:tc>
+                  <a:txBody>
+                    <a:bodyPr/>
+                    <a:lstStyle/>
+                    <a:p>
+                      <a:pPr marL="0" marR="0" lvl="0" indent="0" algn="l" defTabSz="914400" rtl="0" eaLnBrk="1" fontAlgn="auto" latinLnBrk="0" hangingPunct="1">
+                        <a:lnSpc>
+                          <a:spcPct val="100000"/>
+                        </a:lnSpc>
+                        <a:spcBef>
+                          <a:spcPts val="0"/>
+                        </a:spcBef>
+                        <a:spcAft>
+                          <a:spcPts val="0"/>
+                        </a:spcAft>
+                        <a:buClrTx/>
+                        <a:buSzTx/>
+                        <a:buFontTx/>
+                        <a:buNone/>
+                        <a:tabLst/>
+                        <a:defRPr/>
+                      </a:pPr>
+                      <a:r>
+                        <a:rPr lang="en-US" sz="1800" kern="100" dirty="0">
+                          <a:effectLst/>
+                          <a:latin typeface="Microsoft Sans Serif" panose="020B0604020202020204" pitchFamily="34" charset="0"/>
+                          <a:ea typeface="Microsoft Sans Serif" panose="020B0604020202020204" pitchFamily="34" charset="0"/>
+                          <a:cs typeface="Microsoft Sans Serif" panose="020B0604020202020204" pitchFamily="34" charset="0"/>
+                        </a:rPr>
+                        <a:t>Create actionable insight across a range of contexts using data and the full data science life cycle</a:t>
+                      </a:r>
+                      <a:endParaRPr lang="en-US" sz="1600" kern="100" dirty="0">
+                        <a:solidFill>
+                          <a:srgbClr val="000000"/>
+                        </a:solidFill>
+                        <a:effectLst/>
+                        <a:highlight>
+                          <a:srgbClr val="000080"/>
+                        </a:highlight>
+                        <a:latin typeface="Microsoft Sans Serif" panose="020B0604020202020204" pitchFamily="34" charset="0"/>
+                        <a:ea typeface="Microsoft Sans Serif" panose="020B0604020202020204" pitchFamily="34" charset="0"/>
+                        <a:cs typeface="Microsoft Sans Serif" panose="020B0604020202020204" pitchFamily="34" charset="0"/>
+                      </a:endParaRPr>
+                    </a:p>
+                  </a:txBody>
+                  <a:tcPr marL="73025" marR="73025" marT="137160" marB="137160">
+                    <a:solidFill>
+                      <a:srgbClr val="000080"/>
+                    </a:solidFill>
+                  </a:tcPr>
+                </a:tc>
+                <a:extLst>
+                  <a:ext uri="{0D108BD9-81ED-4DB2-BD59-A6C34878D82A}">
+                    <a16:rowId xmlns:a16="http://schemas.microsoft.com/office/drawing/2014/main" val="125314420"/>
+                  </a:ext>
+                </a:extLst>
+              </a:tr>
+            </a:tbl>
+          </a:graphicData>
+        </a:graphic>
+      </p:graphicFrame>
+      <p:pic>
+        <p:nvPicPr>
+          <p:cNvPr id="7" name="Picture 6">
+            <a:extLst>
+              <a:ext uri="{FF2B5EF4-FFF2-40B4-BE49-F238E27FC236}">
+                <a16:creationId xmlns:a16="http://schemas.microsoft.com/office/drawing/2014/main" id="{594BDAEE-3F71-B040-F8D2-CD4BFBF9A2B6}"/>
+              </a:ext>
+            </a:extLst>
+          </p:cNvPr>
+          <p:cNvPicPr>
+            <a:picLocks noChangeAspect="1"/>
+          </p:cNvPicPr>
+          <p:nvPr/>
+        </p:nvPicPr>
+        <p:blipFill>
+          <a:blip r:embed="rId2">
+            <a:extLst>
+              <a:ext uri="{28A0092B-C50C-407E-A947-70E740481C1C}">
+                <a14:useLocalDpi xmlns:a14="http://schemas.microsoft.com/office/drawing/2010/main" val="0"/>
+              </a:ext>
+            </a:extLst>
+          </a:blip>
+          <a:srcRect/>
+          <a:stretch/>
+        </p:blipFill>
+        <p:spPr>
+          <a:xfrm>
+            <a:off x="11075235" y="369931"/>
+            <a:ext cx="712519" cy="702483"/>
+          </a:xfrm>
+          <a:prstGeom prst="rect">
+            <a:avLst/>
+          </a:prstGeom>
+          <a:effectLst>
+            <a:outerShdw blurRad="63500" sx="105000" sy="105000" algn="ctr" rotWithShape="0">
+              <a:prstClr val="black"/>
+            </a:outerShdw>
+            <a:softEdge rad="25400"/>
+          </a:effectLst>
+        </p:spPr>
+      </p:pic>
+      <p:sp>
+        <p:nvSpPr>
+          <p:cNvPr id="9" name="TextBox 8">
+            <a:extLst>
+              <a:ext uri="{FF2B5EF4-FFF2-40B4-BE49-F238E27FC236}">
+                <a16:creationId xmlns:a16="http://schemas.microsoft.com/office/drawing/2014/main" id="{610E1E22-ECC9-260D-783D-BDDCBC3C2A48}"/>
+              </a:ext>
+            </a:extLst>
+          </p:cNvPr>
+          <p:cNvSpPr txBox="1"/>
+          <p:nvPr/>
+        </p:nvSpPr>
+        <p:spPr>
+          <a:xfrm>
+            <a:off x="4959459" y="6456866"/>
+            <a:ext cx="6975846" cy="369332"/>
+          </a:xfrm>
+          <a:prstGeom prst="rect">
+            <a:avLst/>
+          </a:prstGeom>
+          <a:noFill/>
+        </p:spPr>
+        <p:txBody>
+          <a:bodyPr wrap="square">
+            <a:spAutoFit/>
+          </a:bodyPr>
+          <a:lstStyle/>
+          <a:p>
+            <a:pPr marL="0" marR="0" algn="l">
+              <a:spcBef>
+                <a:spcPts val="0"/>
+              </a:spcBef>
+              <a:spcAft>
+                <a:spcPts val="0"/>
+              </a:spcAft>
+            </a:pPr>
+            <a:r>
+              <a:rPr lang="en-US" sz="1800" b="1" kern="100" dirty="0">
+                <a:solidFill>
+                  <a:schemeClr val="bg1"/>
+                </a:solidFill>
+                <a:effectLst/>
+                <a:highlight>
+                  <a:srgbClr val="000080"/>
+                </a:highlight>
+                <a:latin typeface="Microsoft Sans Serif" panose="020B0604020202020204" pitchFamily="34" charset="0"/>
+                <a:ea typeface="Microsoft Sans Serif" panose="020B0604020202020204" pitchFamily="34" charset="0"/>
+                <a:cs typeface="Microsoft Sans Serif" panose="020B0604020202020204" pitchFamily="34" charset="0"/>
+              </a:rPr>
+              <a:t>Josep</a:t>
+            </a:r>
+            <a:r>
+              <a:rPr lang="en-US" b="1" kern="100" dirty="0">
+                <a:solidFill>
+                  <a:schemeClr val="bg1"/>
+                </a:solidFill>
+                <a:highlight>
+                  <a:srgbClr val="000080"/>
+                </a:highlight>
+                <a:latin typeface="Microsoft Sans Serif" panose="020B0604020202020204" pitchFamily="34" charset="0"/>
+                <a:ea typeface="Microsoft Sans Serif" panose="020B0604020202020204" pitchFamily="34" charset="0"/>
+                <a:cs typeface="Microsoft Sans Serif" panose="020B0604020202020204" pitchFamily="34" charset="0"/>
+              </a:rPr>
+              <a:t>h R Maugeri IV - </a:t>
+            </a:r>
+            <a:r>
+              <a:rPr lang="en-US" sz="1800" b="1" kern="100" dirty="0">
+                <a:solidFill>
+                  <a:schemeClr val="bg1"/>
+                </a:solidFill>
+                <a:effectLst/>
+                <a:highlight>
+                  <a:srgbClr val="000080"/>
+                </a:highlight>
+                <a:latin typeface="Microsoft Sans Serif" panose="020B0604020202020204" pitchFamily="34" charset="0"/>
+                <a:ea typeface="Microsoft Sans Serif" panose="020B0604020202020204" pitchFamily="34" charset="0"/>
+                <a:cs typeface="Microsoft Sans Serif" panose="020B0604020202020204" pitchFamily="34" charset="0"/>
+              </a:rPr>
+              <a:t>IST 782 - Syracuse University ISchool, 2023 </a:t>
+            </a:r>
+            <a:endParaRPr lang="en-US" sz="1600" b="1" kern="100" dirty="0">
+              <a:solidFill>
+                <a:schemeClr val="bg1"/>
+              </a:solidFill>
+              <a:effectLst/>
+              <a:highlight>
+                <a:srgbClr val="000080"/>
+              </a:highlight>
+              <a:latin typeface="Microsoft Sans Serif" panose="020B0604020202020204" pitchFamily="34" charset="0"/>
+              <a:ea typeface="Microsoft Sans Serif" panose="020B0604020202020204" pitchFamily="34" charset="0"/>
+              <a:cs typeface="Microsoft Sans Serif" panose="020B0604020202020204" pitchFamily="34" charset="0"/>
+            </a:endParaRPr>
+          </a:p>
+        </p:txBody>
+      </p:sp>
+      <p:pic>
+        <p:nvPicPr>
+          <p:cNvPr id="3" name="Picture 2">
+            <a:extLst>
+              <a:ext uri="{FF2B5EF4-FFF2-40B4-BE49-F238E27FC236}">
+                <a16:creationId xmlns:a16="http://schemas.microsoft.com/office/drawing/2014/main" id="{0DB15146-B0FA-1610-8901-38EC1FA64E93}"/>
+              </a:ext>
+            </a:extLst>
+          </p:cNvPr>
+          <p:cNvPicPr>
+            <a:picLocks noChangeAspect="1"/>
+          </p:cNvPicPr>
+          <p:nvPr/>
+        </p:nvPicPr>
+        <p:blipFill>
+          <a:blip r:embed="rId3"/>
+          <a:stretch>
+            <a:fillRect/>
+          </a:stretch>
+        </p:blipFill>
+        <p:spPr>
+          <a:xfrm>
+            <a:off x="1914736" y="1603483"/>
+            <a:ext cx="8362528" cy="4730742"/>
+          </a:xfrm>
+          <a:prstGeom prst="rect">
+            <a:avLst/>
+          </a:prstGeom>
+        </p:spPr>
+      </p:pic>
+    </p:spTree>
+    <p:extLst>
+      <p:ext uri="{BB962C8B-B14F-4D97-AF65-F5344CB8AC3E}">
+        <p14:creationId xmlns:p14="http://schemas.microsoft.com/office/powerpoint/2010/main" val="3383592653"/>
+      </p:ext>
+    </p:extLst>
+  </p:cSld>
+  <p:clrMapOvr>
+    <a:masterClrMapping/>
+  </p:clrMapOvr>
+</p:sld>
+</file>
+
+<file path=ppt/slides/slide7.xml><?xml version="1.0" encoding="utf-8"?>
+<p:sld xmlns:a="http://schemas.openxmlformats.org/drawingml/2006/main" xmlns:r="http://schemas.openxmlformats.org/officeDocument/2006/relationships" xmlns:p="http://schemas.openxmlformats.org/presentationml/2006/main">
+  <p:cSld>
+    <p:bg>
+      <p:bgPr>
+        <a:pattFill prst="pct5">
+          <a:fgClr>
+            <a:schemeClr val="accent1"/>
+          </a:fgClr>
+          <a:bgClr>
+            <a:schemeClr val="bg1"/>
+          </a:bgClr>
+        </a:pattFill>
+        <a:effectLst/>
+      </p:bgPr>
+    </p:bg>
+    <p:spTree>
+      <p:nvGrpSpPr>
+        <p:cNvPr id="1" name=""/>
+        <p:cNvGrpSpPr/>
+        <p:nvPr/>
+      </p:nvGrpSpPr>
+      <p:grpSpPr>
+        <a:xfrm>
+          <a:off x="0" y="0"/>
+          <a:ext cx="0" cy="0"/>
+          <a:chOff x="0" y="0"/>
+          <a:chExt cx="0" cy="0"/>
+        </a:xfrm>
+      </p:grpSpPr>
+      <p:graphicFrame>
+        <p:nvGraphicFramePr>
+          <p:cNvPr id="4" name="Table 3">
+            <a:extLst>
+              <a:ext uri="{FF2B5EF4-FFF2-40B4-BE49-F238E27FC236}">
+                <a16:creationId xmlns:a16="http://schemas.microsoft.com/office/drawing/2014/main" id="{0B94DBE3-E38F-FF7F-4AE8-31848EEA4431}"/>
+              </a:ext>
+            </a:extLst>
+          </p:cNvPr>
+          <p:cNvGraphicFramePr>
+            <a:graphicFrameLocks noGrp="1"/>
+          </p:cNvGraphicFramePr>
+          <p:nvPr>
+            <p:extLst>
+              <p:ext uri="{D42A27DB-BD31-4B8C-83A1-F6EECF244321}">
+                <p14:modId xmlns:p14="http://schemas.microsoft.com/office/powerpoint/2010/main" val="3058288979"/>
               </p:ext>
             </p:extLst>
           </p:nvPr>
@@ -5774,7 +11277,7 @@
                           <a:ea typeface="+mn-ea"/>
                           <a:cs typeface="+mn-cs"/>
                         </a:rPr>
-                        <a:t>A personal favorite, this </a:t>
+                        <a:t>This </a:t>
                       </a:r>
                       <a:r>
                         <a:rPr lang="en-US" sz="1600" u="none" kern="1200" dirty="0">
@@ -5923,7 +11426,7 @@
                           <a:ea typeface="Microsoft Sans Serif" panose="020B0604020202020204" pitchFamily="34" charset="0"/>
                           <a:cs typeface="Microsoft Sans Serif" panose="020B0604020202020204" pitchFamily="34" charset="0"/>
                         </a:rPr>
-                        <a:t>Imbalance in Authors: The dominance of Hamilton's contribution and the removal of co-authored papers may have biased the results, favored Hamilton and compromising the complexity of the dataset.</a:t>
+                        <a:t>Imbalance in Authors: The dominance of Hamilton's contribution and the removal of co-authored papers may have biased the results, favored Hamilton and compromised the complexity of the dataset.</a:t>
                       </a:r>
                     </a:p>
                     <a:p>
@@ -6158,7 +11661,7 @@
           <p:nvPr/>
         </p:nvPicPr>
         <p:blipFill>
-          <a:blip r:embed="rId2">
+          <a:blip r:embed="rId3">
             <a:extLst>
               <a:ext uri="{28A0092B-C50C-407E-A947-70E740481C1C}">
                 <a14:useLocalDpi xmlns:a14="http://schemas.microsoft.com/office/drawing/2010/main" val="0"/>
@@ -6292,7 +11795,7 @@
 </p:sld>
 </file>
 
-<file path=ppt/slides/slide6.xml><?xml version="1.0" encoding="utf-8"?>
+<file path=ppt/slides/slide8.xml><?xml version="1.0" encoding="utf-8"?>
 <p:sld xmlns:a="http://schemas.openxmlformats.org/drawingml/2006/main" xmlns:r="http://schemas.openxmlformats.org/officeDocument/2006/relationships" xmlns:p="http://schemas.openxmlformats.org/presentationml/2006/main">
   <p:cSld>
     <p:bg>
@@ -6337,7 +11840,483 @@
           <p:nvPr>
             <p:extLst>
               <p:ext uri="{D42A27DB-BD31-4B8C-83A1-F6EECF244321}">
-                <p14:modId xmlns:p14="http://schemas.microsoft.com/office/powerpoint/2010/main" val="120350802"/>
+                <p14:modId xmlns:p14="http://schemas.microsoft.com/office/powerpoint/2010/main" val="2430263411"/>
+              </p:ext>
+            </p:extLst>
+          </p:nvPr>
+        </p:nvGraphicFramePr>
+        <p:xfrm>
+          <a:off x="404246" y="1172731"/>
+          <a:ext cx="11383508" cy="369332"/>
+        </p:xfrm>
+        <a:graphic>
+          <a:graphicData uri="http://schemas.openxmlformats.org/drawingml/2006/table">
+            <a:tbl>
+              <a:tblPr>
+                <a:effectLst>
+                  <a:outerShdw blurRad="50800" dist="50800" dir="5400000" sx="101000" sy="101000" algn="ctr" rotWithShape="0">
+                    <a:srgbClr val="000000">
+                      <a:alpha val="59000"/>
+                    </a:srgbClr>
+                  </a:outerShdw>
+                </a:effectLst>
+                <a:tableStyleId>{5C22544A-7EE6-4342-B048-85BDC9FD1C3A}</a:tableStyleId>
+              </a:tblPr>
+              <a:tblGrid>
+                <a:gridCol w="11383508">
+                  <a:extLst>
+                    <a:ext uri="{9D8B030D-6E8A-4147-A177-3AD203B41FA5}">
+                      <a16:colId xmlns:a16="http://schemas.microsoft.com/office/drawing/2014/main" val="2599995568"/>
+                    </a:ext>
+                  </a:extLst>
+                </a:gridCol>
+              </a:tblGrid>
+              <a:tr h="369332">
+                <a:tc>
+                  <a:txBody>
+                    <a:bodyPr/>
+                    <a:lstStyle/>
+                    <a:p>
+                      <a:pPr marL="0" marR="0" algn="l">
+                        <a:lnSpc>
+                          <a:spcPct val="150000"/>
+                        </a:lnSpc>
+                        <a:spcBef>
+                          <a:spcPts val="0"/>
+                        </a:spcBef>
+                        <a:spcAft>
+                          <a:spcPts val="0"/>
+                        </a:spcAft>
+                      </a:pPr>
+                      <a:r>
+                        <a:rPr lang="en-US" sz="1800" b="1" u="none" kern="1200" dirty="0">
+                          <a:solidFill>
+                            <a:schemeClr val="dk1"/>
+                          </a:solidFill>
+                          <a:effectLst/>
+                          <a:latin typeface="Microsoft Sans Serif" panose="020B0604020202020204" pitchFamily="34" charset="0"/>
+                          <a:ea typeface="Microsoft Sans Serif" panose="020B0604020202020204" pitchFamily="34" charset="0"/>
+                          <a:cs typeface="Microsoft Sans Serif" panose="020B0604020202020204" pitchFamily="34" charset="0"/>
+                        </a:rPr>
+                        <a:t>IST 707 Homework 5 – Time Traveler Seeks Madison</a:t>
+                      </a:r>
+                      <a:endParaRPr lang="en-US" sz="1600" u="none" dirty="0">
+                        <a:effectLst/>
+                        <a:latin typeface="Microsoft Sans Serif" panose="020B0604020202020204" pitchFamily="34" charset="0"/>
+                        <a:ea typeface="Microsoft Sans Serif" panose="020B0604020202020204" pitchFamily="34" charset="0"/>
+                        <a:cs typeface="Microsoft Sans Serif" panose="020B0604020202020204" pitchFamily="34" charset="0"/>
+                      </a:endParaRPr>
+                    </a:p>
+                  </a:txBody>
+                  <a:tcPr marL="118745" marR="118745" marT="0" marB="0">
+                    <a:lnL w="12700" cap="flat" cmpd="sng" algn="ctr">
+                      <a:solidFill>
+                        <a:schemeClr val="tx1"/>
+                      </a:solidFill>
+                      <a:prstDash val="solid"/>
+                      <a:round/>
+                      <a:headEnd type="none" w="med" len="med"/>
+                      <a:tailEnd type="none" w="med" len="med"/>
+                    </a:lnL>
+                    <a:lnR w="12700" cap="flat" cmpd="sng" algn="ctr">
+                      <a:solidFill>
+                        <a:schemeClr val="tx1"/>
+                      </a:solidFill>
+                      <a:prstDash val="solid"/>
+                      <a:round/>
+                      <a:headEnd type="none" w="med" len="med"/>
+                      <a:tailEnd type="none" w="med" len="med"/>
+                    </a:lnR>
+                    <a:lnT w="12700" cap="flat" cmpd="sng" algn="ctr">
+                      <a:solidFill>
+                        <a:schemeClr val="tx1"/>
+                      </a:solidFill>
+                      <a:prstDash val="solid"/>
+                      <a:round/>
+                      <a:headEnd type="none" w="med" len="med"/>
+                      <a:tailEnd type="none" w="med" len="med"/>
+                    </a:lnT>
+                    <a:lnB w="12700" cap="flat" cmpd="sng" algn="ctr">
+                      <a:solidFill>
+                        <a:schemeClr val="tx1"/>
+                      </a:solidFill>
+                      <a:prstDash val="solid"/>
+                      <a:round/>
+                      <a:headEnd type="none" w="med" len="med"/>
+                      <a:tailEnd type="none" w="med" len="med"/>
+                    </a:lnB>
+                    <a:solidFill>
+                      <a:schemeClr val="bg1"/>
+                    </a:solidFill>
+                  </a:tcPr>
+                </a:tc>
+                <a:extLst>
+                  <a:ext uri="{0D108BD9-81ED-4DB2-BD59-A6C34878D82A}">
+                    <a16:rowId xmlns:a16="http://schemas.microsoft.com/office/drawing/2014/main" val="56415965"/>
+                  </a:ext>
+                </a:extLst>
+              </a:tr>
+            </a:tbl>
+          </a:graphicData>
+        </a:graphic>
+      </p:graphicFrame>
+      <p:graphicFrame>
+        <p:nvGraphicFramePr>
+          <p:cNvPr id="5" name="Table 4">
+            <a:extLst>
+              <a:ext uri="{FF2B5EF4-FFF2-40B4-BE49-F238E27FC236}">
+                <a16:creationId xmlns:a16="http://schemas.microsoft.com/office/drawing/2014/main" id="{BFA353F1-3BE7-F9A4-233A-1231632D0C1E}"/>
+              </a:ext>
+            </a:extLst>
+          </p:cNvPr>
+          <p:cNvGraphicFramePr>
+            <a:graphicFrameLocks noGrp="1"/>
+          </p:cNvGraphicFramePr>
+          <p:nvPr/>
+        </p:nvGraphicFramePr>
+        <p:xfrm>
+          <a:off x="404246" y="401133"/>
+          <a:ext cx="10663557" cy="548640"/>
+        </p:xfrm>
+        <a:graphic>
+          <a:graphicData uri="http://schemas.openxmlformats.org/drawingml/2006/table">
+            <a:tbl>
+              <a:tblPr firstRow="1" firstCol="1" bandRow="1">
+                <a:effectLst>
+                  <a:outerShdw blurRad="63500" sx="102000" sy="102000" algn="ctr" rotWithShape="0">
+                    <a:prstClr val="black">
+                      <a:alpha val="40000"/>
+                    </a:prstClr>
+                  </a:outerShdw>
+                </a:effectLst>
+                <a:tableStyleId>{5C22544A-7EE6-4342-B048-85BDC9FD1C3A}</a:tableStyleId>
+              </a:tblPr>
+              <a:tblGrid>
+                <a:gridCol w="10663557">
+                  <a:extLst>
+                    <a:ext uri="{9D8B030D-6E8A-4147-A177-3AD203B41FA5}">
+                      <a16:colId xmlns:a16="http://schemas.microsoft.com/office/drawing/2014/main" val="693956170"/>
+                    </a:ext>
+                  </a:extLst>
+                </a:gridCol>
+              </a:tblGrid>
+              <a:tr h="0">
+                <a:tc>
+                  <a:txBody>
+                    <a:bodyPr/>
+                    <a:lstStyle/>
+                    <a:p>
+                      <a:pPr marL="0" marR="0" lvl="0" indent="0" algn="l" defTabSz="914400" rtl="0" eaLnBrk="1" fontAlgn="auto" latinLnBrk="0" hangingPunct="1">
+                        <a:lnSpc>
+                          <a:spcPct val="100000"/>
+                        </a:lnSpc>
+                        <a:spcBef>
+                          <a:spcPts val="0"/>
+                        </a:spcBef>
+                        <a:spcAft>
+                          <a:spcPts val="0"/>
+                        </a:spcAft>
+                        <a:buClrTx/>
+                        <a:buSzTx/>
+                        <a:buFontTx/>
+                        <a:buNone/>
+                        <a:tabLst/>
+                        <a:defRPr/>
+                      </a:pPr>
+                      <a:r>
+                        <a:rPr lang="en-US" sz="1800" kern="100" dirty="0">
+                          <a:effectLst/>
+                          <a:latin typeface="Microsoft Sans Serif" panose="020B0604020202020204" pitchFamily="34" charset="0"/>
+                          <a:ea typeface="Microsoft Sans Serif" panose="020B0604020202020204" pitchFamily="34" charset="0"/>
+                          <a:cs typeface="Microsoft Sans Serif" panose="020B0604020202020204" pitchFamily="34" charset="0"/>
+                        </a:rPr>
+                        <a:t>Apply visualization and predictive models to help generate actionable insight</a:t>
+                      </a:r>
+                      <a:endParaRPr lang="en-US" sz="1600" kern="100" dirty="0">
+                        <a:solidFill>
+                          <a:srgbClr val="000000"/>
+                        </a:solidFill>
+                        <a:effectLst/>
+                        <a:highlight>
+                          <a:srgbClr val="000080"/>
+                        </a:highlight>
+                        <a:latin typeface="Microsoft Sans Serif" panose="020B0604020202020204" pitchFamily="34" charset="0"/>
+                        <a:ea typeface="Microsoft Sans Serif" panose="020B0604020202020204" pitchFamily="34" charset="0"/>
+                        <a:cs typeface="Microsoft Sans Serif" panose="020B0604020202020204" pitchFamily="34" charset="0"/>
+                      </a:endParaRPr>
+                    </a:p>
+                  </a:txBody>
+                  <a:tcPr marL="73025" marR="73025" marT="137160" marB="137160">
+                    <a:solidFill>
+                      <a:srgbClr val="000080"/>
+                    </a:solidFill>
+                  </a:tcPr>
+                </a:tc>
+                <a:extLst>
+                  <a:ext uri="{0D108BD9-81ED-4DB2-BD59-A6C34878D82A}">
+                    <a16:rowId xmlns:a16="http://schemas.microsoft.com/office/drawing/2014/main" val="125314420"/>
+                  </a:ext>
+                </a:extLst>
+              </a:tr>
+            </a:tbl>
+          </a:graphicData>
+        </a:graphic>
+      </p:graphicFrame>
+      <p:pic>
+        <p:nvPicPr>
+          <p:cNvPr id="7" name="Picture 6">
+            <a:extLst>
+              <a:ext uri="{FF2B5EF4-FFF2-40B4-BE49-F238E27FC236}">
+                <a16:creationId xmlns:a16="http://schemas.microsoft.com/office/drawing/2014/main" id="{594BDAEE-3F71-B040-F8D2-CD4BFBF9A2B6}"/>
+              </a:ext>
+            </a:extLst>
+          </p:cNvPr>
+          <p:cNvPicPr>
+            <a:picLocks noChangeAspect="1"/>
+          </p:cNvPicPr>
+          <p:nvPr/>
+        </p:nvPicPr>
+        <p:blipFill>
+          <a:blip r:embed="rId3">
+            <a:extLst>
+              <a:ext uri="{28A0092B-C50C-407E-A947-70E740481C1C}">
+                <a14:useLocalDpi xmlns:a14="http://schemas.microsoft.com/office/drawing/2010/main" val="0"/>
+              </a:ext>
+            </a:extLst>
+          </a:blip>
+          <a:srcRect/>
+          <a:stretch/>
+        </p:blipFill>
+        <p:spPr>
+          <a:xfrm>
+            <a:off x="11075235" y="369931"/>
+            <a:ext cx="712519" cy="702483"/>
+          </a:xfrm>
+          <a:prstGeom prst="rect">
+            <a:avLst/>
+          </a:prstGeom>
+          <a:effectLst>
+            <a:outerShdw blurRad="63500" sx="105000" sy="105000" algn="ctr" rotWithShape="0">
+              <a:prstClr val="black"/>
+            </a:outerShdw>
+            <a:softEdge rad="25400"/>
+          </a:effectLst>
+        </p:spPr>
+      </p:pic>
+      <p:sp>
+        <p:nvSpPr>
+          <p:cNvPr id="9" name="TextBox 8">
+            <a:extLst>
+              <a:ext uri="{FF2B5EF4-FFF2-40B4-BE49-F238E27FC236}">
+                <a16:creationId xmlns:a16="http://schemas.microsoft.com/office/drawing/2014/main" id="{610E1E22-ECC9-260D-783D-BDDCBC3C2A48}"/>
+              </a:ext>
+            </a:extLst>
+          </p:cNvPr>
+          <p:cNvSpPr txBox="1"/>
+          <p:nvPr/>
+        </p:nvSpPr>
+        <p:spPr>
+          <a:xfrm>
+            <a:off x="4959459" y="6456866"/>
+            <a:ext cx="6975846" cy="369332"/>
+          </a:xfrm>
+          <a:prstGeom prst="rect">
+            <a:avLst/>
+          </a:prstGeom>
+          <a:noFill/>
+        </p:spPr>
+        <p:txBody>
+          <a:bodyPr wrap="square">
+            <a:spAutoFit/>
+          </a:bodyPr>
+          <a:lstStyle/>
+          <a:p>
+            <a:pPr marL="0" marR="0" algn="l">
+              <a:spcBef>
+                <a:spcPts val="0"/>
+              </a:spcBef>
+              <a:spcAft>
+                <a:spcPts val="0"/>
+              </a:spcAft>
+            </a:pPr>
+            <a:r>
+              <a:rPr lang="en-US" sz="1800" b="1" kern="100" dirty="0">
+                <a:solidFill>
+                  <a:schemeClr val="bg1"/>
+                </a:solidFill>
+                <a:effectLst/>
+                <a:highlight>
+                  <a:srgbClr val="000080"/>
+                </a:highlight>
+                <a:latin typeface="Microsoft Sans Serif" panose="020B0604020202020204" pitchFamily="34" charset="0"/>
+                <a:ea typeface="Microsoft Sans Serif" panose="020B0604020202020204" pitchFamily="34" charset="0"/>
+                <a:cs typeface="Microsoft Sans Serif" panose="020B0604020202020204" pitchFamily="34" charset="0"/>
+              </a:rPr>
+              <a:t>Josep</a:t>
+            </a:r>
+            <a:r>
+              <a:rPr lang="en-US" b="1" kern="100" dirty="0">
+                <a:solidFill>
+                  <a:schemeClr val="bg1"/>
+                </a:solidFill>
+                <a:highlight>
+                  <a:srgbClr val="000080"/>
+                </a:highlight>
+                <a:latin typeface="Microsoft Sans Serif" panose="020B0604020202020204" pitchFamily="34" charset="0"/>
+                <a:ea typeface="Microsoft Sans Serif" panose="020B0604020202020204" pitchFamily="34" charset="0"/>
+                <a:cs typeface="Microsoft Sans Serif" panose="020B0604020202020204" pitchFamily="34" charset="0"/>
+              </a:rPr>
+              <a:t>h R Maugeri IV - </a:t>
+            </a:r>
+            <a:r>
+              <a:rPr lang="en-US" sz="1800" b="1" kern="100" dirty="0">
+                <a:solidFill>
+                  <a:schemeClr val="bg1"/>
+                </a:solidFill>
+                <a:effectLst/>
+                <a:highlight>
+                  <a:srgbClr val="000080"/>
+                </a:highlight>
+                <a:latin typeface="Microsoft Sans Serif" panose="020B0604020202020204" pitchFamily="34" charset="0"/>
+                <a:ea typeface="Microsoft Sans Serif" panose="020B0604020202020204" pitchFamily="34" charset="0"/>
+                <a:cs typeface="Microsoft Sans Serif" panose="020B0604020202020204" pitchFamily="34" charset="0"/>
+              </a:rPr>
+              <a:t>IST 782 - Syracuse University ISchool, 2023 </a:t>
+            </a:r>
+            <a:endParaRPr lang="en-US" sz="1600" b="1" kern="100" dirty="0">
+              <a:solidFill>
+                <a:schemeClr val="bg1"/>
+              </a:solidFill>
+              <a:effectLst/>
+              <a:highlight>
+                <a:srgbClr val="000080"/>
+              </a:highlight>
+              <a:latin typeface="Microsoft Sans Serif" panose="020B0604020202020204" pitchFamily="34" charset="0"/>
+              <a:ea typeface="Microsoft Sans Serif" panose="020B0604020202020204" pitchFamily="34" charset="0"/>
+              <a:cs typeface="Microsoft Sans Serif" panose="020B0604020202020204" pitchFamily="34" charset="0"/>
+            </a:endParaRPr>
+          </a:p>
+        </p:txBody>
+      </p:sp>
+      <p:pic>
+        <p:nvPicPr>
+          <p:cNvPr id="3" name="Picture 2">
+            <a:extLst>
+              <a:ext uri="{FF2B5EF4-FFF2-40B4-BE49-F238E27FC236}">
+                <a16:creationId xmlns:a16="http://schemas.microsoft.com/office/drawing/2014/main" id="{F2AEA212-583B-3A50-D25F-0D567583C828}"/>
+              </a:ext>
+            </a:extLst>
+          </p:cNvPr>
+          <p:cNvPicPr>
+            <a:picLocks noChangeAspect="1"/>
+          </p:cNvPicPr>
+          <p:nvPr/>
+        </p:nvPicPr>
+        <p:blipFill>
+          <a:blip r:embed="rId4"/>
+          <a:stretch>
+            <a:fillRect/>
+          </a:stretch>
+        </p:blipFill>
+        <p:spPr>
+          <a:xfrm rot="20738716">
+            <a:off x="511650" y="2510959"/>
+            <a:ext cx="4895768" cy="3267381"/>
+          </a:xfrm>
+          <a:prstGeom prst="rect">
+            <a:avLst/>
+          </a:prstGeom>
+        </p:spPr>
+      </p:pic>
+      <p:pic>
+        <p:nvPicPr>
+          <p:cNvPr id="8" name="Picture 7">
+            <a:extLst>
+              <a:ext uri="{FF2B5EF4-FFF2-40B4-BE49-F238E27FC236}">
+                <a16:creationId xmlns:a16="http://schemas.microsoft.com/office/drawing/2014/main" id="{71477959-EC47-D796-7A0D-39C32C212B96}"/>
+              </a:ext>
+            </a:extLst>
+          </p:cNvPr>
+          <p:cNvPicPr>
+            <a:picLocks noChangeAspect="1"/>
+          </p:cNvPicPr>
+          <p:nvPr/>
+        </p:nvPicPr>
+        <p:blipFill>
+          <a:blip r:embed="rId5"/>
+          <a:stretch>
+            <a:fillRect/>
+          </a:stretch>
+        </p:blipFill>
+        <p:spPr>
+          <a:xfrm>
+            <a:off x="6675120" y="1765021"/>
+            <a:ext cx="4922520" cy="4594807"/>
+          </a:xfrm>
+          <a:prstGeom prst="rect">
+            <a:avLst/>
+          </a:prstGeom>
+        </p:spPr>
+      </p:pic>
+    </p:spTree>
+    <p:extLst>
+      <p:ext uri="{BB962C8B-B14F-4D97-AF65-F5344CB8AC3E}">
+        <p14:creationId xmlns:p14="http://schemas.microsoft.com/office/powerpoint/2010/main" val="1911366230"/>
+      </p:ext>
+    </p:extLst>
+  </p:cSld>
+  <p:clrMapOvr>
+    <a:masterClrMapping/>
+  </p:clrMapOvr>
+</p:sld>
+</file>
+
+<file path=ppt/slides/slide9.xml><?xml version="1.0" encoding="utf-8"?>
+<p:sld xmlns:a="http://schemas.openxmlformats.org/drawingml/2006/main" xmlns:r="http://schemas.openxmlformats.org/officeDocument/2006/relationships" xmlns:p="http://schemas.openxmlformats.org/presentationml/2006/main">
+  <p:cSld>
+    <p:bg>
+      <p:bgPr>
+        <a:pattFill prst="pct5">
+          <a:fgClr>
+            <a:schemeClr val="accent1"/>
+          </a:fgClr>
+          <a:bgClr>
+            <a:schemeClr val="bg1"/>
+          </a:bgClr>
+        </a:pattFill>
+        <a:effectLst/>
+      </p:bgPr>
+    </p:bg>
+    <p:spTree>
+      <p:nvGrpSpPr>
+        <p:cNvPr id="1" name=""/>
+        <p:cNvGrpSpPr/>
+        <p:nvPr/>
+      </p:nvGrpSpPr>
+      <p:grpSpPr>
+        <a:xfrm>
+          <a:off x="0" y="0"/>
+          <a:ext cx="0" cy="0"/>
+          <a:chOff x="0" y="0"/>
+          <a:chExt cx="0" cy="0"/>
+        </a:xfrm>
+      </p:grpSpPr>
+      <p:graphicFrame>
+        <p:nvGraphicFramePr>
+          <p:cNvPr id="4" name="Table 3">
+            <a:extLst>
+              <a:ext uri="{FF2B5EF4-FFF2-40B4-BE49-F238E27FC236}">
+                <a16:creationId xmlns:a16="http://schemas.microsoft.com/office/drawing/2014/main" id="{0B94DBE3-E38F-FF7F-4AE8-31848EEA4431}"/>
+              </a:ext>
+            </a:extLst>
+          </p:cNvPr>
+          <p:cNvGraphicFramePr>
+            <a:graphicFrameLocks noGrp="1"/>
+          </p:cNvGraphicFramePr>
+          <p:nvPr>
+            <p:extLst>
+              <p:ext uri="{D42A27DB-BD31-4B8C-83A1-F6EECF244321}">
+                <p14:modId xmlns:p14="http://schemas.microsoft.com/office/powerpoint/2010/main" val="302745774"/>
               </p:ext>
             </p:extLst>
           </p:nvPr>
@@ -6407,7 +12386,7 @@
                           <a:ea typeface="+mn-ea"/>
                           <a:cs typeface="+mn-cs"/>
                         </a:rPr>
-                        <a:t>Objective: This project aimed to explore the relationship between Elon Musk's Twitter activities and specific word choices he used, compared to the price indexes of cryptocurrencies and fiat currencies.</a:t>
+                        <a:t>This project aimed to explore the relationship between Elon Musk's Twitter activities and specific word choices he used, compared to the price indexes of cryptocurrencies and fiat currencies.</a:t>
                       </a:r>
                     </a:p>
                     <a:p>
@@ -6473,7 +12452,7 @@
                           <a:ea typeface="+mn-ea"/>
                           <a:cs typeface="+mn-cs"/>
                         </a:rPr>
-                        <a:t>Findings: Musk's most frequently used tokens revealed that he discussed various topics, including Tesla, SpaceX, and memes, which made analysis challenging. DOGE was mentioned 50 times, while Bitcoin was mentioned 27 times during the analyzed period.</a:t>
+                        <a:t>Results: Musk's most frequently used tokens revealed that he discussed various topics, including Tesla, SpaceX, and memes, which made analysis challenging. DOGE was mentioned 50 times, while Bitcoin was mentioned 27 times during the analyzed period.</a:t>
                       </a:r>
                     </a:p>
                     <a:p>
@@ -6501,7 +12480,7 @@
                           <a:ea typeface="+mn-ea"/>
                           <a:cs typeface="+mn-cs"/>
                         </a:rPr>
-                        <a:t>Insights: The study revealed that Musk's Twitter activities were similar to those of an ordinary user, with a mix of memes, self-promotion, and varied topics. His tweets did not consistently convey a clear message on specific subjects.</a:t>
+                        <a:t>Insights: The study revealed that Musk's Twitter activities were like those of an ordinary user, with a mix of memes, self-promotion, and varied topics. His tweets did not consistently convey a clear message on specific subjects.</a:t>
                       </a:r>
                     </a:p>
                   </a:txBody>
@@ -6805,1054 +12784,6 @@
     <p:extLst>
       <p:ext uri="{BB962C8B-B14F-4D97-AF65-F5344CB8AC3E}">
         <p14:creationId xmlns:p14="http://schemas.microsoft.com/office/powerpoint/2010/main" val="1780108302"/>
-      </p:ext>
-    </p:extLst>
-  </p:cSld>
-  <p:clrMapOvr>
-    <a:masterClrMapping/>
-  </p:clrMapOvr>
-</p:sld>
-</file>
-
-<file path=ppt/slides/slide7.xml><?xml version="1.0" encoding="utf-8"?>
-<p:sld xmlns:a="http://schemas.openxmlformats.org/drawingml/2006/main" xmlns:r="http://schemas.openxmlformats.org/officeDocument/2006/relationships" xmlns:p="http://schemas.openxmlformats.org/presentationml/2006/main">
-  <p:cSld>
-    <p:bg>
-      <p:bgPr>
-        <a:pattFill prst="pct5">
-          <a:fgClr>
-            <a:schemeClr val="accent1"/>
-          </a:fgClr>
-          <a:bgClr>
-            <a:schemeClr val="bg1"/>
-          </a:bgClr>
-        </a:pattFill>
-        <a:effectLst/>
-      </p:bgPr>
-    </p:bg>
-    <p:spTree>
-      <p:nvGrpSpPr>
-        <p:cNvPr id="1" name=""/>
-        <p:cNvGrpSpPr/>
-        <p:nvPr/>
-      </p:nvGrpSpPr>
-      <p:grpSpPr>
-        <a:xfrm>
-          <a:off x="0" y="0"/>
-          <a:ext cx="0" cy="0"/>
-          <a:chOff x="0" y="0"/>
-          <a:chExt cx="0" cy="0"/>
-        </a:xfrm>
-      </p:grpSpPr>
-      <p:graphicFrame>
-        <p:nvGraphicFramePr>
-          <p:cNvPr id="4" name="Table 3">
-            <a:extLst>
-              <a:ext uri="{FF2B5EF4-FFF2-40B4-BE49-F238E27FC236}">
-                <a16:creationId xmlns:a16="http://schemas.microsoft.com/office/drawing/2014/main" id="{0B94DBE3-E38F-FF7F-4AE8-31848EEA4431}"/>
-              </a:ext>
-            </a:extLst>
-          </p:cNvPr>
-          <p:cNvGraphicFramePr>
-            <a:graphicFrameLocks noGrp="1"/>
-          </p:cNvGraphicFramePr>
-          <p:nvPr>
-            <p:extLst>
-              <p:ext uri="{D42A27DB-BD31-4B8C-83A1-F6EECF244321}">
-                <p14:modId xmlns:p14="http://schemas.microsoft.com/office/powerpoint/2010/main" val="475569679"/>
-              </p:ext>
-            </p:extLst>
-          </p:nvPr>
-        </p:nvGraphicFramePr>
-        <p:xfrm>
-          <a:off x="404246" y="1172730"/>
-          <a:ext cx="11383508" cy="5406777"/>
-        </p:xfrm>
-        <a:graphic>
-          <a:graphicData uri="http://schemas.openxmlformats.org/drawingml/2006/table">
-            <a:tbl>
-              <a:tblPr>
-                <a:effectLst>
-                  <a:outerShdw blurRad="50800" dist="50800" dir="5400000" sx="101000" sy="101000" algn="ctr" rotWithShape="0">
-                    <a:srgbClr val="000000">
-                      <a:alpha val="59000"/>
-                    </a:srgbClr>
-                  </a:outerShdw>
-                </a:effectLst>
-                <a:tableStyleId>{5C22544A-7EE6-4342-B048-85BDC9FD1C3A}</a:tableStyleId>
-              </a:tblPr>
-              <a:tblGrid>
-                <a:gridCol w="11383508">
-                  <a:extLst>
-                    <a:ext uri="{9D8B030D-6E8A-4147-A177-3AD203B41FA5}">
-                      <a16:colId xmlns:a16="http://schemas.microsoft.com/office/drawing/2014/main" val="2599995568"/>
-                    </a:ext>
-                  </a:extLst>
-                </a:gridCol>
-              </a:tblGrid>
-              <a:tr h="5406777">
-                <a:tc>
-                  <a:txBody>
-                    <a:bodyPr/>
-                    <a:lstStyle/>
-                    <a:p>
-                      <a:r>
-                        <a:rPr lang="en-US" sz="1800" b="1" u="none" kern="1200" dirty="0">
-                          <a:solidFill>
-                            <a:schemeClr val="dk1"/>
-                          </a:solidFill>
-                          <a:effectLst/>
-                          <a:latin typeface="Microsoft Sans Serif" panose="020B0604020202020204" pitchFamily="34" charset="0"/>
-                          <a:ea typeface="Microsoft Sans Serif" panose="020B0604020202020204" pitchFamily="34" charset="0"/>
-                          <a:cs typeface="Microsoft Sans Serif" panose="020B0604020202020204" pitchFamily="34" charset="0"/>
-                        </a:rPr>
-                        <a:t>IST 719 Information Visualization Final Project – Top 20 Hazardous Spills in New York</a:t>
-                      </a:r>
-                    </a:p>
-                    <a:p>
-                      <a:r>
-                        <a:rPr lang="en-US" sz="1600" b="0" i="0" u="none" kern="1200" dirty="0">
-                          <a:solidFill>
-                            <a:schemeClr val="dk1"/>
-                          </a:solidFill>
-                          <a:effectLst/>
-                          <a:latin typeface="Microsoft Sans Serif" panose="020B0604020202020204" pitchFamily="34" charset="0"/>
-                          <a:ea typeface="Microsoft Sans Serif" panose="020B0604020202020204" pitchFamily="34" charset="0"/>
-                          <a:cs typeface="Microsoft Sans Serif" panose="020B0604020202020204" pitchFamily="34" charset="0"/>
-                        </a:rPr>
-                        <a:t>This project focused on using NY’s open data on hazardous material spills to generate time series analyses</a:t>
-                      </a:r>
-                    </a:p>
-                    <a:p>
-                      <a:r>
-                        <a:rPr lang="en-US" sz="1600" b="0" i="0" u="none" kern="1200" dirty="0">
-                          <a:solidFill>
-                            <a:schemeClr val="dk1"/>
-                          </a:solidFill>
-                          <a:effectLst/>
-                          <a:latin typeface="Microsoft Sans Serif" panose="020B0604020202020204" pitchFamily="34" charset="0"/>
-                          <a:ea typeface="Microsoft Sans Serif" panose="020B0604020202020204" pitchFamily="34" charset="0"/>
-                          <a:cs typeface="Microsoft Sans Serif" panose="020B0604020202020204" pitchFamily="34" charset="0"/>
-                        </a:rPr>
-                        <a:t>Using R and several packages such as seaborn, </a:t>
-                      </a:r>
-                      <a:r>
-                        <a:rPr lang="en-US" sz="1600" b="0" i="0" u="none" kern="1200" dirty="0" err="1">
-                          <a:solidFill>
-                            <a:schemeClr val="dk1"/>
-                          </a:solidFill>
-                          <a:effectLst/>
-                          <a:latin typeface="Microsoft Sans Serif" panose="020B0604020202020204" pitchFamily="34" charset="0"/>
-                          <a:ea typeface="Microsoft Sans Serif" panose="020B0604020202020204" pitchFamily="34" charset="0"/>
-                          <a:cs typeface="Microsoft Sans Serif" panose="020B0604020202020204" pitchFamily="34" charset="0"/>
-                        </a:rPr>
-                        <a:t>dplyr</a:t>
-                      </a:r>
-                      <a:r>
-                        <a:rPr lang="en-US" sz="1600" b="0" i="0" u="none" kern="1200" dirty="0">
-                          <a:solidFill>
-                            <a:schemeClr val="dk1"/>
-                          </a:solidFill>
-                          <a:effectLst/>
-                          <a:latin typeface="Microsoft Sans Serif" panose="020B0604020202020204" pitchFamily="34" charset="0"/>
-                          <a:ea typeface="Microsoft Sans Serif" panose="020B0604020202020204" pitchFamily="34" charset="0"/>
-                          <a:cs typeface="Microsoft Sans Serif" panose="020B0604020202020204" pitchFamily="34" charset="0"/>
-                        </a:rPr>
-                        <a:t>, </a:t>
-                      </a:r>
-                      <a:r>
-                        <a:rPr lang="en-US" sz="1600" b="0" i="0" u="none" kern="1200" dirty="0" err="1">
-                          <a:solidFill>
-                            <a:schemeClr val="dk1"/>
-                          </a:solidFill>
-                          <a:effectLst/>
-                          <a:latin typeface="Microsoft Sans Serif" panose="020B0604020202020204" pitchFamily="34" charset="0"/>
-                          <a:ea typeface="Microsoft Sans Serif" panose="020B0604020202020204" pitchFamily="34" charset="0"/>
-                          <a:cs typeface="Microsoft Sans Serif" panose="020B0604020202020204" pitchFamily="34" charset="0"/>
-                        </a:rPr>
-                        <a:t>plotrix</a:t>
-                      </a:r>
-                      <a:r>
-                        <a:rPr lang="en-US" sz="1600" b="0" i="0" u="none" kern="1200" dirty="0">
-                          <a:solidFill>
-                            <a:schemeClr val="dk1"/>
-                          </a:solidFill>
-                          <a:effectLst/>
-                          <a:latin typeface="Microsoft Sans Serif" panose="020B0604020202020204" pitchFamily="34" charset="0"/>
-                          <a:ea typeface="Microsoft Sans Serif" panose="020B0604020202020204" pitchFamily="34" charset="0"/>
-                          <a:cs typeface="Microsoft Sans Serif" panose="020B0604020202020204" pitchFamily="34" charset="0"/>
-                        </a:rPr>
-                        <a:t>, </a:t>
-                      </a:r>
-                      <a:r>
-                        <a:rPr lang="en-US" sz="1600" b="0" i="0" u="none" kern="1200" dirty="0" err="1">
-                          <a:solidFill>
-                            <a:schemeClr val="dk1"/>
-                          </a:solidFill>
-                          <a:effectLst/>
-                          <a:latin typeface="Microsoft Sans Serif" panose="020B0604020202020204" pitchFamily="34" charset="0"/>
-                          <a:ea typeface="Microsoft Sans Serif" panose="020B0604020202020204" pitchFamily="34" charset="0"/>
-                          <a:cs typeface="Microsoft Sans Serif" panose="020B0604020202020204" pitchFamily="34" charset="0"/>
-                        </a:rPr>
-                        <a:t>ggplot</a:t>
-                      </a:r>
-                      <a:r>
-                        <a:rPr lang="en-US" sz="1600" b="0" i="0" u="none" kern="1200" dirty="0">
-                          <a:solidFill>
-                            <a:schemeClr val="dk1"/>
-                          </a:solidFill>
-                          <a:effectLst/>
-                          <a:latin typeface="Microsoft Sans Serif" panose="020B0604020202020204" pitchFamily="34" charset="0"/>
-                          <a:ea typeface="Microsoft Sans Serif" panose="020B0604020202020204" pitchFamily="34" charset="0"/>
-                          <a:cs typeface="Microsoft Sans Serif" panose="020B0604020202020204" pitchFamily="34" charset="0"/>
-                        </a:rPr>
-                        <a:t> and lattice, we present critical information on hazardous </a:t>
-                      </a:r>
-                      <a:r>
-                        <a:rPr lang="en-US" sz="1600" b="0" i="0" u="none" kern="1200">
-                          <a:solidFill>
-                            <a:schemeClr val="dk1"/>
-                          </a:solidFill>
-                          <a:effectLst/>
-                          <a:latin typeface="Microsoft Sans Serif" panose="020B0604020202020204" pitchFamily="34" charset="0"/>
-                          <a:ea typeface="Microsoft Sans Serif" panose="020B0604020202020204" pitchFamily="34" charset="0"/>
-                          <a:cs typeface="Microsoft Sans Serif" panose="020B0604020202020204" pitchFamily="34" charset="0"/>
-                        </a:rPr>
-                        <a:t>liquid spills. </a:t>
-                      </a:r>
-                      <a:endParaRPr lang="en-US" sz="1600" b="0" i="0" kern="1200" dirty="0">
-                        <a:solidFill>
-                          <a:schemeClr val="dk1"/>
-                        </a:solidFill>
-                        <a:effectLst/>
-                        <a:latin typeface="+mn-lt"/>
-                        <a:ea typeface="+mn-ea"/>
-                        <a:cs typeface="+mn-cs"/>
-                      </a:endParaRPr>
-                    </a:p>
-                  </a:txBody>
-                  <a:tcPr marL="118745" marR="118745" marT="0" marB="0">
-                    <a:lnL w="12700" cap="flat" cmpd="sng" algn="ctr">
-                      <a:solidFill>
-                        <a:schemeClr val="tx1"/>
-                      </a:solidFill>
-                      <a:prstDash val="solid"/>
-                      <a:round/>
-                      <a:headEnd type="none" w="med" len="med"/>
-                      <a:tailEnd type="none" w="med" len="med"/>
-                    </a:lnL>
-                    <a:lnR w="12700" cap="flat" cmpd="sng" algn="ctr">
-                      <a:solidFill>
-                        <a:schemeClr val="tx1"/>
-                      </a:solidFill>
-                      <a:prstDash val="solid"/>
-                      <a:round/>
-                      <a:headEnd type="none" w="med" len="med"/>
-                      <a:tailEnd type="none" w="med" len="med"/>
-                    </a:lnR>
-                    <a:lnT w="12700" cap="flat" cmpd="sng" algn="ctr">
-                      <a:solidFill>
-                        <a:schemeClr val="tx1"/>
-                      </a:solidFill>
-                      <a:prstDash val="solid"/>
-                      <a:round/>
-                      <a:headEnd type="none" w="med" len="med"/>
-                      <a:tailEnd type="none" w="med" len="med"/>
-                    </a:lnT>
-                    <a:lnB w="12700" cap="flat" cmpd="sng" algn="ctr">
-                      <a:solidFill>
-                        <a:schemeClr val="tx1"/>
-                      </a:solidFill>
-                      <a:prstDash val="solid"/>
-                      <a:round/>
-                      <a:headEnd type="none" w="med" len="med"/>
-                      <a:tailEnd type="none" w="med" len="med"/>
-                    </a:lnB>
-                    <a:solidFill>
-                      <a:schemeClr val="bg1"/>
-                    </a:solidFill>
-                  </a:tcPr>
-                </a:tc>
-                <a:extLst>
-                  <a:ext uri="{0D108BD9-81ED-4DB2-BD59-A6C34878D82A}">
-                    <a16:rowId xmlns:a16="http://schemas.microsoft.com/office/drawing/2014/main" val="56415965"/>
-                  </a:ext>
-                </a:extLst>
-              </a:tr>
-            </a:tbl>
-          </a:graphicData>
-        </a:graphic>
-      </p:graphicFrame>
-      <p:graphicFrame>
-        <p:nvGraphicFramePr>
-          <p:cNvPr id="5" name="Table 4">
-            <a:extLst>
-              <a:ext uri="{FF2B5EF4-FFF2-40B4-BE49-F238E27FC236}">
-                <a16:creationId xmlns:a16="http://schemas.microsoft.com/office/drawing/2014/main" id="{BFA353F1-3BE7-F9A4-233A-1231632D0C1E}"/>
-              </a:ext>
-            </a:extLst>
-          </p:cNvPr>
-          <p:cNvGraphicFramePr>
-            <a:graphicFrameLocks noGrp="1"/>
-          </p:cNvGraphicFramePr>
-          <p:nvPr>
-            <p:extLst>
-              <p:ext uri="{D42A27DB-BD31-4B8C-83A1-F6EECF244321}">
-                <p14:modId xmlns:p14="http://schemas.microsoft.com/office/powerpoint/2010/main" val="3480793492"/>
-              </p:ext>
-            </p:extLst>
-          </p:nvPr>
-        </p:nvGraphicFramePr>
-        <p:xfrm>
-          <a:off x="404246" y="401133"/>
-          <a:ext cx="10663557" cy="548640"/>
-        </p:xfrm>
-        <a:graphic>
-          <a:graphicData uri="http://schemas.openxmlformats.org/drawingml/2006/table">
-            <a:tbl>
-              <a:tblPr firstRow="1" firstCol="1" bandRow="1">
-                <a:effectLst>
-                  <a:outerShdw blurRad="63500" sx="102000" sy="102000" algn="ctr" rotWithShape="0">
-                    <a:prstClr val="black">
-                      <a:alpha val="40000"/>
-                    </a:prstClr>
-                  </a:outerShdw>
-                </a:effectLst>
-                <a:tableStyleId>{5C22544A-7EE6-4342-B048-85BDC9FD1C3A}</a:tableStyleId>
-              </a:tblPr>
-              <a:tblGrid>
-                <a:gridCol w="10663557">
-                  <a:extLst>
-                    <a:ext uri="{9D8B030D-6E8A-4147-A177-3AD203B41FA5}">
-                      <a16:colId xmlns:a16="http://schemas.microsoft.com/office/drawing/2014/main" val="693956170"/>
-                    </a:ext>
-                  </a:extLst>
-                </a:gridCol>
-              </a:tblGrid>
-              <a:tr h="0">
-                <a:tc>
-                  <a:txBody>
-                    <a:bodyPr/>
-                    <a:lstStyle/>
-                    <a:p>
-                      <a:pPr marL="0" marR="0" lvl="0" indent="0" algn="l" defTabSz="914400" rtl="0" eaLnBrk="1" fontAlgn="auto" latinLnBrk="0" hangingPunct="1">
-                        <a:lnSpc>
-                          <a:spcPct val="100000"/>
-                        </a:lnSpc>
-                        <a:spcBef>
-                          <a:spcPts val="0"/>
-                        </a:spcBef>
-                        <a:spcAft>
-                          <a:spcPts val="0"/>
-                        </a:spcAft>
-                        <a:buClrTx/>
-                        <a:buSzTx/>
-                        <a:buFontTx/>
-                        <a:buNone/>
-                        <a:tabLst/>
-                        <a:defRPr/>
-                      </a:pPr>
-                      <a:r>
-                        <a:rPr lang="en-US" sz="1800" kern="100" dirty="0">
-                          <a:effectLst/>
-                          <a:latin typeface="Microsoft Sans Serif" panose="020B0604020202020204" pitchFamily="34" charset="0"/>
-                          <a:ea typeface="Microsoft Sans Serif" panose="020B0604020202020204" pitchFamily="34" charset="0"/>
-                          <a:cs typeface="Microsoft Sans Serif" panose="020B0604020202020204" pitchFamily="34" charset="0"/>
-                        </a:rPr>
-                        <a:t>Communicate insights gained via visualization and analytics to a broad range of audiences</a:t>
-                      </a:r>
-                      <a:endParaRPr lang="en-US" sz="1600" kern="100" dirty="0">
-                        <a:solidFill>
-                          <a:srgbClr val="000000"/>
-                        </a:solidFill>
-                        <a:effectLst/>
-                        <a:highlight>
-                          <a:srgbClr val="000080"/>
-                        </a:highlight>
-                        <a:latin typeface="Microsoft Sans Serif" panose="020B0604020202020204" pitchFamily="34" charset="0"/>
-                        <a:ea typeface="Microsoft Sans Serif" panose="020B0604020202020204" pitchFamily="34" charset="0"/>
-                        <a:cs typeface="Microsoft Sans Serif" panose="020B0604020202020204" pitchFamily="34" charset="0"/>
-                      </a:endParaRPr>
-                    </a:p>
-                  </a:txBody>
-                  <a:tcPr marL="73025" marR="73025" marT="137160" marB="137160">
-                    <a:solidFill>
-                      <a:srgbClr val="000080"/>
-                    </a:solidFill>
-                  </a:tcPr>
-                </a:tc>
-                <a:extLst>
-                  <a:ext uri="{0D108BD9-81ED-4DB2-BD59-A6C34878D82A}">
-                    <a16:rowId xmlns:a16="http://schemas.microsoft.com/office/drawing/2014/main" val="125314420"/>
-                  </a:ext>
-                </a:extLst>
-              </a:tr>
-            </a:tbl>
-          </a:graphicData>
-        </a:graphic>
-      </p:graphicFrame>
-      <p:pic>
-        <p:nvPicPr>
-          <p:cNvPr id="7" name="Picture 6">
-            <a:extLst>
-              <a:ext uri="{FF2B5EF4-FFF2-40B4-BE49-F238E27FC236}">
-                <a16:creationId xmlns:a16="http://schemas.microsoft.com/office/drawing/2014/main" id="{594BDAEE-3F71-B040-F8D2-CD4BFBF9A2B6}"/>
-              </a:ext>
-            </a:extLst>
-          </p:cNvPr>
-          <p:cNvPicPr>
-            <a:picLocks noChangeAspect="1"/>
-          </p:cNvPicPr>
-          <p:nvPr/>
-        </p:nvPicPr>
-        <p:blipFill>
-          <a:blip r:embed="rId2">
-            <a:extLst>
-              <a:ext uri="{28A0092B-C50C-407E-A947-70E740481C1C}">
-                <a14:useLocalDpi xmlns:a14="http://schemas.microsoft.com/office/drawing/2010/main" val="0"/>
-              </a:ext>
-            </a:extLst>
-          </a:blip>
-          <a:srcRect/>
-          <a:stretch/>
-        </p:blipFill>
-        <p:spPr>
-          <a:xfrm>
-            <a:off x="11075235" y="369931"/>
-            <a:ext cx="712519" cy="702483"/>
-          </a:xfrm>
-          <a:prstGeom prst="rect">
-            <a:avLst/>
-          </a:prstGeom>
-          <a:effectLst>
-            <a:outerShdw blurRad="63500" sx="105000" sy="105000" algn="ctr" rotWithShape="0">
-              <a:prstClr val="black"/>
-            </a:outerShdw>
-            <a:softEdge rad="25400"/>
-          </a:effectLst>
-        </p:spPr>
-      </p:pic>
-      <p:sp>
-        <p:nvSpPr>
-          <p:cNvPr id="9" name="TextBox 8">
-            <a:extLst>
-              <a:ext uri="{FF2B5EF4-FFF2-40B4-BE49-F238E27FC236}">
-                <a16:creationId xmlns:a16="http://schemas.microsoft.com/office/drawing/2014/main" id="{610E1E22-ECC9-260D-783D-BDDCBC3C2A48}"/>
-              </a:ext>
-            </a:extLst>
-          </p:cNvPr>
-          <p:cNvSpPr txBox="1"/>
-          <p:nvPr/>
-        </p:nvSpPr>
-        <p:spPr>
-          <a:xfrm>
-            <a:off x="4959459" y="6456866"/>
-            <a:ext cx="6975846" cy="369332"/>
-          </a:xfrm>
-          <a:prstGeom prst="rect">
-            <a:avLst/>
-          </a:prstGeom>
-          <a:noFill/>
-        </p:spPr>
-        <p:txBody>
-          <a:bodyPr wrap="square">
-            <a:spAutoFit/>
-          </a:bodyPr>
-          <a:lstStyle/>
-          <a:p>
-            <a:pPr marL="0" marR="0" algn="l">
-              <a:spcBef>
-                <a:spcPts val="0"/>
-              </a:spcBef>
-              <a:spcAft>
-                <a:spcPts val="0"/>
-              </a:spcAft>
-            </a:pPr>
-            <a:r>
-              <a:rPr lang="en-US" sz="1800" b="1" kern="100" dirty="0">
-                <a:solidFill>
-                  <a:schemeClr val="bg1"/>
-                </a:solidFill>
-                <a:effectLst/>
-                <a:highlight>
-                  <a:srgbClr val="000080"/>
-                </a:highlight>
-                <a:latin typeface="Microsoft Sans Serif" panose="020B0604020202020204" pitchFamily="34" charset="0"/>
-                <a:ea typeface="Microsoft Sans Serif" panose="020B0604020202020204" pitchFamily="34" charset="0"/>
-                <a:cs typeface="Microsoft Sans Serif" panose="020B0604020202020204" pitchFamily="34" charset="0"/>
-              </a:rPr>
-              <a:t>Josep</a:t>
-            </a:r>
-            <a:r>
-              <a:rPr lang="en-US" b="1" kern="100" dirty="0">
-                <a:solidFill>
-                  <a:schemeClr val="bg1"/>
-                </a:solidFill>
-                <a:highlight>
-                  <a:srgbClr val="000080"/>
-                </a:highlight>
-                <a:latin typeface="Microsoft Sans Serif" panose="020B0604020202020204" pitchFamily="34" charset="0"/>
-                <a:ea typeface="Microsoft Sans Serif" panose="020B0604020202020204" pitchFamily="34" charset="0"/>
-                <a:cs typeface="Microsoft Sans Serif" panose="020B0604020202020204" pitchFamily="34" charset="0"/>
-              </a:rPr>
-              <a:t>h R Maugeri IV - </a:t>
-            </a:r>
-            <a:r>
-              <a:rPr lang="en-US" sz="1800" b="1" kern="100" dirty="0">
-                <a:solidFill>
-                  <a:schemeClr val="bg1"/>
-                </a:solidFill>
-                <a:effectLst/>
-                <a:highlight>
-                  <a:srgbClr val="000080"/>
-                </a:highlight>
-                <a:latin typeface="Microsoft Sans Serif" panose="020B0604020202020204" pitchFamily="34" charset="0"/>
-                <a:ea typeface="Microsoft Sans Serif" panose="020B0604020202020204" pitchFamily="34" charset="0"/>
-                <a:cs typeface="Microsoft Sans Serif" panose="020B0604020202020204" pitchFamily="34" charset="0"/>
-              </a:rPr>
-              <a:t>IST 782 - Syracuse University ISchool, 2023 </a:t>
-            </a:r>
-            <a:endParaRPr lang="en-US" sz="1600" b="1" kern="100" dirty="0">
-              <a:solidFill>
-                <a:schemeClr val="bg1"/>
-              </a:solidFill>
-              <a:effectLst/>
-              <a:highlight>
-                <a:srgbClr val="000080"/>
-              </a:highlight>
-              <a:latin typeface="Microsoft Sans Serif" panose="020B0604020202020204" pitchFamily="34" charset="0"/>
-              <a:ea typeface="Microsoft Sans Serif" panose="020B0604020202020204" pitchFamily="34" charset="0"/>
-              <a:cs typeface="Microsoft Sans Serif" panose="020B0604020202020204" pitchFamily="34" charset="0"/>
-            </a:endParaRPr>
-          </a:p>
-        </p:txBody>
-      </p:sp>
-    </p:spTree>
-    <p:extLst>
-      <p:ext uri="{BB962C8B-B14F-4D97-AF65-F5344CB8AC3E}">
-        <p14:creationId xmlns:p14="http://schemas.microsoft.com/office/powerpoint/2010/main" val="3572830359"/>
-      </p:ext>
-    </p:extLst>
-  </p:cSld>
-  <p:clrMapOvr>
-    <a:masterClrMapping/>
-  </p:clrMapOvr>
-</p:sld>
-</file>
-
-<file path=ppt/slides/slide8.xml><?xml version="1.0" encoding="utf-8"?>
-<p:sld xmlns:a="http://schemas.openxmlformats.org/drawingml/2006/main" xmlns:r="http://schemas.openxmlformats.org/officeDocument/2006/relationships" xmlns:p="http://schemas.openxmlformats.org/presentationml/2006/main">
-  <p:cSld>
-    <p:bg>
-      <p:bgPr>
-        <a:pattFill prst="pct5">
-          <a:fgClr>
-            <a:schemeClr val="accent1"/>
-          </a:fgClr>
-          <a:bgClr>
-            <a:schemeClr val="bg1"/>
-          </a:bgClr>
-        </a:pattFill>
-        <a:effectLst/>
-      </p:bgPr>
-    </p:bg>
-    <p:spTree>
-      <p:nvGrpSpPr>
-        <p:cNvPr id="1" name=""/>
-        <p:cNvGrpSpPr/>
-        <p:nvPr/>
-      </p:nvGrpSpPr>
-      <p:grpSpPr>
-        <a:xfrm>
-          <a:off x="0" y="0"/>
-          <a:ext cx="0" cy="0"/>
-          <a:chOff x="0" y="0"/>
-          <a:chExt cx="0" cy="0"/>
-        </a:xfrm>
-      </p:grpSpPr>
-      <p:graphicFrame>
-        <p:nvGraphicFramePr>
-          <p:cNvPr id="4" name="Table 3">
-            <a:extLst>
-              <a:ext uri="{FF2B5EF4-FFF2-40B4-BE49-F238E27FC236}">
-                <a16:creationId xmlns:a16="http://schemas.microsoft.com/office/drawing/2014/main" id="{0B94DBE3-E38F-FF7F-4AE8-31848EEA4431}"/>
-              </a:ext>
-            </a:extLst>
-          </p:cNvPr>
-          <p:cNvGraphicFramePr>
-            <a:graphicFrameLocks noGrp="1"/>
-          </p:cNvGraphicFramePr>
-          <p:nvPr>
-            <p:extLst>
-              <p:ext uri="{D42A27DB-BD31-4B8C-83A1-F6EECF244321}">
-                <p14:modId xmlns:p14="http://schemas.microsoft.com/office/powerpoint/2010/main" val="4290601363"/>
-              </p:ext>
-            </p:extLst>
-          </p:nvPr>
-        </p:nvGraphicFramePr>
-        <p:xfrm>
-          <a:off x="404246" y="1172730"/>
-          <a:ext cx="11383508" cy="5406777"/>
-        </p:xfrm>
-        <a:graphic>
-          <a:graphicData uri="http://schemas.openxmlformats.org/drawingml/2006/table">
-            <a:tbl>
-              <a:tblPr>
-                <a:effectLst>
-                  <a:outerShdw blurRad="50800" dist="50800" dir="5400000" sx="101000" sy="101000" algn="ctr" rotWithShape="0">
-                    <a:srgbClr val="000000">
-                      <a:alpha val="59000"/>
-                    </a:srgbClr>
-                  </a:outerShdw>
-                </a:effectLst>
-                <a:tableStyleId>{5C22544A-7EE6-4342-B048-85BDC9FD1C3A}</a:tableStyleId>
-              </a:tblPr>
-              <a:tblGrid>
-                <a:gridCol w="11383508">
-                  <a:extLst>
-                    <a:ext uri="{9D8B030D-6E8A-4147-A177-3AD203B41FA5}">
-                      <a16:colId xmlns:a16="http://schemas.microsoft.com/office/drawing/2014/main" val="2599995568"/>
-                    </a:ext>
-                  </a:extLst>
-                </a:gridCol>
-              </a:tblGrid>
-              <a:tr h="5406777">
-                <a:tc>
-                  <a:txBody>
-                    <a:bodyPr/>
-                    <a:lstStyle/>
-                    <a:p>
-                      <a:r>
-                        <a:rPr lang="en-US" sz="1800" b="1" u="none" kern="1200" dirty="0">
-                          <a:solidFill>
-                            <a:schemeClr val="dk1"/>
-                          </a:solidFill>
-                          <a:effectLst/>
-                          <a:latin typeface="Microsoft Sans Serif" panose="020B0604020202020204" pitchFamily="34" charset="0"/>
-                          <a:ea typeface="Microsoft Sans Serif" panose="020B0604020202020204" pitchFamily="34" charset="0"/>
-                          <a:cs typeface="Microsoft Sans Serif" panose="020B0604020202020204" pitchFamily="34" charset="0"/>
-                        </a:rPr>
-                        <a:t>IST 623 Information Security Final Project</a:t>
-                      </a:r>
-                      <a:br>
-                        <a:rPr lang="en-US" sz="1800" u="sng" kern="1200" dirty="0">
-                          <a:solidFill>
-                            <a:schemeClr val="dk1"/>
-                          </a:solidFill>
-                          <a:effectLst/>
-                          <a:latin typeface="+mn-lt"/>
-                          <a:ea typeface="+mn-ea"/>
-                          <a:cs typeface="+mn-cs"/>
-                        </a:rPr>
-                      </a:br>
-                      <a:r>
-                        <a:rPr lang="en-US" sz="1800" b="0" i="0" kern="1200" dirty="0">
-                          <a:solidFill>
-                            <a:schemeClr val="dk1"/>
-                          </a:solidFill>
-                          <a:effectLst/>
-                          <a:latin typeface="+mn-lt"/>
-                          <a:ea typeface="+mn-ea"/>
-                          <a:cs typeface="+mn-cs"/>
-                        </a:rPr>
-                        <a:t>Objective: This project aimed to explore the relationship between Elon Musk's Twitter activities and specific word choices he used, compared to the price indexes of cryptocurrencies and fiat currencies.</a:t>
-                      </a:r>
-                    </a:p>
-                    <a:p>
-                      <a:r>
-                        <a:rPr lang="en-US" sz="1800" b="0" i="0" kern="1200" dirty="0">
-                          <a:solidFill>
-                            <a:schemeClr val="dk1"/>
-                          </a:solidFill>
-                          <a:effectLst/>
-                          <a:latin typeface="+mn-lt"/>
-                          <a:ea typeface="+mn-ea"/>
-                          <a:cs typeface="+mn-cs"/>
-                        </a:rPr>
-                        <a:t>Data Collection: Twitter data of user @ElonMusk was accessed using the </a:t>
-                      </a:r>
-                      <a:r>
-                        <a:rPr lang="en-US" sz="1800" b="0" i="0" kern="1200" dirty="0" err="1">
-                          <a:solidFill>
-                            <a:schemeClr val="dk1"/>
-                          </a:solidFill>
-                          <a:effectLst/>
-                          <a:latin typeface="+mn-lt"/>
-                          <a:ea typeface="+mn-ea"/>
-                          <a:cs typeface="+mn-cs"/>
-                        </a:rPr>
-                        <a:t>TwitterScraper</a:t>
-                      </a:r>
-                      <a:r>
-                        <a:rPr lang="en-US" sz="1800" b="0" i="0" kern="1200" dirty="0">
-                          <a:solidFill>
-                            <a:schemeClr val="dk1"/>
-                          </a:solidFill>
-                          <a:effectLst/>
-                          <a:latin typeface="+mn-lt"/>
-                          <a:ea typeface="+mn-ea"/>
-                          <a:cs typeface="+mn-cs"/>
-                        </a:rPr>
-                        <a:t> from snscrape. All tweets from 2020 and 2021 were extracted and tokenized to investigate references to cryptocurrencies like ETH, BTC, and DOGE. Market indexes for these coins were obtained from Yahoo Finance.</a:t>
-                      </a:r>
-                    </a:p>
-                    <a:p>
-                      <a:r>
-                        <a:rPr lang="en-US" sz="1800" b="0" i="0" kern="1200" dirty="0">
-                          <a:solidFill>
-                            <a:schemeClr val="dk1"/>
-                          </a:solidFill>
-                          <a:effectLst/>
-                          <a:latin typeface="+mn-lt"/>
-                          <a:ea typeface="+mn-ea"/>
-                          <a:cs typeface="+mn-cs"/>
-                        </a:rPr>
-                        <a:t>Analysis Approach: The project sought to determine if Musk's tweets about cryptocurrencies influenced their volatility or price movements. However, no significant relationships or associations were found between Musk's tweets and market data.</a:t>
-                      </a:r>
-                    </a:p>
-                    <a:p>
-                      <a:r>
-                        <a:rPr lang="en-US" sz="1800" b="0" i="0" kern="1200" dirty="0">
-                          <a:solidFill>
-                            <a:schemeClr val="dk1"/>
-                          </a:solidFill>
-                          <a:effectLst/>
-                          <a:latin typeface="+mn-lt"/>
-                          <a:ea typeface="+mn-ea"/>
-                          <a:cs typeface="+mn-cs"/>
-                        </a:rPr>
-                        <a:t>Findings: Musk's most frequently used tokens revealed that he discussed various topics, including Tesla, SpaceX, and memes, which made analysis challenging. DOGE was mentioned 50 times, while Bitcoin was mentioned 27 times during the analyzed period.</a:t>
-                      </a:r>
-                    </a:p>
-                    <a:p>
-                      <a:r>
-                        <a:rPr lang="en-US" sz="1800" b="0" i="0" kern="1200" dirty="0">
-                          <a:solidFill>
-                            <a:schemeClr val="dk1"/>
-                          </a:solidFill>
-                          <a:effectLst/>
-                          <a:latin typeface="+mn-lt"/>
-                          <a:ea typeface="+mn-ea"/>
-                          <a:cs typeface="+mn-cs"/>
-                        </a:rPr>
-                        <a:t>Conclusion: The project concluded that there was no apparent relationship between Musk's tweets and cryptocurrency market data. Further analysis and a more complicated model would be required to investigate this topic thoroughly. It highlighted the importance of learning from initial attempts and using them to enhance future analyses.</a:t>
-                      </a:r>
-                    </a:p>
-                    <a:p>
-                      <a:r>
-                        <a:rPr lang="en-US" sz="1800" b="0" i="0" kern="1200" dirty="0">
-                          <a:solidFill>
-                            <a:schemeClr val="dk1"/>
-                          </a:solidFill>
-                          <a:effectLst/>
-                          <a:latin typeface="+mn-lt"/>
-                          <a:ea typeface="+mn-ea"/>
-                          <a:cs typeface="+mn-cs"/>
-                        </a:rPr>
-                        <a:t>Insights: The study revealed that Musk's Twitter activities were similar to those of an ordinary user, with a mix of memes, self-promotion, and varied topics. His tweets did not consistently convey a clear message on specific subjects.</a:t>
-                      </a:r>
-                    </a:p>
-                  </a:txBody>
-                  <a:tcPr marL="118745" marR="118745" marT="0" marB="0">
-                    <a:lnL w="12700" cap="flat" cmpd="sng" algn="ctr">
-                      <a:solidFill>
-                        <a:schemeClr val="tx1"/>
-                      </a:solidFill>
-                      <a:prstDash val="solid"/>
-                      <a:round/>
-                      <a:headEnd type="none" w="med" len="med"/>
-                      <a:tailEnd type="none" w="med" len="med"/>
-                    </a:lnL>
-                    <a:lnR w="12700" cap="flat" cmpd="sng" algn="ctr">
-                      <a:solidFill>
-                        <a:schemeClr val="tx1"/>
-                      </a:solidFill>
-                      <a:prstDash val="solid"/>
-                      <a:round/>
-                      <a:headEnd type="none" w="med" len="med"/>
-                      <a:tailEnd type="none" w="med" len="med"/>
-                    </a:lnR>
-                    <a:lnT w="12700" cap="flat" cmpd="sng" algn="ctr">
-                      <a:solidFill>
-                        <a:schemeClr val="tx1"/>
-                      </a:solidFill>
-                      <a:prstDash val="solid"/>
-                      <a:round/>
-                      <a:headEnd type="none" w="med" len="med"/>
-                      <a:tailEnd type="none" w="med" len="med"/>
-                    </a:lnT>
-                    <a:lnB w="12700" cap="flat" cmpd="sng" algn="ctr">
-                      <a:solidFill>
-                        <a:schemeClr val="tx1"/>
-                      </a:solidFill>
-                      <a:prstDash val="solid"/>
-                      <a:round/>
-                      <a:headEnd type="none" w="med" len="med"/>
-                      <a:tailEnd type="none" w="med" len="med"/>
-                    </a:lnB>
-                    <a:solidFill>
-                      <a:schemeClr val="bg1"/>
-                    </a:solidFill>
-                  </a:tcPr>
-                </a:tc>
-                <a:extLst>
-                  <a:ext uri="{0D108BD9-81ED-4DB2-BD59-A6C34878D82A}">
-                    <a16:rowId xmlns:a16="http://schemas.microsoft.com/office/drawing/2014/main" val="56415965"/>
-                  </a:ext>
-                </a:extLst>
-              </a:tr>
-            </a:tbl>
-          </a:graphicData>
-        </a:graphic>
-      </p:graphicFrame>
-      <p:graphicFrame>
-        <p:nvGraphicFramePr>
-          <p:cNvPr id="5" name="Table 4">
-            <a:extLst>
-              <a:ext uri="{FF2B5EF4-FFF2-40B4-BE49-F238E27FC236}">
-                <a16:creationId xmlns:a16="http://schemas.microsoft.com/office/drawing/2014/main" id="{BFA353F1-3BE7-F9A4-233A-1231632D0C1E}"/>
-              </a:ext>
-            </a:extLst>
-          </p:cNvPr>
-          <p:cNvGraphicFramePr>
-            <a:graphicFrameLocks noGrp="1"/>
-          </p:cNvGraphicFramePr>
-          <p:nvPr>
-            <p:extLst>
-              <p:ext uri="{D42A27DB-BD31-4B8C-83A1-F6EECF244321}">
-                <p14:modId xmlns:p14="http://schemas.microsoft.com/office/powerpoint/2010/main" val="3055102650"/>
-              </p:ext>
-            </p:extLst>
-          </p:nvPr>
-        </p:nvGraphicFramePr>
-        <p:xfrm>
-          <a:off x="404246" y="401133"/>
-          <a:ext cx="10663557" cy="548640"/>
-        </p:xfrm>
-        <a:graphic>
-          <a:graphicData uri="http://schemas.openxmlformats.org/drawingml/2006/table">
-            <a:tbl>
-              <a:tblPr firstRow="1" firstCol="1" bandRow="1">
-                <a:effectLst>
-                  <a:outerShdw blurRad="63500" sx="102000" sy="102000" algn="ctr" rotWithShape="0">
-                    <a:prstClr val="black">
-                      <a:alpha val="40000"/>
-                    </a:prstClr>
-                  </a:outerShdw>
-                </a:effectLst>
-                <a:tableStyleId>{5C22544A-7EE6-4342-B048-85BDC9FD1C3A}</a:tableStyleId>
-              </a:tblPr>
-              <a:tblGrid>
-                <a:gridCol w="10663557">
-                  <a:extLst>
-                    <a:ext uri="{9D8B030D-6E8A-4147-A177-3AD203B41FA5}">
-                      <a16:colId xmlns:a16="http://schemas.microsoft.com/office/drawing/2014/main" val="693956170"/>
-                    </a:ext>
-                  </a:extLst>
-                </a:gridCol>
-              </a:tblGrid>
-              <a:tr h="0">
-                <a:tc>
-                  <a:txBody>
-                    <a:bodyPr/>
-                    <a:lstStyle/>
-                    <a:p>
-                      <a:pPr marL="0" marR="0" lvl="0" indent="0" algn="l" defTabSz="914400" rtl="0" eaLnBrk="1" fontAlgn="auto" latinLnBrk="0" hangingPunct="1">
-                        <a:lnSpc>
-                          <a:spcPct val="100000"/>
-                        </a:lnSpc>
-                        <a:spcBef>
-                          <a:spcPts val="0"/>
-                        </a:spcBef>
-                        <a:spcAft>
-                          <a:spcPts val="0"/>
-                        </a:spcAft>
-                        <a:buClrTx/>
-                        <a:buSzTx/>
-                        <a:buFontTx/>
-                        <a:buNone/>
-                        <a:tabLst/>
-                        <a:defRPr/>
-                      </a:pPr>
-                      <a:r>
-                        <a:rPr lang="en-US" sz="1800" kern="100" dirty="0">
-                          <a:effectLst/>
-                          <a:latin typeface="Microsoft Sans Serif" panose="020B0604020202020204" pitchFamily="34" charset="0"/>
-                          <a:ea typeface="Microsoft Sans Serif" panose="020B0604020202020204" pitchFamily="34" charset="0"/>
-                          <a:cs typeface="Microsoft Sans Serif" panose="020B0604020202020204" pitchFamily="34" charset="0"/>
-                        </a:rPr>
-                        <a:t>Apply ethics in the development, use and evaluation of data and predictive models</a:t>
-                      </a:r>
-                      <a:endParaRPr lang="en-US" sz="1600" kern="100" dirty="0">
-                        <a:solidFill>
-                          <a:srgbClr val="000000"/>
-                        </a:solidFill>
-                        <a:effectLst/>
-                        <a:highlight>
-                          <a:srgbClr val="000080"/>
-                        </a:highlight>
-                        <a:latin typeface="Microsoft Sans Serif" panose="020B0604020202020204" pitchFamily="34" charset="0"/>
-                        <a:ea typeface="Microsoft Sans Serif" panose="020B0604020202020204" pitchFamily="34" charset="0"/>
-                        <a:cs typeface="Microsoft Sans Serif" panose="020B0604020202020204" pitchFamily="34" charset="0"/>
-                      </a:endParaRPr>
-                    </a:p>
-                  </a:txBody>
-                  <a:tcPr marL="73025" marR="73025" marT="137160" marB="137160">
-                    <a:solidFill>
-                      <a:srgbClr val="000080"/>
-                    </a:solidFill>
-                  </a:tcPr>
-                </a:tc>
-                <a:extLst>
-                  <a:ext uri="{0D108BD9-81ED-4DB2-BD59-A6C34878D82A}">
-                    <a16:rowId xmlns:a16="http://schemas.microsoft.com/office/drawing/2014/main" val="125314420"/>
-                  </a:ext>
-                </a:extLst>
-              </a:tr>
-            </a:tbl>
-          </a:graphicData>
-        </a:graphic>
-      </p:graphicFrame>
-      <p:pic>
-        <p:nvPicPr>
-          <p:cNvPr id="7" name="Picture 6">
-            <a:extLst>
-              <a:ext uri="{FF2B5EF4-FFF2-40B4-BE49-F238E27FC236}">
-                <a16:creationId xmlns:a16="http://schemas.microsoft.com/office/drawing/2014/main" id="{594BDAEE-3F71-B040-F8D2-CD4BFBF9A2B6}"/>
-              </a:ext>
-            </a:extLst>
-          </p:cNvPr>
-          <p:cNvPicPr>
-            <a:picLocks noChangeAspect="1"/>
-          </p:cNvPicPr>
-          <p:nvPr/>
-        </p:nvPicPr>
-        <p:blipFill>
-          <a:blip r:embed="rId2">
-            <a:extLst>
-              <a:ext uri="{28A0092B-C50C-407E-A947-70E740481C1C}">
-                <a14:useLocalDpi xmlns:a14="http://schemas.microsoft.com/office/drawing/2010/main" val="0"/>
-              </a:ext>
-            </a:extLst>
-          </a:blip>
-          <a:srcRect/>
-          <a:stretch/>
-        </p:blipFill>
-        <p:spPr>
-          <a:xfrm>
-            <a:off x="11075235" y="369931"/>
-            <a:ext cx="712519" cy="702483"/>
-          </a:xfrm>
-          <a:prstGeom prst="rect">
-            <a:avLst/>
-          </a:prstGeom>
-          <a:effectLst>
-            <a:outerShdw blurRad="63500" sx="105000" sy="105000" algn="ctr" rotWithShape="0">
-              <a:prstClr val="black"/>
-            </a:outerShdw>
-            <a:softEdge rad="25400"/>
-          </a:effectLst>
-        </p:spPr>
-      </p:pic>
-      <p:sp>
-        <p:nvSpPr>
-          <p:cNvPr id="9" name="TextBox 8">
-            <a:extLst>
-              <a:ext uri="{FF2B5EF4-FFF2-40B4-BE49-F238E27FC236}">
-                <a16:creationId xmlns:a16="http://schemas.microsoft.com/office/drawing/2014/main" id="{610E1E22-ECC9-260D-783D-BDDCBC3C2A48}"/>
-              </a:ext>
-            </a:extLst>
-          </p:cNvPr>
-          <p:cNvSpPr txBox="1"/>
-          <p:nvPr/>
-        </p:nvSpPr>
-        <p:spPr>
-          <a:xfrm>
-            <a:off x="4959459" y="6456866"/>
-            <a:ext cx="6975846" cy="369332"/>
-          </a:xfrm>
-          <a:prstGeom prst="rect">
-            <a:avLst/>
-          </a:prstGeom>
-          <a:noFill/>
-        </p:spPr>
-        <p:txBody>
-          <a:bodyPr wrap="square">
-            <a:spAutoFit/>
-          </a:bodyPr>
-          <a:lstStyle/>
-          <a:p>
-            <a:pPr marL="0" marR="0" algn="l">
-              <a:spcBef>
-                <a:spcPts val="0"/>
-              </a:spcBef>
-              <a:spcAft>
-                <a:spcPts val="0"/>
-              </a:spcAft>
-            </a:pPr>
-            <a:r>
-              <a:rPr lang="en-US" sz="1800" b="1" kern="100" dirty="0">
-                <a:solidFill>
-                  <a:schemeClr val="bg1"/>
-                </a:solidFill>
-                <a:effectLst/>
-                <a:highlight>
-                  <a:srgbClr val="000080"/>
-                </a:highlight>
-                <a:latin typeface="Microsoft Sans Serif" panose="020B0604020202020204" pitchFamily="34" charset="0"/>
-                <a:ea typeface="Microsoft Sans Serif" panose="020B0604020202020204" pitchFamily="34" charset="0"/>
-                <a:cs typeface="Microsoft Sans Serif" panose="020B0604020202020204" pitchFamily="34" charset="0"/>
-              </a:rPr>
-              <a:t>Josep</a:t>
-            </a:r>
-            <a:r>
-              <a:rPr lang="en-US" b="1" kern="100" dirty="0">
-                <a:solidFill>
-                  <a:schemeClr val="bg1"/>
-                </a:solidFill>
-                <a:highlight>
-                  <a:srgbClr val="000080"/>
-                </a:highlight>
-                <a:latin typeface="Microsoft Sans Serif" panose="020B0604020202020204" pitchFamily="34" charset="0"/>
-                <a:ea typeface="Microsoft Sans Serif" panose="020B0604020202020204" pitchFamily="34" charset="0"/>
-                <a:cs typeface="Microsoft Sans Serif" panose="020B0604020202020204" pitchFamily="34" charset="0"/>
-              </a:rPr>
-              <a:t>h R Maugeri IV - </a:t>
-            </a:r>
-            <a:r>
-              <a:rPr lang="en-US" sz="1800" b="1" kern="100" dirty="0">
-                <a:solidFill>
-                  <a:schemeClr val="bg1"/>
-                </a:solidFill>
-                <a:effectLst/>
-                <a:highlight>
-                  <a:srgbClr val="000080"/>
-                </a:highlight>
-                <a:latin typeface="Microsoft Sans Serif" panose="020B0604020202020204" pitchFamily="34" charset="0"/>
-                <a:ea typeface="Microsoft Sans Serif" panose="020B0604020202020204" pitchFamily="34" charset="0"/>
-                <a:cs typeface="Microsoft Sans Serif" panose="020B0604020202020204" pitchFamily="34" charset="0"/>
-              </a:rPr>
-              <a:t>IST 782 - Syracuse University ISchool, 2023 </a:t>
-            </a:r>
-            <a:endParaRPr lang="en-US" sz="1600" b="1" kern="100" dirty="0">
-              <a:solidFill>
-                <a:schemeClr val="bg1"/>
-              </a:solidFill>
-              <a:effectLst/>
-              <a:highlight>
-                <a:srgbClr val="000080"/>
-              </a:highlight>
-              <a:latin typeface="Microsoft Sans Serif" panose="020B0604020202020204" pitchFamily="34" charset="0"/>
-              <a:ea typeface="Microsoft Sans Serif" panose="020B0604020202020204" pitchFamily="34" charset="0"/>
-              <a:cs typeface="Microsoft Sans Serif" panose="020B0604020202020204" pitchFamily="34" charset="0"/>
-            </a:endParaRPr>
-          </a:p>
-        </p:txBody>
-      </p:sp>
-    </p:spTree>
-    <p:extLst>
-      <p:ext uri="{BB962C8B-B14F-4D97-AF65-F5344CB8AC3E}">
-        <p14:creationId xmlns:p14="http://schemas.microsoft.com/office/powerpoint/2010/main" val="1588762578"/>
       </p:ext>
     </p:extLst>
   </p:cSld>
@@ -8155,4 +13086,299 @@
     </a:ext>
   </a:extLst>
 </a:theme>
+</file>
+
+<file path=ppt/theme/theme2.xml><?xml version="1.0" encoding="utf-8"?>
+<a:theme xmlns:a="http://schemas.openxmlformats.org/drawingml/2006/main" name="Office Theme">
+  <a:themeElements>
+    <a:clrScheme name="Office">
+      <a:dk1>
+        <a:sysClr val="windowText" lastClr="000000"/>
+      </a:dk1>
+      <a:lt1>
+        <a:sysClr val="window" lastClr="FFFFFF"/>
+      </a:lt1>
+      <a:dk2>
+        <a:srgbClr val="44546A"/>
+      </a:dk2>
+      <a:lt2>
+        <a:srgbClr val="E7E6E6"/>
+      </a:lt2>
+      <a:accent1>
+        <a:srgbClr val="4472C4"/>
+      </a:accent1>
+      <a:accent2>
+        <a:srgbClr val="ED7D31"/>
+      </a:accent2>
+      <a:accent3>
+        <a:srgbClr val="A5A5A5"/>
+      </a:accent3>
+      <a:accent4>
+        <a:srgbClr val="FFC000"/>
+      </a:accent4>
+      <a:accent5>
+        <a:srgbClr val="5B9BD5"/>
+      </a:accent5>
+      <a:accent6>
+        <a:srgbClr val="70AD47"/>
+      </a:accent6>
+      <a:hlink>
+        <a:srgbClr val="0563C1"/>
+      </a:hlink>
+      <a:folHlink>
+        <a:srgbClr val="954F72"/>
+      </a:folHlink>
+    </a:clrScheme>
+    <a:fontScheme name="Office">
+      <a:majorFont>
+        <a:latin typeface="Calibri Light" panose="020F0302020204030204"/>
+        <a:ea typeface=""/>
+        <a:cs typeface=""/>
+        <a:font script="Jpan" typeface="游ゴシック Light"/>
+        <a:font script="Hang" typeface="맑은 고딕"/>
+        <a:font script="Hans" typeface="等线 Light"/>
+        <a:font script="Hant" typeface="新細明體"/>
+        <a:font script="Arab" typeface="Times New Roman"/>
+        <a:font script="Hebr" typeface="Times New Roman"/>
+        <a:font script="Thai" typeface="Angsana New"/>
+        <a:font script="Ethi" typeface="Nyala"/>
+        <a:font script="Beng" typeface="Vrinda"/>
+        <a:font script="Gujr" typeface="Shruti"/>
+        <a:font script="Khmr" typeface="MoolBoran"/>
+        <a:font script="Knda" typeface="Tunga"/>
+        <a:font script="Guru" typeface="Raavi"/>
+        <a:font script="Cans" typeface="Euphemia"/>
+        <a:font script="Cher" typeface="Plantagenet Cherokee"/>
+        <a:font script="Yiii" typeface="Microsoft Yi Baiti"/>
+        <a:font script="Tibt" typeface="Microsoft Himalaya"/>
+        <a:font script="Thaa" typeface="MV Boli"/>
+        <a:font script="Deva" typeface="Mangal"/>
+        <a:font script="Telu" typeface="Gautami"/>
+        <a:font script="Taml" typeface="Latha"/>
+        <a:font script="Syrc" typeface="Estrangelo Edessa"/>
+        <a:font script="Orya" typeface="Kalinga"/>
+        <a:font script="Mlym" typeface="Kartika"/>
+        <a:font script="Laoo" typeface="DokChampa"/>
+        <a:font script="Sinh" typeface="Iskoola Pota"/>
+        <a:font script="Mong" typeface="Mongolian Baiti"/>
+        <a:font script="Viet" typeface="Times New Roman"/>
+        <a:font script="Uigh" typeface="Microsoft Uighur"/>
+        <a:font script="Geor" typeface="Sylfaen"/>
+        <a:font script="Armn" typeface="Arial"/>
+        <a:font script="Bugi" typeface="Leelawadee UI"/>
+        <a:font script="Bopo" typeface="Microsoft JhengHei"/>
+        <a:font script="Java" typeface="Javanese Text"/>
+        <a:font script="Lisu" typeface="Segoe UI"/>
+        <a:font script="Mymr" typeface="Myanmar Text"/>
+        <a:font script="Nkoo" typeface="Ebrima"/>
+        <a:font script="Olck" typeface="Nirmala UI"/>
+        <a:font script="Osma" typeface="Ebrima"/>
+        <a:font script="Phag" typeface="Phagspa"/>
+        <a:font script="Syrn" typeface="Estrangelo Edessa"/>
+        <a:font script="Syrj" typeface="Estrangelo Edessa"/>
+        <a:font script="Syre" typeface="Estrangelo Edessa"/>
+        <a:font script="Sora" typeface="Nirmala UI"/>
+        <a:font script="Tale" typeface="Microsoft Tai Le"/>
+        <a:font script="Talu" typeface="Microsoft New Tai Lue"/>
+        <a:font script="Tfng" typeface="Ebrima"/>
+      </a:majorFont>
+      <a:minorFont>
+        <a:latin typeface="Calibri" panose="020F0502020204030204"/>
+        <a:ea typeface=""/>
+        <a:cs typeface=""/>
+        <a:font script="Jpan" typeface="游ゴシック"/>
+        <a:font script="Hang" typeface="맑은 고딕"/>
+        <a:font script="Hans" typeface="等线"/>
+        <a:font script="Hant" typeface="新細明體"/>
+        <a:font script="Arab" typeface="Arial"/>
+        <a:font script="Hebr" typeface="Arial"/>
+        <a:font script="Thai" typeface="Cordia New"/>
+        <a:font script="Ethi" typeface="Nyala"/>
+        <a:font script="Beng" typeface="Vrinda"/>
+        <a:font script="Gujr" typeface="Shruti"/>
+        <a:font script="Khmr" typeface="DaunPenh"/>
+        <a:font script="Knda" typeface="Tunga"/>
+        <a:font script="Guru" typeface="Raavi"/>
+        <a:font script="Cans" typeface="Euphemia"/>
+        <a:font script="Cher" typeface="Plantagenet Cherokee"/>
+        <a:font script="Yiii" typeface="Microsoft Yi Baiti"/>
+        <a:font script="Tibt" typeface="Microsoft Himalaya"/>
+        <a:font script="Thaa" typeface="MV Boli"/>
+        <a:font script="Deva" typeface="Mangal"/>
+        <a:font script="Telu" typeface="Gautami"/>
+        <a:font script="Taml" typeface="Latha"/>
+        <a:font script="Syrc" typeface="Estrangelo Edessa"/>
+        <a:font script="Orya" typeface="Kalinga"/>
+        <a:font script="Mlym" typeface="Kartika"/>
+        <a:font script="Laoo" typeface="DokChampa"/>
+        <a:font script="Sinh" typeface="Iskoola Pota"/>
+        <a:font script="Mong" typeface="Mongolian Baiti"/>
+        <a:font script="Viet" typeface="Arial"/>
+        <a:font script="Uigh" typeface="Microsoft Uighur"/>
+        <a:font script="Geor" typeface="Sylfaen"/>
+        <a:font script="Armn" typeface="Arial"/>
+        <a:font script="Bugi" typeface="Leelawadee UI"/>
+        <a:font script="Bopo" typeface="Microsoft JhengHei"/>
+        <a:font script="Java" typeface="Javanese Text"/>
+        <a:font script="Lisu" typeface="Segoe UI"/>
+        <a:font script="Mymr" typeface="Myanmar Text"/>
+        <a:font script="Nkoo" typeface="Ebrima"/>
+        <a:font script="Olck" typeface="Nirmala UI"/>
+        <a:font script="Osma" typeface="Ebrima"/>
+        <a:font script="Phag" typeface="Phagspa"/>
+        <a:font script="Syrn" typeface="Estrangelo Edessa"/>
+        <a:font script="Syrj" typeface="Estrangelo Edessa"/>
+        <a:font script="Syre" typeface="Estrangelo Edessa"/>
+        <a:font script="Sora" typeface="Nirmala UI"/>
+        <a:font script="Tale" typeface="Microsoft Tai Le"/>
+        <a:font script="Talu" typeface="Microsoft New Tai Lue"/>
+        <a:font script="Tfng" typeface="Ebrima"/>
+      </a:minorFont>
+    </a:fontScheme>
+    <a:fmtScheme name="Office">
+      <a:fillStyleLst>
+        <a:solidFill>
+          <a:schemeClr val="phClr"/>
+        </a:solidFill>
+        <a:gradFill rotWithShape="1">
+          <a:gsLst>
+            <a:gs pos="0">
+              <a:schemeClr val="phClr">
+                <a:lumMod val="110000"/>
+                <a:satMod val="105000"/>
+                <a:tint val="67000"/>
+              </a:schemeClr>
+            </a:gs>
+            <a:gs pos="50000">
+              <a:schemeClr val="phClr">
+                <a:lumMod val="105000"/>
+                <a:satMod val="103000"/>
+                <a:tint val="73000"/>
+              </a:schemeClr>
+            </a:gs>
+            <a:gs pos="100000">
+              <a:schemeClr val="phClr">
+                <a:lumMod val="105000"/>
+                <a:satMod val="109000"/>
+                <a:tint val="81000"/>
+              </a:schemeClr>
+            </a:gs>
+          </a:gsLst>
+          <a:lin ang="5400000" scaled="0"/>
+        </a:gradFill>
+        <a:gradFill rotWithShape="1">
+          <a:gsLst>
+            <a:gs pos="0">
+              <a:schemeClr val="phClr">
+                <a:satMod val="103000"/>
+                <a:lumMod val="102000"/>
+                <a:tint val="94000"/>
+              </a:schemeClr>
+            </a:gs>
+            <a:gs pos="50000">
+              <a:schemeClr val="phClr">
+                <a:satMod val="110000"/>
+                <a:lumMod val="100000"/>
+                <a:shade val="100000"/>
+              </a:schemeClr>
+            </a:gs>
+            <a:gs pos="100000">
+              <a:schemeClr val="phClr">
+                <a:lumMod val="99000"/>
+                <a:satMod val="120000"/>
+                <a:shade val="78000"/>
+              </a:schemeClr>
+            </a:gs>
+          </a:gsLst>
+          <a:lin ang="5400000" scaled="0"/>
+        </a:gradFill>
+      </a:fillStyleLst>
+      <a:lnStyleLst>
+        <a:ln w="6350" cap="flat" cmpd="sng" algn="ctr">
+          <a:solidFill>
+            <a:schemeClr val="phClr"/>
+          </a:solidFill>
+          <a:prstDash val="solid"/>
+          <a:miter lim="800000"/>
+        </a:ln>
+        <a:ln w="12700" cap="flat" cmpd="sng" algn="ctr">
+          <a:solidFill>
+            <a:schemeClr val="phClr"/>
+          </a:solidFill>
+          <a:prstDash val="solid"/>
+          <a:miter lim="800000"/>
+        </a:ln>
+        <a:ln w="19050" cap="flat" cmpd="sng" algn="ctr">
+          <a:solidFill>
+            <a:schemeClr val="phClr"/>
+          </a:solidFill>
+          <a:prstDash val="solid"/>
+          <a:miter lim="800000"/>
+        </a:ln>
+      </a:lnStyleLst>
+      <a:effectStyleLst>
+        <a:effectStyle>
+          <a:effectLst/>
+        </a:effectStyle>
+        <a:effectStyle>
+          <a:effectLst/>
+        </a:effectStyle>
+        <a:effectStyle>
+          <a:effectLst>
+            <a:outerShdw blurRad="57150" dist="19050" dir="5400000" algn="ctr" rotWithShape="0">
+              <a:srgbClr val="000000">
+                <a:alpha val="63000"/>
+              </a:srgbClr>
+            </a:outerShdw>
+          </a:effectLst>
+        </a:effectStyle>
+      </a:effectStyleLst>
+      <a:bgFillStyleLst>
+        <a:solidFill>
+          <a:schemeClr val="phClr"/>
+        </a:solidFill>
+        <a:solidFill>
+          <a:schemeClr val="phClr">
+            <a:tint val="95000"/>
+            <a:satMod val="170000"/>
+          </a:schemeClr>
+        </a:solidFill>
+        <a:gradFill rotWithShape="1">
+          <a:gsLst>
+            <a:gs pos="0">
+              <a:schemeClr val="phClr">
+                <a:tint val="93000"/>
+                <a:satMod val="150000"/>
+                <a:shade val="98000"/>
+                <a:lumMod val="102000"/>
+              </a:schemeClr>
+            </a:gs>
+            <a:gs pos="50000">
+              <a:schemeClr val="phClr">
+                <a:tint val="98000"/>
+                <a:satMod val="130000"/>
+                <a:shade val="90000"/>
+                <a:lumMod val="103000"/>
+              </a:schemeClr>
+            </a:gs>
+            <a:gs pos="100000">
+              <a:schemeClr val="phClr">
+                <a:shade val="63000"/>
+                <a:satMod val="120000"/>
+              </a:schemeClr>
+            </a:gs>
+          </a:gsLst>
+          <a:lin ang="5400000" scaled="0"/>
+        </a:gradFill>
+      </a:bgFillStyleLst>
+    </a:fmtScheme>
+  </a:themeElements>
+  <a:objectDefaults/>
+  <a:extraClrSchemeLst/>
+  <a:extLst>
+    <a:ext uri="{05A4C25C-085E-4340-85A3-A5531E510DB2}">
+      <thm15:themeFamily xmlns:thm15="http://schemas.microsoft.com/office/thememl/2012/main" name="Office Theme" id="{62F939B6-93AF-4DB8-9C6B-D6C7DFDC589F}" vid="{4A3C46E8-61CC-4603-A589-7422A47A8E4A}"/>
+    </a:ext>
+  </a:extLst>
+</a:theme>
 </file>